--- a/Шах и мат.pptx
+++ b/Шах и мат.pptx
@@ -2,14 +2,16 @@
 <file path=ppt/presentation.xml><?xml version="1.0" encoding="utf-8"?>
 <p:presentation xmlns:a="http://schemas.openxmlformats.org/drawingml/2006/main" xmlns:r="http://schemas.openxmlformats.org/officeDocument/2006/relationships" xmlns:p="http://schemas.openxmlformats.org/presentationml/2006/main" saveSubsetFonts="1">
   <p:sldMasterIdLst>
-    <p:sldMasterId id="2147483696" r:id="rId1"/>
+    <p:sldMasterId id="2147483732" r:id="rId1"/>
   </p:sldMasterIdLst>
   <p:sldIdLst>
     <p:sldId id="256" r:id="rId2"/>
     <p:sldId id="257" r:id="rId3"/>
     <p:sldId id="258" r:id="rId4"/>
     <p:sldId id="259" r:id="rId5"/>
-    <p:sldId id="260" r:id="rId6"/>
+    <p:sldId id="261" r:id="rId6"/>
+    <p:sldId id="262" r:id="rId7"/>
+    <p:sldId id="260" r:id="rId8"/>
   </p:sldIdLst>
   <p:sldSz cx="12192000" cy="6858000"/>
   <p:notesSz cx="6858000" cy="9144000"/>
@@ -108,6 +110,11 @@
       </a:defRPr>
     </a:lvl9pPr>
   </p:defaultTextStyle>
+  <p:extLst>
+    <p:ext uri="{EFAFB233-063F-42B5-8137-9DF3F51BA10A}">
+      <p15:sldGuideLst xmlns:p15="http://schemas.microsoft.com/office/powerpoint/2012/main"/>
+    </p:ext>
+  </p:extLst>
 </p:presentation>
 </file>
 
@@ -1322,7 +1329,7 @@
           <a:p>
             <a:fld id="{7E7BD34D-EB24-4AD3-B891-620DA40906B5}" type="datetimeFigureOut">
               <a:rPr lang="ru-RU" smtClean="0"/>
-              <a:t>07.01.2023</a:t>
+              <a:t>09.01.2023</a:t>
             </a:fld>
             <a:endParaRPr lang="ru-RU"/>
           </a:p>
@@ -1441,7 +1448,7 @@
     </p:spTree>
     <p:extLst>
       <p:ext uri="{BB962C8B-B14F-4D97-AF65-F5344CB8AC3E}">
-        <p14:creationId xmlns:p14="http://schemas.microsoft.com/office/powerpoint/2010/main" val="3714539810"/>
+        <p14:creationId xmlns:p14="http://schemas.microsoft.com/office/powerpoint/2010/main" val="726723755"/>
       </p:ext>
     </p:extLst>
   </p:cSld>
@@ -1560,7 +1567,7 @@
           <a:p>
             <a:fld id="{7E7BD34D-EB24-4AD3-B891-620DA40906B5}" type="datetimeFigureOut">
               <a:rPr lang="ru-RU" smtClean="0"/>
-              <a:t>07.01.2023</a:t>
+              <a:t>09.01.2023</a:t>
             </a:fld>
             <a:endParaRPr lang="ru-RU"/>
           </a:p>
@@ -1611,7 +1618,7 @@
     </p:spTree>
     <p:extLst>
       <p:ext uri="{BB962C8B-B14F-4D97-AF65-F5344CB8AC3E}">
-        <p14:creationId xmlns:p14="http://schemas.microsoft.com/office/powerpoint/2010/main" val="1413507201"/>
+        <p14:creationId xmlns:p14="http://schemas.microsoft.com/office/powerpoint/2010/main" val="1607959856"/>
       </p:ext>
     </p:extLst>
   </p:cSld>
@@ -1740,7 +1747,7 @@
           <a:p>
             <a:fld id="{7E7BD34D-EB24-4AD3-B891-620DA40906B5}" type="datetimeFigureOut">
               <a:rPr lang="ru-RU" smtClean="0"/>
-              <a:t>07.01.2023</a:t>
+              <a:t>09.01.2023</a:t>
             </a:fld>
             <a:endParaRPr lang="ru-RU"/>
           </a:p>
@@ -1791,7 +1798,7 @@
     </p:spTree>
     <p:extLst>
       <p:ext uri="{BB962C8B-B14F-4D97-AF65-F5344CB8AC3E}">
-        <p14:creationId xmlns:p14="http://schemas.microsoft.com/office/powerpoint/2010/main" val="688001408"/>
+        <p14:creationId xmlns:p14="http://schemas.microsoft.com/office/powerpoint/2010/main" val="3767584936"/>
       </p:ext>
     </p:extLst>
   </p:cSld>
@@ -1910,7 +1917,7 @@
           <a:p>
             <a:fld id="{7E7BD34D-EB24-4AD3-B891-620DA40906B5}" type="datetimeFigureOut">
               <a:rPr lang="ru-RU" smtClean="0"/>
-              <a:t>07.01.2023</a:t>
+              <a:t>09.01.2023</a:t>
             </a:fld>
             <a:endParaRPr lang="ru-RU"/>
           </a:p>
@@ -1961,7 +1968,7 @@
     </p:spTree>
     <p:extLst>
       <p:ext uri="{BB962C8B-B14F-4D97-AF65-F5344CB8AC3E}">
-        <p14:creationId xmlns:p14="http://schemas.microsoft.com/office/powerpoint/2010/main" val="4251459718"/>
+        <p14:creationId xmlns:p14="http://schemas.microsoft.com/office/powerpoint/2010/main" val="3395196245"/>
       </p:ext>
     </p:extLst>
   </p:cSld>
@@ -2183,7 +2190,7 @@
           <a:p>
             <a:fld id="{7E7BD34D-EB24-4AD3-B891-620DA40906B5}" type="datetimeFigureOut">
               <a:rPr lang="ru-RU" smtClean="0"/>
-              <a:t>07.01.2023</a:t>
+              <a:t>09.01.2023</a:t>
             </a:fld>
             <a:endParaRPr lang="ru-RU"/>
           </a:p>
@@ -3203,7 +3210,7 @@
     </p:spTree>
     <p:extLst>
       <p:ext uri="{BB962C8B-B14F-4D97-AF65-F5344CB8AC3E}">
-        <p14:creationId xmlns:p14="http://schemas.microsoft.com/office/powerpoint/2010/main" val="4215705615"/>
+        <p14:creationId xmlns:p14="http://schemas.microsoft.com/office/powerpoint/2010/main" val="2651760642"/>
       </p:ext>
     </p:extLst>
   </p:cSld>
@@ -3384,7 +3391,7 @@
           <a:p>
             <a:fld id="{7E7BD34D-EB24-4AD3-B891-620DA40906B5}" type="datetimeFigureOut">
               <a:rPr lang="ru-RU" smtClean="0"/>
-              <a:t>07.01.2023</a:t>
+              <a:t>09.01.2023</a:t>
             </a:fld>
             <a:endParaRPr lang="ru-RU"/>
           </a:p>
@@ -3435,7 +3442,7 @@
     </p:spTree>
     <p:extLst>
       <p:ext uri="{BB962C8B-B14F-4D97-AF65-F5344CB8AC3E}">
-        <p14:creationId xmlns:p14="http://schemas.microsoft.com/office/powerpoint/2010/main" val="2309217918"/>
+        <p14:creationId xmlns:p14="http://schemas.microsoft.com/office/powerpoint/2010/main" val="855424081"/>
       </p:ext>
     </p:extLst>
   </p:cSld>
@@ -3774,7 +3781,7 @@
           <a:p>
             <a:fld id="{7E7BD34D-EB24-4AD3-B891-620DA40906B5}" type="datetimeFigureOut">
               <a:rPr lang="ru-RU" smtClean="0"/>
-              <a:t>07.01.2023</a:t>
+              <a:t>09.01.2023</a:t>
             </a:fld>
             <a:endParaRPr lang="ru-RU"/>
           </a:p>
@@ -3825,7 +3832,7 @@
     </p:spTree>
     <p:extLst>
       <p:ext uri="{BB962C8B-B14F-4D97-AF65-F5344CB8AC3E}">
-        <p14:creationId xmlns:p14="http://schemas.microsoft.com/office/powerpoint/2010/main" val="2101250955"/>
+        <p14:creationId xmlns:p14="http://schemas.microsoft.com/office/powerpoint/2010/main" val="1974803173"/>
       </p:ext>
     </p:extLst>
   </p:cSld>
@@ -3897,7 +3904,7 @@
           <a:p>
             <a:fld id="{7E7BD34D-EB24-4AD3-B891-620DA40906B5}" type="datetimeFigureOut">
               <a:rPr lang="ru-RU" smtClean="0"/>
-              <a:t>07.01.2023</a:t>
+              <a:t>09.01.2023</a:t>
             </a:fld>
             <a:endParaRPr lang="ru-RU"/>
           </a:p>
@@ -3948,7 +3955,7 @@
     </p:spTree>
     <p:extLst>
       <p:ext uri="{BB962C8B-B14F-4D97-AF65-F5344CB8AC3E}">
-        <p14:creationId xmlns:p14="http://schemas.microsoft.com/office/powerpoint/2010/main" val="894920079"/>
+        <p14:creationId xmlns:p14="http://schemas.microsoft.com/office/powerpoint/2010/main" val="2027717831"/>
       </p:ext>
     </p:extLst>
   </p:cSld>
@@ -3992,7 +3999,7 @@
           <a:p>
             <a:fld id="{7E7BD34D-EB24-4AD3-B891-620DA40906B5}" type="datetimeFigureOut">
               <a:rPr lang="ru-RU" smtClean="0"/>
-              <a:t>07.01.2023</a:t>
+              <a:t>09.01.2023</a:t>
             </a:fld>
             <a:endParaRPr lang="ru-RU"/>
           </a:p>
@@ -4043,7 +4050,7 @@
     </p:spTree>
     <p:extLst>
       <p:ext uri="{BB962C8B-B14F-4D97-AF65-F5344CB8AC3E}">
-        <p14:creationId xmlns:p14="http://schemas.microsoft.com/office/powerpoint/2010/main" val="961380962"/>
+        <p14:creationId xmlns:p14="http://schemas.microsoft.com/office/powerpoint/2010/main" val="3433581717"/>
       </p:ext>
     </p:extLst>
   </p:cSld>
@@ -4755,7 +4762,7 @@
           <a:p>
             <a:fld id="{7E7BD34D-EB24-4AD3-B891-620DA40906B5}" type="datetimeFigureOut">
               <a:rPr lang="ru-RU" smtClean="0"/>
-              <a:t>07.01.2023</a:t>
+              <a:t>09.01.2023</a:t>
             </a:fld>
             <a:endParaRPr lang="ru-RU"/>
           </a:p>
@@ -4854,7 +4861,7 @@
     </p:spTree>
     <p:extLst>
       <p:ext uri="{BB962C8B-B14F-4D97-AF65-F5344CB8AC3E}">
-        <p14:creationId xmlns:p14="http://schemas.microsoft.com/office/powerpoint/2010/main" val="1844607135"/>
+        <p14:creationId xmlns:p14="http://schemas.microsoft.com/office/powerpoint/2010/main" val="144018505"/>
       </p:ext>
     </p:extLst>
   </p:cSld>
@@ -5595,7 +5602,7 @@
           <a:p>
             <a:fld id="{7E7BD34D-EB24-4AD3-B891-620DA40906B5}" type="datetimeFigureOut">
               <a:rPr lang="ru-RU" smtClean="0"/>
-              <a:t>07.01.2023</a:t>
+              <a:t>09.01.2023</a:t>
             </a:fld>
             <a:endParaRPr lang="ru-RU"/>
           </a:p>
@@ -5656,7 +5663,7 @@
     </p:spTree>
     <p:extLst>
       <p:ext uri="{BB962C8B-B14F-4D97-AF65-F5344CB8AC3E}">
-        <p14:creationId xmlns:p14="http://schemas.microsoft.com/office/powerpoint/2010/main" val="2422803231"/>
+        <p14:creationId xmlns:p14="http://schemas.microsoft.com/office/powerpoint/2010/main" val="321017595"/>
       </p:ext>
     </p:extLst>
   </p:cSld>
@@ -5822,7 +5829,7 @@
           <a:p>
             <a:fld id="{7E7BD34D-EB24-4AD3-B891-620DA40906B5}" type="datetimeFigureOut">
               <a:rPr lang="ru-RU" smtClean="0"/>
-              <a:t>07.01.2023</a:t>
+              <a:t>09.01.2023</a:t>
             </a:fld>
             <a:endParaRPr lang="ru-RU"/>
           </a:p>
@@ -6413,23 +6420,23 @@
     </p:spTree>
     <p:extLst>
       <p:ext uri="{BB962C8B-B14F-4D97-AF65-F5344CB8AC3E}">
-        <p14:creationId xmlns:p14="http://schemas.microsoft.com/office/powerpoint/2010/main" val="2348537030"/>
+        <p14:creationId xmlns:p14="http://schemas.microsoft.com/office/powerpoint/2010/main" val="2127270549"/>
       </p:ext>
     </p:extLst>
   </p:cSld>
   <p:clrMap bg1="lt1" tx1="dk1" bg2="lt2" tx2="dk2" accent1="accent1" accent2="accent2" accent3="accent3" accent4="accent4" accent5="accent5" accent6="accent6" hlink="hlink" folHlink="folHlink"/>
   <p:sldLayoutIdLst>
-    <p:sldLayoutId id="2147483697" r:id="rId1"/>
-    <p:sldLayoutId id="2147483698" r:id="rId2"/>
-    <p:sldLayoutId id="2147483699" r:id="rId3"/>
-    <p:sldLayoutId id="2147483700" r:id="rId4"/>
-    <p:sldLayoutId id="2147483701" r:id="rId5"/>
-    <p:sldLayoutId id="2147483702" r:id="rId6"/>
-    <p:sldLayoutId id="2147483703" r:id="rId7"/>
-    <p:sldLayoutId id="2147483704" r:id="rId8"/>
-    <p:sldLayoutId id="2147483705" r:id="rId9"/>
-    <p:sldLayoutId id="2147483706" r:id="rId10"/>
-    <p:sldLayoutId id="2147483707" r:id="rId11"/>
+    <p:sldLayoutId id="2147483733" r:id="rId1"/>
+    <p:sldLayoutId id="2147483734" r:id="rId2"/>
+    <p:sldLayoutId id="2147483735" r:id="rId3"/>
+    <p:sldLayoutId id="2147483736" r:id="rId4"/>
+    <p:sldLayoutId id="2147483737" r:id="rId5"/>
+    <p:sldLayoutId id="2147483738" r:id="rId6"/>
+    <p:sldLayoutId id="2147483739" r:id="rId7"/>
+    <p:sldLayoutId id="2147483740" r:id="rId8"/>
+    <p:sldLayoutId id="2147483741" r:id="rId9"/>
+    <p:sldLayoutId id="2147483742" r:id="rId10"/>
+    <p:sldLayoutId id="2147483743" r:id="rId11"/>
   </p:sldLayoutIdLst>
   <p:txStyles>
     <p:titleStyle>
@@ -7060,6 +7067,32 @@
           </a:p>
         </p:txBody>
       </p:sp>
+      <p:pic>
+        <p:nvPicPr>
+          <p:cNvPr id="7" name="Объект 6"/>
+          <p:cNvPicPr>
+            <a:picLocks noGrp="1"/>
+          </p:cNvPicPr>
+          <p:nvPr>
+            <p:ph idx="1"/>
+          </p:nvPr>
+        </p:nvPicPr>
+        <p:blipFill>
+          <a:blip r:embed="rId2"/>
+          <a:stretch>
+            <a:fillRect/>
+          </a:stretch>
+        </p:blipFill>
+        <p:spPr>
+          <a:xfrm>
+            <a:off x="765175" y="989266"/>
+            <a:ext cx="6157913" cy="4847718"/>
+          </a:xfrm>
+          <a:prstGeom prst="rect">
+            <a:avLst/>
+          </a:prstGeom>
+        </p:spPr>
+      </p:pic>
       <p:sp>
         <p:nvSpPr>
           <p:cNvPr id="4" name="Текст 3"/>
@@ -7078,7 +7111,7 @@
         </p:spPr>
         <p:txBody>
           <a:bodyPr>
-            <a:normAutofit fontScale="85000" lnSpcReduction="20000"/>
+            <a:normAutofit fontScale="92500" lnSpcReduction="20000"/>
           </a:bodyPr>
           <a:lstStyle/>
           <a:p>
@@ -7089,7 +7122,7 @@
               <a:t>Класс </a:t>
             </a:r>
             <a:r>
-              <a:rPr lang="en-US" dirty="0">
+              <a:rPr lang="ru-RU" i="1" dirty="0" err="1">
                 <a:latin typeface="Corbel" panose="020B0503020204020204" pitchFamily="34" charset="0"/>
               </a:rPr>
               <a:t>Board</a:t>
@@ -7102,223 +7135,142 @@
             </a:r>
           </a:p>
           <a:p>
-            <a:pPr marL="285750" lvl="0" indent="-285750">
+            <a:pPr marL="285750" indent="-285750">
               <a:buClr>
-                <a:schemeClr val="bg1"/>
+                <a:schemeClr val="bg2"/>
               </a:buClr>
               <a:buFont typeface="Arial" panose="020B0604020202020204" pitchFamily="34" charset="0"/>
               <a:buChar char="•"/>
             </a:pPr>
             <a:r>
+              <a:rPr lang="ru-RU" dirty="0" smtClean="0">
+                <a:latin typeface="Corbel" panose="020B0503020204020204" pitchFamily="34" charset="0"/>
+              </a:rPr>
+              <a:t>функция </a:t>
+            </a:r>
+            <a:r>
+              <a:rPr lang="ru-RU" i="1" dirty="0" err="1">
+                <a:latin typeface="Corbel" panose="020B0503020204020204" pitchFamily="34" charset="0"/>
+              </a:rPr>
+              <a:t>current_player_color</a:t>
+            </a:r>
+            <a:r>
               <a:rPr lang="ru-RU" dirty="0">
                 <a:latin typeface="Corbel" panose="020B0503020204020204" pitchFamily="34" charset="0"/>
               </a:rPr>
-              <a:t>функция </a:t>
-            </a:r>
-            <a:r>
-              <a:rPr lang="ru-RU" dirty="0" err="1">
-                <a:latin typeface="Corbel" panose="020B0503020204020204" pitchFamily="34" charset="0"/>
-              </a:rPr>
-              <a:t>move_piece</a:t>
-            </a:r>
-            <a:r>
-              <a:rPr lang="ru-RU" dirty="0">
-                <a:latin typeface="Corbel" panose="020B0503020204020204" pitchFamily="34" charset="0"/>
-              </a:rPr>
-              <a:t> перемещает фигуру на другую клетку, если это возможно</a:t>
-            </a:r>
-          </a:p>
-          <a:p>
-            <a:pPr marL="285750" lvl="0" indent="-285750">
+              <a:t> возвращает символ цвета фигур активного игрока</a:t>
+            </a:r>
+          </a:p>
+          <a:p>
+            <a:pPr marL="285750" indent="-285750">
               <a:buClr>
-                <a:schemeClr val="bg1"/>
+                <a:schemeClr val="bg2"/>
               </a:buClr>
               <a:buFont typeface="Arial" panose="020B0604020202020204" pitchFamily="34" charset="0"/>
               <a:buChar char="•"/>
             </a:pPr>
             <a:r>
+              <a:rPr lang="ru-RU" dirty="0" smtClean="0">
+                <a:latin typeface="Corbel" panose="020B0503020204020204" pitchFamily="34" charset="0"/>
+              </a:rPr>
+              <a:t>функция </a:t>
+            </a:r>
+            <a:r>
+              <a:rPr lang="ru-RU" i="1" dirty="0" err="1">
+                <a:latin typeface="Corbel" panose="020B0503020204020204" pitchFamily="34" charset="0"/>
+              </a:rPr>
+              <a:t>cell</a:t>
+            </a:r>
+            <a:r>
               <a:rPr lang="ru-RU" dirty="0">
                 <a:latin typeface="Corbel" panose="020B0503020204020204" pitchFamily="34" charset="0"/>
               </a:rPr>
-              <a:t>функция </a:t>
-            </a:r>
-            <a:r>
-              <a:rPr lang="en-US" dirty="0">
-                <a:latin typeface="Corbel" panose="020B0503020204020204" pitchFamily="34" charset="0"/>
-              </a:rPr>
-              <a:t>surrender --------------</a:t>
-            </a:r>
-            <a:endParaRPr lang="ru-RU" dirty="0">
-              <a:latin typeface="Corbel" panose="020B0503020204020204" pitchFamily="34" charset="0"/>
-            </a:endParaRPr>
-          </a:p>
-          <a:p>
-            <a:r>
-              <a:rPr lang="ru-RU" dirty="0">
-                <a:latin typeface="Corbel" panose="020B0503020204020204" pitchFamily="34" charset="0"/>
-              </a:rPr>
-              <a:t>Классы фигур: </a:t>
-            </a:r>
-            <a:r>
-              <a:rPr lang="en-US" dirty="0">
-                <a:latin typeface="Corbel" panose="020B0503020204020204" pitchFamily="34" charset="0"/>
-              </a:rPr>
-              <a:t>Rook</a:t>
-            </a:r>
-            <a:r>
-              <a:rPr lang="ru-RU" dirty="0">
-                <a:latin typeface="Corbel" panose="020B0503020204020204" pitchFamily="34" charset="0"/>
-              </a:rPr>
-              <a:t> (ладья), </a:t>
-            </a:r>
-            <a:r>
-              <a:rPr lang="en-US" dirty="0">
-                <a:latin typeface="Corbel" panose="020B0503020204020204" pitchFamily="34" charset="0"/>
-              </a:rPr>
-              <a:t>Pawn</a:t>
-            </a:r>
-            <a:r>
-              <a:rPr lang="ru-RU" dirty="0">
-                <a:latin typeface="Corbel" panose="020B0503020204020204" pitchFamily="34" charset="0"/>
-              </a:rPr>
-              <a:t> (пешка), </a:t>
-            </a:r>
-            <a:r>
-              <a:rPr lang="en-US" dirty="0">
-                <a:latin typeface="Corbel" panose="020B0503020204020204" pitchFamily="34" charset="0"/>
-              </a:rPr>
-              <a:t>Knight</a:t>
-            </a:r>
-            <a:r>
-              <a:rPr lang="ru-RU" dirty="0">
-                <a:latin typeface="Corbel" panose="020B0503020204020204" pitchFamily="34" charset="0"/>
-              </a:rPr>
-              <a:t> (конь), </a:t>
-            </a:r>
-            <a:r>
-              <a:rPr lang="en-US" dirty="0">
-                <a:latin typeface="Corbel" panose="020B0503020204020204" pitchFamily="34" charset="0"/>
-              </a:rPr>
-              <a:t>King</a:t>
-            </a:r>
-            <a:r>
-              <a:rPr lang="ru-RU" dirty="0">
-                <a:latin typeface="Corbel" panose="020B0503020204020204" pitchFamily="34" charset="0"/>
-              </a:rPr>
-              <a:t> (король), </a:t>
-            </a:r>
-            <a:r>
-              <a:rPr lang="en-US" dirty="0">
-                <a:latin typeface="Corbel" panose="020B0503020204020204" pitchFamily="34" charset="0"/>
-              </a:rPr>
-              <a:t>Queen</a:t>
-            </a:r>
-            <a:r>
-              <a:rPr lang="ru-RU" dirty="0">
-                <a:latin typeface="Corbel" panose="020B0503020204020204" pitchFamily="34" charset="0"/>
-              </a:rPr>
-              <a:t> (ферзь), </a:t>
-            </a:r>
-            <a:r>
-              <a:rPr lang="en-US" dirty="0">
-                <a:latin typeface="Corbel" panose="020B0503020204020204" pitchFamily="34" charset="0"/>
-              </a:rPr>
-              <a:t>Bishop </a:t>
-            </a:r>
-            <a:r>
-              <a:rPr lang="ru-RU" dirty="0">
-                <a:latin typeface="Corbel" panose="020B0503020204020204" pitchFamily="34" charset="0"/>
-              </a:rPr>
-              <a:t>(слон).</a:t>
-            </a:r>
-          </a:p>
-          <a:p>
-            <a:pPr marL="285750" lvl="0" indent="-285750">
+              <a:t> возвращает символы цвета и фигуры в клетке, если она не пуста</a:t>
+            </a:r>
+          </a:p>
+          <a:p>
+            <a:pPr marL="285750" indent="-285750">
               <a:buClr>
-                <a:schemeClr val="bg1"/>
+                <a:schemeClr val="bg2"/>
               </a:buClr>
               <a:buFont typeface="Arial" panose="020B0604020202020204" pitchFamily="34" charset="0"/>
               <a:buChar char="•"/>
             </a:pPr>
             <a:r>
+              <a:rPr lang="ru-RU" dirty="0" smtClean="0">
+                <a:latin typeface="Corbel" panose="020B0503020204020204" pitchFamily="34" charset="0"/>
+              </a:rPr>
+              <a:t>функция </a:t>
+            </a:r>
+            <a:r>
+              <a:rPr lang="ru-RU" i="1" dirty="0" err="1">
+                <a:latin typeface="Corbel" panose="020B0503020204020204" pitchFamily="34" charset="0"/>
+              </a:rPr>
+              <a:t>get_piece</a:t>
+            </a:r>
+            <a:r>
               <a:rPr lang="ru-RU" dirty="0">
                 <a:latin typeface="Corbel" panose="020B0503020204020204" pitchFamily="34" charset="0"/>
               </a:rPr>
-              <a:t>функция </a:t>
-            </a:r>
-            <a:r>
-              <a:rPr lang="ru-RU" dirty="0" err="1">
-                <a:latin typeface="Corbel" panose="020B0503020204020204" pitchFamily="34" charset="0"/>
-              </a:rPr>
-              <a:t>can_attack</a:t>
-            </a:r>
-            <a:r>
-              <a:rPr lang="ru-RU" dirty="0">
-                <a:latin typeface="Corbel" panose="020B0503020204020204" pitchFamily="34" charset="0"/>
-              </a:rPr>
-              <a:t> – проверка возможности атаковать фигуру противника</a:t>
-            </a:r>
-          </a:p>
-          <a:p>
-            <a:pPr marL="285750" lvl="0" indent="-285750">
+              <a:t> возвращает фигуру в виде объекта класса</a:t>
+            </a:r>
+          </a:p>
+          <a:p>
+            <a:pPr marL="285750" indent="-285750">
               <a:buClr>
-                <a:schemeClr val="bg1"/>
+                <a:schemeClr val="bg2"/>
               </a:buClr>
               <a:buFont typeface="Arial" panose="020B0604020202020204" pitchFamily="34" charset="0"/>
               <a:buChar char="•"/>
             </a:pPr>
             <a:r>
+              <a:rPr lang="ru-RU" dirty="0" smtClean="0">
+                <a:latin typeface="Corbel" panose="020B0503020204020204" pitchFamily="34" charset="0"/>
+              </a:rPr>
+              <a:t>функция </a:t>
+            </a:r>
+            <a:r>
+              <a:rPr lang="ru-RU" i="1" dirty="0" err="1">
+                <a:latin typeface="Corbel" panose="020B0503020204020204" pitchFamily="34" charset="0"/>
+              </a:rPr>
+              <a:t>move_piece</a:t>
+            </a:r>
+            <a:r>
               <a:rPr lang="ru-RU" dirty="0">
                 <a:latin typeface="Corbel" panose="020B0503020204020204" pitchFamily="34" charset="0"/>
               </a:rPr>
+              <a:t> перемещает фигуру на другую клетку, если это возможно</a:t>
+            </a:r>
+          </a:p>
+          <a:p>
+            <a:pPr marL="285750" indent="-285750">
+              <a:buClr>
+                <a:schemeClr val="bg2"/>
+              </a:buClr>
+              <a:buFont typeface="Arial" panose="020B0604020202020204" pitchFamily="34" charset="0"/>
+              <a:buChar char="•"/>
+            </a:pPr>
+            <a:r>
+              <a:rPr lang="ru-RU" dirty="0" smtClean="0">
+                <a:latin typeface="Corbel" panose="020B0503020204020204" pitchFamily="34" charset="0"/>
+              </a:rPr>
               <a:t>функция </a:t>
             </a:r>
             <a:r>
-              <a:rPr lang="ru-RU" dirty="0" err="1">
-                <a:latin typeface="Corbel" panose="020B0503020204020204" pitchFamily="34" charset="0"/>
-              </a:rPr>
-              <a:t>can_move</a:t>
+              <a:rPr lang="ru-RU" i="1" dirty="0" err="1">
+                <a:latin typeface="Corbel" panose="020B0503020204020204" pitchFamily="34" charset="0"/>
+              </a:rPr>
+              <a:t>surrender</a:t>
             </a:r>
             <a:r>
               <a:rPr lang="ru-RU" dirty="0">
                 <a:latin typeface="Corbel" panose="020B0503020204020204" pitchFamily="34" charset="0"/>
               </a:rPr>
-              <a:t> – проверка возможности хода в свободную клетку</a:t>
-            </a:r>
-          </a:p>
-          <a:p>
-            <a:endParaRPr lang="ru-RU" dirty="0">
-              <a:latin typeface="Corbel" panose="020B0503020204020204" pitchFamily="34" charset="0"/>
-            </a:endParaRPr>
+              <a:t> --------------</a:t>
+            </a:r>
           </a:p>
         </p:txBody>
       </p:sp>
-      <p:pic>
-        <p:nvPicPr>
-          <p:cNvPr id="5" name="Объект 4"/>
-          <p:cNvPicPr>
-            <a:picLocks noGrp="1"/>
-          </p:cNvPicPr>
-          <p:nvPr>
-            <p:ph idx="1"/>
-          </p:nvPr>
-        </p:nvPicPr>
-        <p:blipFill>
-          <a:blip r:embed="rId2"/>
-          <a:stretch>
-            <a:fillRect/>
-          </a:stretch>
-        </p:blipFill>
-        <p:spPr>
-          <a:xfrm>
-            <a:off x="513505" y="1737965"/>
-            <a:ext cx="6686556" cy="3656156"/>
-          </a:xfrm>
-          <a:prstGeom prst="rect">
-            <a:avLst/>
-          </a:prstGeom>
-        </p:spPr>
-      </p:pic>
     </p:spTree>
     <p:extLst>
       <p:ext uri="{BB962C8B-B14F-4D97-AF65-F5344CB8AC3E}">
@@ -7377,25 +7329,32 @@
           </a:p>
         </p:txBody>
       </p:sp>
-      <p:sp>
-        <p:nvSpPr>
-          <p:cNvPr id="3" name="Объект 2"/>
-          <p:cNvSpPr>
-            <a:spLocks noGrp="1"/>
-          </p:cNvSpPr>
+      <p:pic>
+        <p:nvPicPr>
+          <p:cNvPr id="6" name="Объект 4"/>
+          <p:cNvPicPr>
+            <a:picLocks noGrp="1"/>
+          </p:cNvPicPr>
           <p:nvPr>
             <p:ph idx="1"/>
           </p:nvPr>
-        </p:nvSpPr>
-        <p:spPr/>
-        <p:txBody>
-          <a:bodyPr/>
-          <a:lstStyle/>
-          <a:p>
-            <a:endParaRPr lang="ru-RU"/>
-          </a:p>
-        </p:txBody>
-      </p:sp>
+        </p:nvPicPr>
+        <p:blipFill>
+          <a:blip r:embed="rId2"/>
+          <a:stretch>
+            <a:fillRect/>
+          </a:stretch>
+        </p:blipFill>
+        <p:spPr>
+          <a:xfrm>
+            <a:off x="765175" y="1729576"/>
+            <a:ext cx="6157913" cy="3367098"/>
+          </a:xfrm>
+          <a:prstGeom prst="rect">
+            <a:avLst/>
+          </a:prstGeom>
+        </p:spPr>
+      </p:pic>
       <p:sp>
         <p:nvSpPr>
           <p:cNvPr id="4" name="Текст 3"/>
@@ -7409,194 +7368,271 @@
         <p:spPr>
           <a:xfrm>
             <a:off x="8337885" y="1573556"/>
-            <a:ext cx="3092115" cy="4164164"/>
+            <a:ext cx="3289256" cy="4458128"/>
           </a:xfrm>
         </p:spPr>
         <p:txBody>
           <a:bodyPr>
-            <a:normAutofit fontScale="92500" lnSpcReduction="20000"/>
+            <a:noAutofit/>
           </a:bodyPr>
           <a:lstStyle/>
           <a:p>
             <a:r>
-              <a:rPr lang="ru-RU" dirty="0">
+              <a:rPr lang="ru-RU" sz="1300" dirty="0">
+                <a:latin typeface="Corbel" panose="020B0503020204020204" pitchFamily="34" charset="0"/>
+              </a:rPr>
+              <a:t>Классы фигур: </a:t>
+            </a:r>
+            <a:r>
+              <a:rPr lang="en-US" sz="1300" i="1" dirty="0">
+                <a:latin typeface="Corbel" panose="020B0503020204020204" pitchFamily="34" charset="0"/>
+              </a:rPr>
+              <a:t>Rook</a:t>
+            </a:r>
+            <a:r>
+              <a:rPr lang="ru-RU" sz="1300" dirty="0">
+                <a:latin typeface="Corbel" panose="020B0503020204020204" pitchFamily="34" charset="0"/>
+              </a:rPr>
+              <a:t> (ладья), </a:t>
+            </a:r>
+            <a:r>
+              <a:rPr lang="en-US" sz="1300" i="1" dirty="0">
+                <a:latin typeface="Corbel" panose="020B0503020204020204" pitchFamily="34" charset="0"/>
+              </a:rPr>
+              <a:t>Pawn</a:t>
+            </a:r>
+            <a:r>
+              <a:rPr lang="ru-RU" sz="1300" dirty="0">
+                <a:latin typeface="Corbel" panose="020B0503020204020204" pitchFamily="34" charset="0"/>
+              </a:rPr>
+              <a:t> (пешка), </a:t>
+            </a:r>
+            <a:r>
+              <a:rPr lang="en-US" sz="1300" i="1" dirty="0">
+                <a:latin typeface="Corbel" panose="020B0503020204020204" pitchFamily="34" charset="0"/>
+              </a:rPr>
+              <a:t>Knight</a:t>
+            </a:r>
+            <a:r>
+              <a:rPr lang="ru-RU" sz="1300" dirty="0">
+                <a:latin typeface="Corbel" panose="020B0503020204020204" pitchFamily="34" charset="0"/>
+              </a:rPr>
+              <a:t> (конь), </a:t>
+            </a:r>
+            <a:r>
+              <a:rPr lang="en-US" sz="1300" i="1" dirty="0">
+                <a:latin typeface="Corbel" panose="020B0503020204020204" pitchFamily="34" charset="0"/>
+              </a:rPr>
+              <a:t>King</a:t>
+            </a:r>
+            <a:r>
+              <a:rPr lang="ru-RU" sz="1300" dirty="0">
+                <a:latin typeface="Corbel" panose="020B0503020204020204" pitchFamily="34" charset="0"/>
+              </a:rPr>
+              <a:t> (король), </a:t>
+            </a:r>
+            <a:r>
+              <a:rPr lang="en-US" sz="1300" i="1" dirty="0">
+                <a:latin typeface="Corbel" panose="020B0503020204020204" pitchFamily="34" charset="0"/>
+              </a:rPr>
+              <a:t>Queen</a:t>
+            </a:r>
+            <a:r>
+              <a:rPr lang="ru-RU" sz="1300" dirty="0">
+                <a:latin typeface="Corbel" panose="020B0503020204020204" pitchFamily="34" charset="0"/>
+              </a:rPr>
+              <a:t> (ферзь), </a:t>
+            </a:r>
+            <a:r>
+              <a:rPr lang="en-US" sz="1300" i="1" dirty="0">
+                <a:latin typeface="Corbel" panose="020B0503020204020204" pitchFamily="34" charset="0"/>
+              </a:rPr>
+              <a:t>Bishop</a:t>
+            </a:r>
+            <a:r>
+              <a:rPr lang="en-US" sz="1300" dirty="0">
+                <a:latin typeface="Corbel" panose="020B0503020204020204" pitchFamily="34" charset="0"/>
+              </a:rPr>
+              <a:t> </a:t>
+            </a:r>
+            <a:r>
+              <a:rPr lang="ru-RU" sz="1300" dirty="0">
+                <a:latin typeface="Corbel" panose="020B0503020204020204" pitchFamily="34" charset="0"/>
+              </a:rPr>
+              <a:t>(слон).</a:t>
+            </a:r>
+          </a:p>
+          <a:p>
+            <a:pPr marL="285750" lvl="0" indent="-285750">
+              <a:buClr>
+                <a:schemeClr val="bg2"/>
+              </a:buClr>
+              <a:buFont typeface="Arial" panose="020B0604020202020204" pitchFamily="34" charset="0"/>
+              <a:buChar char="•"/>
+            </a:pPr>
+            <a:r>
+              <a:rPr lang="ru-RU" sz="1300" dirty="0">
+                <a:latin typeface="Corbel" panose="020B0503020204020204" pitchFamily="34" charset="0"/>
+              </a:rPr>
+              <a:t>функция </a:t>
+            </a:r>
+            <a:r>
+              <a:rPr lang="en-US" sz="1300" i="1" dirty="0">
+                <a:latin typeface="Corbel" panose="020B0503020204020204" pitchFamily="34" charset="0"/>
+              </a:rPr>
+              <a:t>get</a:t>
+            </a:r>
+            <a:r>
+              <a:rPr lang="ru-RU" sz="1300" i="1" dirty="0">
+                <a:latin typeface="Corbel" panose="020B0503020204020204" pitchFamily="34" charset="0"/>
+              </a:rPr>
+              <a:t>_</a:t>
+            </a:r>
+            <a:r>
+              <a:rPr lang="en-US" sz="1300" i="1" dirty="0">
+                <a:latin typeface="Corbel" panose="020B0503020204020204" pitchFamily="34" charset="0"/>
+              </a:rPr>
+              <a:t>color</a:t>
+            </a:r>
+            <a:r>
+              <a:rPr lang="ru-RU" sz="1300" dirty="0">
+                <a:latin typeface="Corbel" panose="020B0503020204020204" pitchFamily="34" charset="0"/>
+              </a:rPr>
+              <a:t> возвращает символ цвета фигуры</a:t>
+            </a:r>
+          </a:p>
+          <a:p>
+            <a:pPr marL="285750" lvl="0" indent="-285750">
+              <a:buClr>
+                <a:schemeClr val="bg2"/>
+              </a:buClr>
+              <a:buFont typeface="Arial" panose="020B0604020202020204" pitchFamily="34" charset="0"/>
+              <a:buChar char="•"/>
+            </a:pPr>
+            <a:r>
+              <a:rPr lang="ru-RU" sz="1300" dirty="0">
+                <a:latin typeface="Corbel" panose="020B0503020204020204" pitchFamily="34" charset="0"/>
+              </a:rPr>
+              <a:t>функция </a:t>
+            </a:r>
+            <a:r>
+              <a:rPr lang="en-US" sz="1300" i="1" dirty="0">
+                <a:latin typeface="Corbel" panose="020B0503020204020204" pitchFamily="34" charset="0"/>
+              </a:rPr>
+              <a:t>char</a:t>
+            </a:r>
+            <a:r>
+              <a:rPr lang="ru-RU" sz="1300" dirty="0">
+                <a:latin typeface="Corbel" panose="020B0503020204020204" pitchFamily="34" charset="0"/>
+              </a:rPr>
+              <a:t> возвращает символ фигуры</a:t>
+            </a:r>
+          </a:p>
+          <a:p>
+            <a:pPr marL="285750" lvl="0" indent="-285750">
+              <a:buClr>
+                <a:schemeClr val="bg2"/>
+              </a:buClr>
+              <a:buFont typeface="Arial" panose="020B0604020202020204" pitchFamily="34" charset="0"/>
+              <a:buChar char="•"/>
+            </a:pPr>
+            <a:r>
+              <a:rPr lang="ru-RU" sz="1300" dirty="0">
+                <a:latin typeface="Corbel" panose="020B0503020204020204" pitchFamily="34" charset="0"/>
+              </a:rPr>
+              <a:t>функция </a:t>
+            </a:r>
+            <a:r>
+              <a:rPr lang="ru-RU" sz="1300" i="1" dirty="0" err="1">
+                <a:latin typeface="Corbel" panose="020B0503020204020204" pitchFamily="34" charset="0"/>
+              </a:rPr>
+              <a:t>can_attack</a:t>
+            </a:r>
+            <a:r>
+              <a:rPr lang="ru-RU" sz="1300" dirty="0">
+                <a:latin typeface="Corbel" panose="020B0503020204020204" pitchFamily="34" charset="0"/>
+              </a:rPr>
+              <a:t> – проверка возможности атаковать фигуру противника</a:t>
+            </a:r>
+          </a:p>
+          <a:p>
+            <a:pPr marL="285750" lvl="0" indent="-285750">
+              <a:buClr>
+                <a:schemeClr val="bg2"/>
+              </a:buClr>
+              <a:buFont typeface="Arial" panose="020B0604020202020204" pitchFamily="34" charset="0"/>
+              <a:buChar char="•"/>
+            </a:pPr>
+            <a:r>
+              <a:rPr lang="ru-RU" sz="1300" dirty="0">
+                <a:latin typeface="Corbel" panose="020B0503020204020204" pitchFamily="34" charset="0"/>
+              </a:rPr>
+              <a:t>функция </a:t>
+            </a:r>
+            <a:r>
+              <a:rPr lang="ru-RU" sz="1300" i="1" dirty="0" err="1">
+                <a:latin typeface="Corbel" panose="020B0503020204020204" pitchFamily="34" charset="0"/>
+              </a:rPr>
+              <a:t>can_move</a:t>
+            </a:r>
+            <a:r>
+              <a:rPr lang="ru-RU" sz="1300" dirty="0">
+                <a:latin typeface="Corbel" panose="020B0503020204020204" pitchFamily="34" charset="0"/>
+              </a:rPr>
+              <a:t> – проверка возможности хода в свободную клетку</a:t>
+            </a:r>
+          </a:p>
+          <a:p>
+            <a:r>
+              <a:rPr lang="ru-RU" sz="1300" dirty="0">
                 <a:latin typeface="Corbel" panose="020B0503020204020204" pitchFamily="34" charset="0"/>
               </a:rPr>
               <a:t>Функция </a:t>
             </a:r>
             <a:r>
-              <a:rPr lang="ru-RU" dirty="0" err="1">
-                <a:latin typeface="Corbel" panose="020B0503020204020204" pitchFamily="34" charset="0"/>
-              </a:rPr>
-              <a:t>castling</a:t>
-            </a:r>
-            <a:r>
-              <a:rPr lang="ru-RU" dirty="0">
-                <a:latin typeface="Corbel" panose="020B0503020204020204" pitchFamily="34" charset="0"/>
-              </a:rPr>
-              <a:t> – проверка возможности рокировки.</a:t>
-            </a:r>
-          </a:p>
-          <a:p>
-            <a:r>
-              <a:rPr lang="ru-RU" dirty="0">
+              <a:rPr lang="en-US" sz="1300" i="1" dirty="0">
+                <a:latin typeface="Corbel" panose="020B0503020204020204" pitchFamily="34" charset="0"/>
+              </a:rPr>
+              <a:t>game</a:t>
+            </a:r>
+            <a:r>
+              <a:rPr lang="en-US" sz="1300" dirty="0">
+                <a:latin typeface="Corbel" panose="020B0503020204020204" pitchFamily="34" charset="0"/>
+              </a:rPr>
+              <a:t> </a:t>
+            </a:r>
+            <a:r>
+              <a:rPr lang="ru-RU" sz="1300" dirty="0">
+                <a:latin typeface="Corbel" panose="020B0503020204020204" pitchFamily="34" charset="0"/>
+              </a:rPr>
+              <a:t>– режим игры.</a:t>
+            </a:r>
+          </a:p>
+          <a:p>
+            <a:r>
+              <a:rPr lang="ru-RU" sz="1300" dirty="0">
                 <a:latin typeface="Corbel" panose="020B0503020204020204" pitchFamily="34" charset="0"/>
               </a:rPr>
               <a:t>Функция </a:t>
             </a:r>
             <a:r>
-              <a:rPr lang="ru-RU" dirty="0" err="1">
-                <a:latin typeface="Corbel" panose="020B0503020204020204" pitchFamily="34" charset="0"/>
-              </a:rPr>
-              <a:t>pawn_conversion</a:t>
-            </a:r>
-            <a:r>
-              <a:rPr lang="ru-RU" dirty="0">
-                <a:latin typeface="Corbel" panose="020B0503020204020204" pitchFamily="34" charset="0"/>
-              </a:rPr>
-              <a:t> – превращение пешки. Функция </a:t>
-            </a:r>
-            <a:r>
-              <a:rPr lang="en-US" dirty="0">
-                <a:latin typeface="Corbel" panose="020B0503020204020204" pitchFamily="34" charset="0"/>
-              </a:rPr>
-              <a:t>draw</a:t>
-            </a:r>
-            <a:r>
-              <a:rPr lang="ru-RU" dirty="0">
-                <a:latin typeface="Corbel" panose="020B0503020204020204" pitchFamily="34" charset="0"/>
-              </a:rPr>
-              <a:t>_</a:t>
-            </a:r>
-            <a:r>
-              <a:rPr lang="en-US" dirty="0">
-                <a:latin typeface="Corbel" panose="020B0503020204020204" pitchFamily="34" charset="0"/>
-              </a:rPr>
-              <a:t>selection</a:t>
-            </a:r>
-            <a:r>
-              <a:rPr lang="ru-RU" dirty="0">
-                <a:latin typeface="Corbel" panose="020B0503020204020204" pitchFamily="34" charset="0"/>
-              </a:rPr>
-              <a:t>_</a:t>
-            </a:r>
-            <a:r>
-              <a:rPr lang="en-US" dirty="0">
-                <a:latin typeface="Corbel" panose="020B0503020204020204" pitchFamily="34" charset="0"/>
-              </a:rPr>
-              <a:t>dialog</a:t>
-            </a:r>
-            <a:r>
-              <a:rPr lang="ru-RU" dirty="0">
-                <a:latin typeface="Corbel" panose="020B0503020204020204" pitchFamily="34" charset="0"/>
-              </a:rPr>
-              <a:t> – </a:t>
-            </a:r>
-            <a:r>
-              <a:rPr lang="ru-RU" dirty="0" err="1">
-                <a:latin typeface="Corbel" panose="020B0503020204020204" pitchFamily="34" charset="0"/>
-              </a:rPr>
-              <a:t>отрисовка</a:t>
-            </a:r>
-            <a:r>
-              <a:rPr lang="ru-RU" dirty="0">
-                <a:latin typeface="Corbel" panose="020B0503020204020204" pitchFamily="34" charset="0"/>
-              </a:rPr>
-              <a:t> диалога выбора фигуры при превращении пешки.</a:t>
-            </a:r>
-          </a:p>
-          <a:p>
-            <a:r>
-              <a:rPr lang="ru-RU" dirty="0">
-                <a:latin typeface="Corbel" panose="020B0503020204020204" pitchFamily="34" charset="0"/>
-              </a:rPr>
-              <a:t>Функция </a:t>
-            </a:r>
-            <a:r>
-              <a:rPr lang="en-US" dirty="0">
-                <a:latin typeface="Corbel" panose="020B0503020204020204" pitchFamily="34" charset="0"/>
-              </a:rPr>
-              <a:t>check</a:t>
-            </a:r>
-            <a:r>
-              <a:rPr lang="ru-RU" dirty="0">
-                <a:latin typeface="Corbel" panose="020B0503020204020204" pitchFamily="34" charset="0"/>
-              </a:rPr>
-              <a:t> – проверка шаха.</a:t>
-            </a:r>
-          </a:p>
-          <a:p>
-            <a:r>
-              <a:rPr lang="ru-RU" dirty="0">
-                <a:latin typeface="Corbel" panose="020B0503020204020204" pitchFamily="34" charset="0"/>
-              </a:rPr>
-              <a:t>Функция </a:t>
-            </a:r>
-            <a:r>
-              <a:rPr lang="ru-RU" dirty="0" err="1">
-                <a:latin typeface="Corbel" panose="020B0503020204020204" pitchFamily="34" charset="0"/>
-              </a:rPr>
-              <a:t>draw_menu</a:t>
-            </a:r>
-            <a:r>
-              <a:rPr lang="ru-RU" dirty="0">
-                <a:latin typeface="Corbel" panose="020B0503020204020204" pitchFamily="34" charset="0"/>
-              </a:rPr>
-              <a:t> – </a:t>
-            </a:r>
-            <a:r>
-              <a:rPr lang="ru-RU" dirty="0" err="1">
-                <a:latin typeface="Corbel" panose="020B0503020204020204" pitchFamily="34" charset="0"/>
-              </a:rPr>
-              <a:t>отрисовка</a:t>
-            </a:r>
-            <a:r>
-              <a:rPr lang="ru-RU" dirty="0">
-                <a:latin typeface="Corbel" panose="020B0503020204020204" pitchFamily="34" charset="0"/>
-              </a:rPr>
-              <a:t> меню рядом с игровым полем.</a:t>
-            </a:r>
-          </a:p>
-          <a:p>
-            <a:r>
-              <a:rPr lang="ru-RU" dirty="0">
-                <a:latin typeface="Corbel" panose="020B0503020204020204" pitchFamily="34" charset="0"/>
-              </a:rPr>
-              <a:t>Функция </a:t>
-            </a:r>
-            <a:r>
-              <a:rPr lang="ru-RU" dirty="0" err="1">
-                <a:latin typeface="Corbel" panose="020B0503020204020204" pitchFamily="34" charset="0"/>
-              </a:rPr>
-              <a:t>draw_possible_moves</a:t>
-            </a:r>
-            <a:r>
-              <a:rPr lang="ru-RU" dirty="0">
-                <a:latin typeface="Corbel" panose="020B0503020204020204" pitchFamily="34" charset="0"/>
-              </a:rPr>
-              <a:t> – </a:t>
-            </a:r>
-            <a:r>
-              <a:rPr lang="ru-RU" dirty="0" err="1">
-                <a:latin typeface="Corbel" panose="020B0503020204020204" pitchFamily="34" charset="0"/>
-              </a:rPr>
-              <a:t>отрисовка</a:t>
-            </a:r>
-            <a:r>
-              <a:rPr lang="ru-RU" dirty="0">
-                <a:latin typeface="Corbel" panose="020B0503020204020204" pitchFamily="34" charset="0"/>
-              </a:rPr>
-              <a:t> подсказок на поле (возможные ходы для выбранной фигуры</a:t>
-            </a:r>
-            <a:r>
-              <a:rPr lang="ru-RU" dirty="0" smtClean="0">
-                <a:latin typeface="Corbel" panose="020B0503020204020204" pitchFamily="34" charset="0"/>
-              </a:rPr>
-              <a:t>).</a:t>
-            </a:r>
-            <a:endParaRPr lang="ru-RU" dirty="0">
-              <a:latin typeface="Corbel" panose="020B0503020204020204" pitchFamily="34" charset="0"/>
-            </a:endParaRPr>
+              <a:rPr lang="en-US" sz="1300" i="1" dirty="0">
+                <a:latin typeface="Corbel" panose="020B0503020204020204" pitchFamily="34" charset="0"/>
+              </a:rPr>
+              <a:t>analysis</a:t>
+            </a:r>
+            <a:r>
+              <a:rPr lang="en-US" sz="1300" dirty="0">
+                <a:latin typeface="Corbel" panose="020B0503020204020204" pitchFamily="34" charset="0"/>
+              </a:rPr>
+              <a:t> </a:t>
+            </a:r>
+            <a:r>
+              <a:rPr lang="ru-RU" sz="1300" dirty="0">
+                <a:latin typeface="Corbel" panose="020B0503020204020204" pitchFamily="34" charset="0"/>
+              </a:rPr>
+              <a:t>– режим анализа партии.</a:t>
+            </a:r>
           </a:p>
         </p:txBody>
       </p:sp>
@@ -7614,6 +7650,682 @@
 </file>
 
 <file path=ppt/slides/slide5.xml><?xml version="1.0" encoding="utf-8"?>
+<p:sld xmlns:a="http://schemas.openxmlformats.org/drawingml/2006/main" xmlns:r="http://schemas.openxmlformats.org/officeDocument/2006/relationships" xmlns:p="http://schemas.openxmlformats.org/presentationml/2006/main">
+  <p:cSld>
+    <p:spTree>
+      <p:nvGrpSpPr>
+        <p:cNvPr id="1" name=""/>
+        <p:cNvGrpSpPr/>
+        <p:nvPr/>
+      </p:nvGrpSpPr>
+      <p:grpSpPr>
+        <a:xfrm>
+          <a:off x="0" y="0"/>
+          <a:ext cx="0" cy="0"/>
+          <a:chOff x="0" y="0"/>
+          <a:chExt cx="0" cy="0"/>
+        </a:xfrm>
+      </p:grpSpPr>
+      <p:sp>
+        <p:nvSpPr>
+          <p:cNvPr id="2" name="Заголовок 1"/>
+          <p:cNvSpPr>
+            <a:spLocks noGrp="1"/>
+          </p:cNvSpPr>
+          <p:nvPr>
+            <p:ph type="title"/>
+          </p:nvPr>
+        </p:nvSpPr>
+        <p:spPr>
+          <a:xfrm>
+            <a:off x="8337885" y="433196"/>
+            <a:ext cx="3092115" cy="974362"/>
+          </a:xfrm>
+        </p:spPr>
+        <p:txBody>
+          <a:bodyPr/>
+          <a:lstStyle/>
+          <a:p>
+            <a:r>
+              <a:rPr lang="ru-RU" dirty="0" smtClean="0"/>
+              <a:t>реализация</a:t>
+            </a:r>
+            <a:endParaRPr lang="ru-RU" dirty="0"/>
+          </a:p>
+        </p:txBody>
+      </p:sp>
+      <p:sp>
+        <p:nvSpPr>
+          <p:cNvPr id="3" name="Объект 2"/>
+          <p:cNvSpPr>
+            <a:spLocks noGrp="1"/>
+          </p:cNvSpPr>
+          <p:nvPr>
+            <p:ph idx="1"/>
+          </p:nvPr>
+        </p:nvSpPr>
+        <p:spPr/>
+        <p:txBody>
+          <a:bodyPr/>
+          <a:lstStyle/>
+          <a:p>
+            <a:endParaRPr lang="ru-RU"/>
+          </a:p>
+        </p:txBody>
+      </p:sp>
+      <p:sp>
+        <p:nvSpPr>
+          <p:cNvPr id="4" name="Текст 3"/>
+          <p:cNvSpPr>
+            <a:spLocks noGrp="1"/>
+          </p:cNvSpPr>
+          <p:nvPr>
+            <p:ph type="body" sz="half" idx="2"/>
+          </p:nvPr>
+        </p:nvSpPr>
+        <p:spPr>
+          <a:xfrm>
+            <a:off x="8337885" y="1573556"/>
+            <a:ext cx="3289256" cy="4458128"/>
+          </a:xfrm>
+        </p:spPr>
+        <p:txBody>
+          <a:bodyPr>
+            <a:noAutofit/>
+          </a:bodyPr>
+          <a:lstStyle/>
+          <a:p>
+            <a:r>
+              <a:rPr lang="ru-RU" sz="1400" dirty="0">
+                <a:latin typeface="Corbel" panose="020B0503020204020204" pitchFamily="34" charset="0"/>
+              </a:rPr>
+              <a:t>Функция </a:t>
+            </a:r>
+            <a:r>
+              <a:rPr lang="ru-RU" sz="1400" i="1" dirty="0" err="1">
+                <a:latin typeface="Corbel" panose="020B0503020204020204" pitchFamily="34" charset="0"/>
+              </a:rPr>
+              <a:t>castling</a:t>
+            </a:r>
+            <a:r>
+              <a:rPr lang="ru-RU" sz="1400" dirty="0">
+                <a:latin typeface="Corbel" panose="020B0503020204020204" pitchFamily="34" charset="0"/>
+              </a:rPr>
+              <a:t> – проверка возможности рокировки.</a:t>
+            </a:r>
+          </a:p>
+          <a:p>
+            <a:r>
+              <a:rPr lang="ru-RU" sz="1400" dirty="0">
+                <a:latin typeface="Corbel" panose="020B0503020204020204" pitchFamily="34" charset="0"/>
+              </a:rPr>
+              <a:t>Функция </a:t>
+            </a:r>
+            <a:r>
+              <a:rPr lang="ru-RU" sz="1400" i="1" dirty="0" err="1">
+                <a:latin typeface="Corbel" panose="020B0503020204020204" pitchFamily="34" charset="0"/>
+              </a:rPr>
+              <a:t>pawn_conversion</a:t>
+            </a:r>
+            <a:r>
+              <a:rPr lang="ru-RU" sz="1400" dirty="0">
+                <a:latin typeface="Corbel" panose="020B0503020204020204" pitchFamily="34" charset="0"/>
+              </a:rPr>
+              <a:t> – превращение пешки. Функция </a:t>
+            </a:r>
+            <a:r>
+              <a:rPr lang="en-US" sz="1400" i="1" dirty="0">
+                <a:latin typeface="Corbel" panose="020B0503020204020204" pitchFamily="34" charset="0"/>
+              </a:rPr>
+              <a:t>draw</a:t>
+            </a:r>
+            <a:r>
+              <a:rPr lang="ru-RU" sz="1400" i="1" dirty="0">
+                <a:latin typeface="Corbel" panose="020B0503020204020204" pitchFamily="34" charset="0"/>
+              </a:rPr>
+              <a:t>_</a:t>
+            </a:r>
+            <a:r>
+              <a:rPr lang="en-US" sz="1400" i="1" dirty="0">
+                <a:latin typeface="Corbel" panose="020B0503020204020204" pitchFamily="34" charset="0"/>
+              </a:rPr>
+              <a:t>selection</a:t>
+            </a:r>
+            <a:r>
+              <a:rPr lang="ru-RU" sz="1400" i="1" dirty="0">
+                <a:latin typeface="Corbel" panose="020B0503020204020204" pitchFamily="34" charset="0"/>
+              </a:rPr>
+              <a:t>_</a:t>
+            </a:r>
+            <a:r>
+              <a:rPr lang="en-US" sz="1400" i="1" dirty="0">
+                <a:latin typeface="Corbel" panose="020B0503020204020204" pitchFamily="34" charset="0"/>
+              </a:rPr>
+              <a:t>dialog</a:t>
+            </a:r>
+            <a:r>
+              <a:rPr lang="ru-RU" sz="1400" i="1" dirty="0">
+                <a:latin typeface="Corbel" panose="020B0503020204020204" pitchFamily="34" charset="0"/>
+              </a:rPr>
+              <a:t> </a:t>
+            </a:r>
+            <a:r>
+              <a:rPr lang="ru-RU" sz="1400" dirty="0">
+                <a:latin typeface="Corbel" panose="020B0503020204020204" pitchFamily="34" charset="0"/>
+              </a:rPr>
+              <a:t>– отрисовка диалога выбора фигуры при превращении пешки.</a:t>
+            </a:r>
+          </a:p>
+          <a:p>
+            <a:r>
+              <a:rPr lang="ru-RU" sz="1400" dirty="0">
+                <a:latin typeface="Corbel" panose="020B0503020204020204" pitchFamily="34" charset="0"/>
+              </a:rPr>
+              <a:t>Функция </a:t>
+            </a:r>
+            <a:r>
+              <a:rPr lang="en-US" sz="1400" i="1" dirty="0">
+                <a:latin typeface="Corbel" panose="020B0503020204020204" pitchFamily="34" charset="0"/>
+              </a:rPr>
+              <a:t>check</a:t>
+            </a:r>
+            <a:r>
+              <a:rPr lang="ru-RU" sz="1400" dirty="0">
+                <a:latin typeface="Corbel" panose="020B0503020204020204" pitchFamily="34" charset="0"/>
+              </a:rPr>
+              <a:t> – проверка шаха.</a:t>
+            </a:r>
+          </a:p>
+          <a:p>
+            <a:r>
+              <a:rPr lang="ru-RU" sz="1400" dirty="0">
+                <a:latin typeface="Corbel" panose="020B0503020204020204" pitchFamily="34" charset="0"/>
+              </a:rPr>
+              <a:t>Функция </a:t>
+            </a:r>
+            <a:r>
+              <a:rPr lang="en-US" sz="1400" i="1" dirty="0">
+                <a:latin typeface="Corbel" panose="020B0503020204020204" pitchFamily="34" charset="0"/>
+              </a:rPr>
+              <a:t>win</a:t>
+            </a:r>
+            <a:r>
+              <a:rPr lang="ru-RU" sz="1400" i="1" dirty="0">
+                <a:latin typeface="Corbel" panose="020B0503020204020204" pitchFamily="34" charset="0"/>
+              </a:rPr>
+              <a:t>_</a:t>
+            </a:r>
+            <a:r>
+              <a:rPr lang="en-US" sz="1400" i="1" dirty="0">
+                <a:latin typeface="Corbel" panose="020B0503020204020204" pitchFamily="34" charset="0"/>
+              </a:rPr>
+              <a:t>check</a:t>
+            </a:r>
+            <a:r>
+              <a:rPr lang="en-US" sz="1400" dirty="0">
+                <a:latin typeface="Corbel" panose="020B0503020204020204" pitchFamily="34" charset="0"/>
+              </a:rPr>
+              <a:t> </a:t>
+            </a:r>
+            <a:r>
+              <a:rPr lang="ru-RU" sz="1400" dirty="0">
+                <a:latin typeface="Corbel" panose="020B0503020204020204" pitchFamily="34" charset="0"/>
+              </a:rPr>
+              <a:t>– проверка на победу.</a:t>
+            </a:r>
+          </a:p>
+          <a:p>
+            <a:r>
+              <a:rPr lang="ru-RU" sz="1400" dirty="0">
+                <a:latin typeface="Corbel" panose="020B0503020204020204" pitchFamily="34" charset="0"/>
+              </a:rPr>
+              <a:t>Функция </a:t>
+            </a:r>
+            <a:r>
+              <a:rPr lang="en-US" sz="1400" i="1" dirty="0">
+                <a:latin typeface="Corbel" panose="020B0503020204020204" pitchFamily="34" charset="0"/>
+              </a:rPr>
+              <a:t>opponent</a:t>
+            </a:r>
+            <a:r>
+              <a:rPr lang="ru-RU" sz="1400" dirty="0">
+                <a:latin typeface="Corbel" panose="020B0503020204020204" pitchFamily="34" charset="0"/>
+              </a:rPr>
+              <a:t> возвращает цвет фигуры противника.</a:t>
+            </a:r>
+          </a:p>
+          <a:p>
+            <a:r>
+              <a:rPr lang="ru-RU" sz="1400" dirty="0">
+                <a:latin typeface="Corbel" panose="020B0503020204020204" pitchFamily="34" charset="0"/>
+              </a:rPr>
+              <a:t>Функция </a:t>
+            </a:r>
+            <a:r>
+              <a:rPr lang="en-US" sz="1400" i="1" dirty="0">
+                <a:latin typeface="Corbel" panose="020B0503020204020204" pitchFamily="34" charset="0"/>
+              </a:rPr>
+              <a:t>correct</a:t>
+            </a:r>
+            <a:r>
+              <a:rPr lang="ru-RU" sz="1400" i="1" dirty="0">
+                <a:latin typeface="Corbel" panose="020B0503020204020204" pitchFamily="34" charset="0"/>
+              </a:rPr>
+              <a:t>_</a:t>
+            </a:r>
+            <a:r>
+              <a:rPr lang="en-US" sz="1400" i="1" dirty="0" err="1">
+                <a:latin typeface="Corbel" panose="020B0503020204020204" pitchFamily="34" charset="0"/>
+              </a:rPr>
+              <a:t>coords</a:t>
+            </a:r>
+            <a:r>
+              <a:rPr lang="en-US" sz="1400" dirty="0">
+                <a:latin typeface="Corbel" panose="020B0503020204020204" pitchFamily="34" charset="0"/>
+              </a:rPr>
+              <a:t> </a:t>
+            </a:r>
+            <a:r>
+              <a:rPr lang="ru-RU" sz="1400" dirty="0">
+                <a:latin typeface="Corbel" panose="020B0503020204020204" pitchFamily="34" charset="0"/>
+              </a:rPr>
+              <a:t>– проверка координат на правильность</a:t>
+            </a:r>
+            <a:r>
+              <a:rPr lang="ru-RU" sz="1400" dirty="0" smtClean="0">
+                <a:latin typeface="Corbel" panose="020B0503020204020204" pitchFamily="34" charset="0"/>
+              </a:rPr>
+              <a:t>.</a:t>
+            </a:r>
+            <a:endParaRPr lang="ru-RU" sz="1400" dirty="0">
+              <a:latin typeface="Corbel" panose="020B0503020204020204" pitchFamily="34" charset="0"/>
+            </a:endParaRPr>
+          </a:p>
+        </p:txBody>
+      </p:sp>
+    </p:spTree>
+    <p:extLst>
+      <p:ext uri="{BB962C8B-B14F-4D97-AF65-F5344CB8AC3E}">
+        <p14:creationId xmlns:p14="http://schemas.microsoft.com/office/powerpoint/2010/main" val="2168263665"/>
+      </p:ext>
+    </p:extLst>
+  </p:cSld>
+  <p:clrMapOvr>
+    <a:masterClrMapping/>
+  </p:clrMapOvr>
+</p:sld>
+</file>
+
+<file path=ppt/slides/slide6.xml><?xml version="1.0" encoding="utf-8"?>
+<p:sld xmlns:a="http://schemas.openxmlformats.org/drawingml/2006/main" xmlns:r="http://schemas.openxmlformats.org/officeDocument/2006/relationships" xmlns:p="http://schemas.openxmlformats.org/presentationml/2006/main">
+  <p:cSld>
+    <p:spTree>
+      <p:nvGrpSpPr>
+        <p:cNvPr id="1" name=""/>
+        <p:cNvGrpSpPr/>
+        <p:nvPr/>
+      </p:nvGrpSpPr>
+      <p:grpSpPr>
+        <a:xfrm>
+          <a:off x="0" y="0"/>
+          <a:ext cx="0" cy="0"/>
+          <a:chOff x="0" y="0"/>
+          <a:chExt cx="0" cy="0"/>
+        </a:xfrm>
+      </p:grpSpPr>
+      <p:sp>
+        <p:nvSpPr>
+          <p:cNvPr id="2" name="Заголовок 1"/>
+          <p:cNvSpPr>
+            <a:spLocks noGrp="1"/>
+          </p:cNvSpPr>
+          <p:nvPr>
+            <p:ph type="title"/>
+          </p:nvPr>
+        </p:nvSpPr>
+        <p:spPr>
+          <a:xfrm>
+            <a:off x="8337885" y="433196"/>
+            <a:ext cx="3092115" cy="974362"/>
+          </a:xfrm>
+        </p:spPr>
+        <p:txBody>
+          <a:bodyPr/>
+          <a:lstStyle/>
+          <a:p>
+            <a:r>
+              <a:rPr lang="ru-RU" dirty="0" smtClean="0"/>
+              <a:t>реализация</a:t>
+            </a:r>
+            <a:endParaRPr lang="ru-RU" dirty="0"/>
+          </a:p>
+        </p:txBody>
+      </p:sp>
+      <p:sp>
+        <p:nvSpPr>
+          <p:cNvPr id="3" name="Объект 2"/>
+          <p:cNvSpPr>
+            <a:spLocks noGrp="1"/>
+          </p:cNvSpPr>
+          <p:nvPr>
+            <p:ph idx="1"/>
+          </p:nvPr>
+        </p:nvSpPr>
+        <p:spPr/>
+        <p:txBody>
+          <a:bodyPr/>
+          <a:lstStyle/>
+          <a:p>
+            <a:endParaRPr lang="ru-RU" dirty="0"/>
+          </a:p>
+        </p:txBody>
+      </p:sp>
+      <p:sp>
+        <p:nvSpPr>
+          <p:cNvPr id="4" name="Текст 3"/>
+          <p:cNvSpPr>
+            <a:spLocks noGrp="1"/>
+          </p:cNvSpPr>
+          <p:nvPr>
+            <p:ph type="body" sz="half" idx="2"/>
+          </p:nvPr>
+        </p:nvSpPr>
+        <p:spPr>
+          <a:xfrm>
+            <a:off x="8337885" y="1573556"/>
+            <a:ext cx="3482202" cy="4709798"/>
+          </a:xfrm>
+        </p:spPr>
+        <p:txBody>
+          <a:bodyPr>
+            <a:noAutofit/>
+          </a:bodyPr>
+          <a:lstStyle/>
+          <a:p>
+            <a:r>
+              <a:rPr lang="ru-RU" sz="1350" dirty="0">
+                <a:latin typeface="Corbel" panose="020B0503020204020204" pitchFamily="34" charset="0"/>
+              </a:rPr>
+              <a:t>Функция </a:t>
+            </a:r>
+            <a:r>
+              <a:rPr lang="en-US" sz="1350" i="1" dirty="0">
+                <a:latin typeface="Corbel" panose="020B0503020204020204" pitchFamily="34" charset="0"/>
+              </a:rPr>
+              <a:t>get</a:t>
+            </a:r>
+            <a:r>
+              <a:rPr lang="ru-RU" sz="1350" i="1" dirty="0">
+                <a:latin typeface="Corbel" panose="020B0503020204020204" pitchFamily="34" charset="0"/>
+              </a:rPr>
+              <a:t>_</a:t>
+            </a:r>
+            <a:r>
+              <a:rPr lang="en-US" sz="1350" i="1" dirty="0">
+                <a:latin typeface="Corbel" panose="020B0503020204020204" pitchFamily="34" charset="0"/>
+              </a:rPr>
+              <a:t>cell</a:t>
+            </a:r>
+            <a:r>
+              <a:rPr lang="ru-RU" sz="1350" dirty="0">
+                <a:latin typeface="Corbel" panose="020B0503020204020204" pitchFamily="34" charset="0"/>
+              </a:rPr>
+              <a:t> возвращает координаты клетки доски.</a:t>
+            </a:r>
+          </a:p>
+          <a:p>
+            <a:r>
+              <a:rPr lang="ru-RU" sz="1350" dirty="0">
+                <a:latin typeface="Corbel" panose="020B0503020204020204" pitchFamily="34" charset="0"/>
+              </a:rPr>
+              <a:t>Функция </a:t>
+            </a:r>
+            <a:r>
+              <a:rPr lang="en-US" sz="1350" i="1" dirty="0">
+                <a:latin typeface="Corbel" panose="020B0503020204020204" pitchFamily="34" charset="0"/>
+              </a:rPr>
+              <a:t>get</a:t>
+            </a:r>
+            <a:r>
+              <a:rPr lang="ru-RU" sz="1350" i="1" dirty="0">
+                <a:latin typeface="Corbel" panose="020B0503020204020204" pitchFamily="34" charset="0"/>
+              </a:rPr>
+              <a:t>_</a:t>
+            </a:r>
+            <a:r>
+              <a:rPr lang="en-US" sz="1350" i="1" dirty="0">
+                <a:latin typeface="Corbel" panose="020B0503020204020204" pitchFamily="34" charset="0"/>
+              </a:rPr>
+              <a:t>pixels</a:t>
+            </a:r>
+            <a:r>
+              <a:rPr lang="ru-RU" sz="1350" dirty="0">
+                <a:latin typeface="Corbel" panose="020B0503020204020204" pitchFamily="34" charset="0"/>
+              </a:rPr>
+              <a:t> возвращает координаты клетки в пикселях.</a:t>
+            </a:r>
+          </a:p>
+          <a:p>
+            <a:r>
+              <a:rPr lang="ru-RU" sz="1350" dirty="0">
+                <a:latin typeface="Corbel" panose="020B0503020204020204" pitchFamily="34" charset="0"/>
+              </a:rPr>
+              <a:t>Функция </a:t>
+            </a:r>
+            <a:r>
+              <a:rPr lang="ru-RU" sz="1350" i="1" dirty="0" err="1">
+                <a:latin typeface="Corbel" panose="020B0503020204020204" pitchFamily="34" charset="0"/>
+              </a:rPr>
+              <a:t>draw</a:t>
+            </a:r>
+            <a:r>
+              <a:rPr lang="ru-RU" sz="1350" i="1" dirty="0">
+                <a:latin typeface="Corbel" panose="020B0503020204020204" pitchFamily="34" charset="0"/>
+              </a:rPr>
+              <a:t>_</a:t>
+            </a:r>
+            <a:r>
+              <a:rPr lang="en-US" sz="1350" i="1" dirty="0">
+                <a:latin typeface="Corbel" panose="020B0503020204020204" pitchFamily="34" charset="0"/>
+              </a:rPr>
+              <a:t>game</a:t>
+            </a:r>
+            <a:r>
+              <a:rPr lang="ru-RU" sz="1350" i="1" dirty="0">
+                <a:latin typeface="Corbel" panose="020B0503020204020204" pitchFamily="34" charset="0"/>
+              </a:rPr>
+              <a:t>_</a:t>
+            </a:r>
+            <a:r>
+              <a:rPr lang="ru-RU" sz="1350" i="1" dirty="0" err="1">
+                <a:latin typeface="Corbel" panose="020B0503020204020204" pitchFamily="34" charset="0"/>
+              </a:rPr>
+              <a:t>menu</a:t>
+            </a:r>
+            <a:r>
+              <a:rPr lang="ru-RU" sz="1350" dirty="0">
+                <a:latin typeface="Corbel" panose="020B0503020204020204" pitchFamily="34" charset="0"/>
+              </a:rPr>
+              <a:t> – отрисовка меню рядом с игровым полем.</a:t>
+            </a:r>
+          </a:p>
+          <a:p>
+            <a:r>
+              <a:rPr lang="ru-RU" sz="1350" dirty="0">
+                <a:latin typeface="Corbel" panose="020B0503020204020204" pitchFamily="34" charset="0"/>
+              </a:rPr>
+              <a:t>Функция </a:t>
+            </a:r>
+            <a:r>
+              <a:rPr lang="en-US" sz="1350" i="1" dirty="0">
+                <a:latin typeface="Corbel" panose="020B0503020204020204" pitchFamily="34" charset="0"/>
+              </a:rPr>
+              <a:t>draw</a:t>
+            </a:r>
+            <a:r>
+              <a:rPr lang="ru-RU" sz="1350" i="1" dirty="0">
+                <a:latin typeface="Corbel" panose="020B0503020204020204" pitchFamily="34" charset="0"/>
+              </a:rPr>
+              <a:t>_</a:t>
+            </a:r>
+            <a:r>
+              <a:rPr lang="en-US" sz="1350" i="1" dirty="0">
+                <a:latin typeface="Corbel" panose="020B0503020204020204" pitchFamily="34" charset="0"/>
+              </a:rPr>
+              <a:t>win</a:t>
+            </a:r>
+            <a:r>
+              <a:rPr lang="ru-RU" sz="1350" i="1" dirty="0">
+                <a:latin typeface="Corbel" panose="020B0503020204020204" pitchFamily="34" charset="0"/>
+              </a:rPr>
+              <a:t>_</a:t>
+            </a:r>
+            <a:r>
+              <a:rPr lang="en-US" sz="1350" i="1" dirty="0">
+                <a:latin typeface="Corbel" panose="020B0503020204020204" pitchFamily="34" charset="0"/>
+              </a:rPr>
+              <a:t>screen</a:t>
+            </a:r>
+            <a:r>
+              <a:rPr lang="en-US" sz="1350" dirty="0">
+                <a:latin typeface="Corbel" panose="020B0503020204020204" pitchFamily="34" charset="0"/>
+              </a:rPr>
+              <a:t> </a:t>
+            </a:r>
+            <a:r>
+              <a:rPr lang="ru-RU" sz="1350" dirty="0">
+                <a:latin typeface="Corbel" panose="020B0503020204020204" pitchFamily="34" charset="0"/>
+              </a:rPr>
+              <a:t>– отрисовка экрана победы.</a:t>
+            </a:r>
+          </a:p>
+          <a:p>
+            <a:r>
+              <a:rPr lang="ru-RU" sz="1350" dirty="0">
+                <a:latin typeface="Corbel" panose="020B0503020204020204" pitchFamily="34" charset="0"/>
+              </a:rPr>
+              <a:t>Функция </a:t>
+            </a:r>
+            <a:r>
+              <a:rPr lang="en-US" sz="1350" i="1" dirty="0">
+                <a:latin typeface="Corbel" panose="020B0503020204020204" pitchFamily="34" charset="0"/>
+              </a:rPr>
+              <a:t>draw</a:t>
+            </a:r>
+            <a:r>
+              <a:rPr lang="ru-RU" sz="1350" i="1" dirty="0">
+                <a:latin typeface="Corbel" panose="020B0503020204020204" pitchFamily="34" charset="0"/>
+              </a:rPr>
+              <a:t>_</a:t>
+            </a:r>
+            <a:r>
+              <a:rPr lang="en-US" sz="1350" i="1" dirty="0">
+                <a:latin typeface="Corbel" panose="020B0503020204020204" pitchFamily="34" charset="0"/>
+              </a:rPr>
+              <a:t>main</a:t>
+            </a:r>
+            <a:r>
+              <a:rPr lang="ru-RU" sz="1350" i="1" dirty="0">
+                <a:latin typeface="Corbel" panose="020B0503020204020204" pitchFamily="34" charset="0"/>
+              </a:rPr>
+              <a:t>_</a:t>
+            </a:r>
+            <a:r>
+              <a:rPr lang="en-US" sz="1350" i="1" dirty="0">
+                <a:latin typeface="Corbel" panose="020B0503020204020204" pitchFamily="34" charset="0"/>
+              </a:rPr>
+              <a:t>menu</a:t>
+            </a:r>
+            <a:r>
+              <a:rPr lang="en-US" sz="1350" dirty="0">
+                <a:latin typeface="Corbel" panose="020B0503020204020204" pitchFamily="34" charset="0"/>
+              </a:rPr>
+              <a:t> </a:t>
+            </a:r>
+            <a:r>
+              <a:rPr lang="ru-RU" sz="1350" dirty="0">
+                <a:latin typeface="Corbel" panose="020B0503020204020204" pitchFamily="34" charset="0"/>
+              </a:rPr>
+              <a:t>– отрисовка главного меню.</a:t>
+            </a:r>
+          </a:p>
+          <a:p>
+            <a:r>
+              <a:rPr lang="ru-RU" sz="1350" dirty="0">
+                <a:latin typeface="Corbel" panose="020B0503020204020204" pitchFamily="34" charset="0"/>
+              </a:rPr>
+              <a:t>Функция </a:t>
+            </a:r>
+            <a:r>
+              <a:rPr lang="ru-RU" sz="1350" i="1" dirty="0" err="1">
+                <a:latin typeface="Corbel" panose="020B0503020204020204" pitchFamily="34" charset="0"/>
+              </a:rPr>
+              <a:t>draw_possible_moves</a:t>
+            </a:r>
+            <a:r>
+              <a:rPr lang="ru-RU" sz="1350" dirty="0">
+                <a:latin typeface="Corbel" panose="020B0503020204020204" pitchFamily="34" charset="0"/>
+              </a:rPr>
+              <a:t> – отрисовка подсказок на поле (возможные ходы для выбранной фигуры).</a:t>
+            </a:r>
+          </a:p>
+          <a:p>
+            <a:r>
+              <a:rPr lang="ru-RU" sz="1350" dirty="0">
+                <a:latin typeface="Corbel" panose="020B0503020204020204" pitchFamily="34" charset="0"/>
+              </a:rPr>
+              <a:t>Функция </a:t>
+            </a:r>
+            <a:r>
+              <a:rPr lang="en-US" sz="1350" i="1" dirty="0">
+                <a:latin typeface="Corbel" panose="020B0503020204020204" pitchFamily="34" charset="0"/>
+              </a:rPr>
+              <a:t>load</a:t>
+            </a:r>
+            <a:r>
+              <a:rPr lang="ru-RU" sz="1350" i="1" dirty="0">
+                <a:latin typeface="Corbel" panose="020B0503020204020204" pitchFamily="34" charset="0"/>
+              </a:rPr>
+              <a:t>_</a:t>
+            </a:r>
+            <a:r>
+              <a:rPr lang="en-US" sz="1350" i="1" dirty="0">
+                <a:latin typeface="Corbel" panose="020B0503020204020204" pitchFamily="34" charset="0"/>
+              </a:rPr>
+              <a:t>image</a:t>
+            </a:r>
+            <a:r>
+              <a:rPr lang="en-US" sz="1350" dirty="0">
+                <a:latin typeface="Corbel" panose="020B0503020204020204" pitchFamily="34" charset="0"/>
+              </a:rPr>
+              <a:t> </a:t>
+            </a:r>
+            <a:r>
+              <a:rPr lang="ru-RU" sz="1350" dirty="0">
+                <a:latin typeface="Corbel" panose="020B0503020204020204" pitchFamily="34" charset="0"/>
+              </a:rPr>
+              <a:t>– загрузка изображений.</a:t>
+            </a:r>
+            <a:endParaRPr lang="ru-RU" sz="1350" dirty="0">
+              <a:latin typeface="Corbel" panose="020B0503020204020204" pitchFamily="34" charset="0"/>
+            </a:endParaRPr>
+          </a:p>
+        </p:txBody>
+      </p:sp>
+    </p:spTree>
+    <p:extLst>
+      <p:ext uri="{BB962C8B-B14F-4D97-AF65-F5344CB8AC3E}">
+        <p14:creationId xmlns:p14="http://schemas.microsoft.com/office/powerpoint/2010/main" val="2930912181"/>
+      </p:ext>
+    </p:extLst>
+  </p:cSld>
+  <p:clrMapOvr>
+    <a:masterClrMapping/>
+  </p:clrMapOvr>
+</p:sld>
+</file>
+
+<file path=ppt/slides/slide7.xml><?xml version="1.0" encoding="utf-8"?>
 <p:sld xmlns:a="http://schemas.openxmlformats.org/drawingml/2006/main" xmlns:r="http://schemas.openxmlformats.org/officeDocument/2006/relationships" xmlns:p="http://schemas.openxmlformats.org/presentationml/2006/main">
   <p:cSld>
     <p:spTree>

--- a/Шах и мат.pptx
+++ b/Шах и мат.pptx
@@ -1329,7 +1329,7 @@
           <a:p>
             <a:fld id="{7E7BD34D-EB24-4AD3-B891-620DA40906B5}" type="datetimeFigureOut">
               <a:rPr lang="ru-RU" smtClean="0"/>
-              <a:t>09.01.2023</a:t>
+              <a:t>17.01.2023</a:t>
             </a:fld>
             <a:endParaRPr lang="ru-RU"/>
           </a:p>
@@ -1455,6 +1455,18 @@
   <p:clrMapOvr>
     <a:masterClrMapping/>
   </p:clrMapOvr>
+  <mc:AlternateContent xmlns:mc="http://schemas.openxmlformats.org/markup-compatibility/2006">
+    <mc:Choice xmlns:p14="http://schemas.microsoft.com/office/powerpoint/2010/main" Requires="p14">
+      <p:transition spd="slow" p14:dur="1300">
+        <p14:pan dir="u"/>
+      </p:transition>
+    </mc:Choice>
+    <mc:Fallback>
+      <p:transition spd="slow">
+        <p:fade/>
+      </p:transition>
+    </mc:Fallback>
+  </mc:AlternateContent>
 </p:sldLayout>
 </file>
 
@@ -1567,7 +1579,7 @@
           <a:p>
             <a:fld id="{7E7BD34D-EB24-4AD3-B891-620DA40906B5}" type="datetimeFigureOut">
               <a:rPr lang="ru-RU" smtClean="0"/>
-              <a:t>09.01.2023</a:t>
+              <a:t>17.01.2023</a:t>
             </a:fld>
             <a:endParaRPr lang="ru-RU"/>
           </a:p>
@@ -1625,6 +1637,18 @@
   <p:clrMapOvr>
     <a:masterClrMapping/>
   </p:clrMapOvr>
+  <mc:AlternateContent xmlns:mc="http://schemas.openxmlformats.org/markup-compatibility/2006">
+    <mc:Choice xmlns:p14="http://schemas.microsoft.com/office/powerpoint/2010/main" Requires="p14">
+      <p:transition spd="slow" p14:dur="1300">
+        <p14:pan dir="u"/>
+      </p:transition>
+    </mc:Choice>
+    <mc:Fallback>
+      <p:transition spd="slow">
+        <p:fade/>
+      </p:transition>
+    </mc:Fallback>
+  </mc:AlternateContent>
 </p:sldLayout>
 </file>
 
@@ -1747,7 +1771,7 @@
           <a:p>
             <a:fld id="{7E7BD34D-EB24-4AD3-B891-620DA40906B5}" type="datetimeFigureOut">
               <a:rPr lang="ru-RU" smtClean="0"/>
-              <a:t>09.01.2023</a:t>
+              <a:t>17.01.2023</a:t>
             </a:fld>
             <a:endParaRPr lang="ru-RU"/>
           </a:p>
@@ -1805,6 +1829,18 @@
   <p:clrMapOvr>
     <a:masterClrMapping/>
   </p:clrMapOvr>
+  <mc:AlternateContent xmlns:mc="http://schemas.openxmlformats.org/markup-compatibility/2006">
+    <mc:Choice xmlns:p14="http://schemas.microsoft.com/office/powerpoint/2010/main" Requires="p14">
+      <p:transition spd="slow" p14:dur="1300">
+        <p14:pan dir="u"/>
+      </p:transition>
+    </mc:Choice>
+    <mc:Fallback>
+      <p:transition spd="slow">
+        <p:fade/>
+      </p:transition>
+    </mc:Fallback>
+  </mc:AlternateContent>
 </p:sldLayout>
 </file>
 
@@ -1917,7 +1953,7 @@
           <a:p>
             <a:fld id="{7E7BD34D-EB24-4AD3-B891-620DA40906B5}" type="datetimeFigureOut">
               <a:rPr lang="ru-RU" smtClean="0"/>
-              <a:t>09.01.2023</a:t>
+              <a:t>17.01.2023</a:t>
             </a:fld>
             <a:endParaRPr lang="ru-RU"/>
           </a:p>
@@ -1975,6 +2011,18 @@
   <p:clrMapOvr>
     <a:masterClrMapping/>
   </p:clrMapOvr>
+  <mc:AlternateContent xmlns:mc="http://schemas.openxmlformats.org/markup-compatibility/2006">
+    <mc:Choice xmlns:p14="http://schemas.microsoft.com/office/powerpoint/2010/main" Requires="p14">
+      <p:transition spd="slow" p14:dur="1300">
+        <p14:pan dir="u"/>
+      </p:transition>
+    </mc:Choice>
+    <mc:Fallback>
+      <p:transition spd="slow">
+        <p:fade/>
+      </p:transition>
+    </mc:Fallback>
+  </mc:AlternateContent>
 </p:sldLayout>
 </file>
 
@@ -2190,7 +2238,7 @@
           <a:p>
             <a:fld id="{7E7BD34D-EB24-4AD3-B891-620DA40906B5}" type="datetimeFigureOut">
               <a:rPr lang="ru-RU" smtClean="0"/>
-              <a:t>09.01.2023</a:t>
+              <a:t>17.01.2023</a:t>
             </a:fld>
             <a:endParaRPr lang="ru-RU"/>
           </a:p>
@@ -3217,6 +3265,18 @@
   <p:clrMapOvr>
     <a:overrideClrMapping bg1="dk1" tx1="lt1" bg2="dk2" tx2="lt2" accent1="accent1" accent2="accent2" accent3="accent3" accent4="accent4" accent5="accent5" accent6="accent6" hlink="hlink" folHlink="folHlink"/>
   </p:clrMapOvr>
+  <mc:AlternateContent xmlns:mc="http://schemas.openxmlformats.org/markup-compatibility/2006">
+    <mc:Choice xmlns:p14="http://schemas.microsoft.com/office/powerpoint/2010/main" Requires="p14">
+      <p:transition spd="slow" p14:dur="1300">
+        <p14:pan dir="u"/>
+      </p:transition>
+    </mc:Choice>
+    <mc:Fallback>
+      <p:transition spd="slow">
+        <p:fade/>
+      </p:transition>
+    </mc:Fallback>
+  </mc:AlternateContent>
 </p:sldLayout>
 </file>
 
@@ -3391,7 +3451,7 @@
           <a:p>
             <a:fld id="{7E7BD34D-EB24-4AD3-B891-620DA40906B5}" type="datetimeFigureOut">
               <a:rPr lang="ru-RU" smtClean="0"/>
-              <a:t>09.01.2023</a:t>
+              <a:t>17.01.2023</a:t>
             </a:fld>
             <a:endParaRPr lang="ru-RU"/>
           </a:p>
@@ -3449,6 +3509,18 @@
   <p:clrMapOvr>
     <a:masterClrMapping/>
   </p:clrMapOvr>
+  <mc:AlternateContent xmlns:mc="http://schemas.openxmlformats.org/markup-compatibility/2006">
+    <mc:Choice xmlns:p14="http://schemas.microsoft.com/office/powerpoint/2010/main" Requires="p14">
+      <p:transition spd="slow" p14:dur="1300">
+        <p14:pan dir="u"/>
+      </p:transition>
+    </mc:Choice>
+    <mc:Fallback>
+      <p:transition spd="slow">
+        <p:fade/>
+      </p:transition>
+    </mc:Fallback>
+  </mc:AlternateContent>
   <p:extLst mod="1">
     <p:ext uri="{DCECCB84-F9BA-43D5-87BE-67443E8EF086}">
       <p15:sldGuideLst xmlns:p15="http://schemas.microsoft.com/office/powerpoint/2012/main"/>
@@ -3781,7 +3853,7 @@
           <a:p>
             <a:fld id="{7E7BD34D-EB24-4AD3-B891-620DA40906B5}" type="datetimeFigureOut">
               <a:rPr lang="ru-RU" smtClean="0"/>
-              <a:t>09.01.2023</a:t>
+              <a:t>17.01.2023</a:t>
             </a:fld>
             <a:endParaRPr lang="ru-RU"/>
           </a:p>
@@ -3839,6 +3911,18 @@
   <p:clrMapOvr>
     <a:masterClrMapping/>
   </p:clrMapOvr>
+  <mc:AlternateContent xmlns:mc="http://schemas.openxmlformats.org/markup-compatibility/2006">
+    <mc:Choice xmlns:p14="http://schemas.microsoft.com/office/powerpoint/2010/main" Requires="p14">
+      <p:transition spd="slow" p14:dur="1300">
+        <p14:pan dir="u"/>
+      </p:transition>
+    </mc:Choice>
+    <mc:Fallback>
+      <p:transition spd="slow">
+        <p:fade/>
+      </p:transition>
+    </mc:Fallback>
+  </mc:AlternateContent>
   <p:extLst mod="1">
     <p:ext uri="{DCECCB84-F9BA-43D5-87BE-67443E8EF086}">
       <p15:sldGuideLst xmlns:p15="http://schemas.microsoft.com/office/powerpoint/2012/main"/>
@@ -3904,7 +3988,7 @@
           <a:p>
             <a:fld id="{7E7BD34D-EB24-4AD3-B891-620DA40906B5}" type="datetimeFigureOut">
               <a:rPr lang="ru-RU" smtClean="0"/>
-              <a:t>09.01.2023</a:t>
+              <a:t>17.01.2023</a:t>
             </a:fld>
             <a:endParaRPr lang="ru-RU"/>
           </a:p>
@@ -3962,6 +4046,18 @@
   <p:clrMapOvr>
     <a:masterClrMapping/>
   </p:clrMapOvr>
+  <mc:AlternateContent xmlns:mc="http://schemas.openxmlformats.org/markup-compatibility/2006">
+    <mc:Choice xmlns:p14="http://schemas.microsoft.com/office/powerpoint/2010/main" Requires="p14">
+      <p:transition spd="slow" p14:dur="1300">
+        <p14:pan dir="u"/>
+      </p:transition>
+    </mc:Choice>
+    <mc:Fallback>
+      <p:transition spd="slow">
+        <p:fade/>
+      </p:transition>
+    </mc:Fallback>
+  </mc:AlternateContent>
 </p:sldLayout>
 </file>
 
@@ -3999,7 +4095,7 @@
           <a:p>
             <a:fld id="{7E7BD34D-EB24-4AD3-B891-620DA40906B5}" type="datetimeFigureOut">
               <a:rPr lang="ru-RU" smtClean="0"/>
-              <a:t>09.01.2023</a:t>
+              <a:t>17.01.2023</a:t>
             </a:fld>
             <a:endParaRPr lang="ru-RU"/>
           </a:p>
@@ -4057,6 +4153,18 @@
   <p:clrMapOvr>
     <a:masterClrMapping/>
   </p:clrMapOvr>
+  <mc:AlternateContent xmlns:mc="http://schemas.openxmlformats.org/markup-compatibility/2006">
+    <mc:Choice xmlns:p14="http://schemas.microsoft.com/office/powerpoint/2010/main" Requires="p14">
+      <p:transition spd="slow" p14:dur="1300">
+        <p14:pan dir="u"/>
+      </p:transition>
+    </mc:Choice>
+    <mc:Fallback>
+      <p:transition spd="slow">
+        <p:fade/>
+      </p:transition>
+    </mc:Fallback>
+  </mc:AlternateContent>
 </p:sldLayout>
 </file>
 
@@ -4762,7 +4870,7 @@
           <a:p>
             <a:fld id="{7E7BD34D-EB24-4AD3-B891-620DA40906B5}" type="datetimeFigureOut">
               <a:rPr lang="ru-RU" smtClean="0"/>
-              <a:t>09.01.2023</a:t>
+              <a:t>17.01.2023</a:t>
             </a:fld>
             <a:endParaRPr lang="ru-RU"/>
           </a:p>
@@ -4868,6 +4976,18 @@
   <p:clrMapOvr>
     <a:masterClrMapping/>
   </p:clrMapOvr>
+  <mc:AlternateContent xmlns:mc="http://schemas.openxmlformats.org/markup-compatibility/2006">
+    <mc:Choice xmlns:p14="http://schemas.microsoft.com/office/powerpoint/2010/main" Requires="p14">
+      <p:transition spd="slow" p14:dur="1300">
+        <p14:pan dir="u"/>
+      </p:transition>
+    </mc:Choice>
+    <mc:Fallback>
+      <p:transition spd="slow">
+        <p:fade/>
+      </p:transition>
+    </mc:Fallback>
+  </mc:AlternateContent>
   <p:extLst mod="1">
     <p:ext uri="{DCECCB84-F9BA-43D5-87BE-67443E8EF086}">
       <p15:sldGuideLst xmlns:p15="http://schemas.microsoft.com/office/powerpoint/2012/main">
@@ -5602,7 +5722,7 @@
           <a:p>
             <a:fld id="{7E7BD34D-EB24-4AD3-B891-620DA40906B5}" type="datetimeFigureOut">
               <a:rPr lang="ru-RU" smtClean="0"/>
-              <a:t>09.01.2023</a:t>
+              <a:t>17.01.2023</a:t>
             </a:fld>
             <a:endParaRPr lang="ru-RU"/>
           </a:p>
@@ -5670,6 +5790,18 @@
   <p:clrMapOvr>
     <a:masterClrMapping/>
   </p:clrMapOvr>
+  <mc:AlternateContent xmlns:mc="http://schemas.openxmlformats.org/markup-compatibility/2006">
+    <mc:Choice xmlns:p14="http://schemas.microsoft.com/office/powerpoint/2010/main" Requires="p14">
+      <p:transition spd="slow" p14:dur="1300">
+        <p14:pan dir="u"/>
+      </p:transition>
+    </mc:Choice>
+    <mc:Fallback>
+      <p:transition spd="slow">
+        <p:fade/>
+      </p:transition>
+    </mc:Fallback>
+  </mc:AlternateContent>
 </p:sldLayout>
 </file>
 
@@ -5829,7 +5961,7 @@
           <a:p>
             <a:fld id="{7E7BD34D-EB24-4AD3-B891-620DA40906B5}" type="datetimeFigureOut">
               <a:rPr lang="ru-RU" smtClean="0"/>
-              <a:t>09.01.2023</a:t>
+              <a:t>17.01.2023</a:t>
             </a:fld>
             <a:endParaRPr lang="ru-RU"/>
           </a:p>
@@ -6438,6 +6570,18 @@
     <p:sldLayoutId id="2147483742" r:id="rId10"/>
     <p:sldLayoutId id="2147483743" r:id="rId11"/>
   </p:sldLayoutIdLst>
+  <mc:AlternateContent xmlns:mc="http://schemas.openxmlformats.org/markup-compatibility/2006">
+    <mc:Choice xmlns:p14="http://schemas.microsoft.com/office/powerpoint/2010/main" Requires="p14">
+      <p:transition spd="slow" p14:dur="1300">
+        <p14:pan dir="u"/>
+      </p:transition>
+    </mc:Choice>
+    <mc:Fallback>
+      <p:transition spd="slow">
+        <p:fade/>
+      </p:transition>
+    </mc:Fallback>
+  </mc:AlternateContent>
   <p:txStyles>
     <p:titleStyle>
       <a:lvl1pPr algn="l" defTabSz="914400" rtl="0" eaLnBrk="1" latinLnBrk="0" hangingPunct="1">
@@ -6911,6 +7055,25 @@
   <p:clrMapOvr>
     <a:masterClrMapping/>
   </p:clrMapOvr>
+  <mc:AlternateContent xmlns:mc="http://schemas.openxmlformats.org/markup-compatibility/2006">
+    <mc:Choice xmlns:p14="http://schemas.microsoft.com/office/powerpoint/2010/main" Requires="p14">
+      <p:transition spd="slow" p14:dur="1300">
+        <p14:pan dir="u"/>
+      </p:transition>
+    </mc:Choice>
+    <mc:Fallback>
+      <p:transition spd="slow">
+        <p:fade/>
+      </p:transition>
+    </mc:Fallback>
+  </mc:AlternateContent>
+  <p:timing>
+    <p:tnLst>
+      <p:par>
+        <p:cTn id="1" dur="indefinite" restart="never" nodeType="tmRoot"/>
+      </p:par>
+    </p:tnLst>
+  </p:timing>
 </p:sld>
 </file>
 
@@ -7019,6 +7182,25 @@
   <p:clrMapOvr>
     <a:masterClrMapping/>
   </p:clrMapOvr>
+  <mc:AlternateContent xmlns:mc="http://schemas.openxmlformats.org/markup-compatibility/2006">
+    <mc:Choice xmlns:p14="http://schemas.microsoft.com/office/powerpoint/2010/main" Requires="p14">
+      <p:transition spd="slow" p14:dur="1300">
+        <p14:pan dir="u"/>
+      </p:transition>
+    </mc:Choice>
+    <mc:Fallback>
+      <p:transition spd="slow">
+        <p:fade/>
+      </p:transition>
+    </mc:Fallback>
+  </mc:AlternateContent>
+  <p:timing>
+    <p:tnLst>
+      <p:par>
+        <p:cTn id="1" dur="indefinite" restart="never" nodeType="tmRoot"/>
+      </p:par>
+    </p:tnLst>
+  </p:timing>
 </p:sld>
 </file>
 
@@ -7067,32 +7249,6 @@
           </a:p>
         </p:txBody>
       </p:sp>
-      <p:pic>
-        <p:nvPicPr>
-          <p:cNvPr id="7" name="Объект 6"/>
-          <p:cNvPicPr>
-            <a:picLocks noGrp="1"/>
-          </p:cNvPicPr>
-          <p:nvPr>
-            <p:ph idx="1"/>
-          </p:nvPr>
-        </p:nvPicPr>
-        <p:blipFill>
-          <a:blip r:embed="rId2"/>
-          <a:stretch>
-            <a:fillRect/>
-          </a:stretch>
-        </p:blipFill>
-        <p:spPr>
-          <a:xfrm>
-            <a:off x="765175" y="989266"/>
-            <a:ext cx="6157913" cy="4847718"/>
-          </a:xfrm>
-          <a:prstGeom prst="rect">
-            <a:avLst/>
-          </a:prstGeom>
-        </p:spPr>
-      </p:pic>
       <p:sp>
         <p:nvSpPr>
           <p:cNvPr id="4" name="Текст 3"/>
@@ -7111,7 +7267,7 @@
         </p:spPr>
         <p:txBody>
           <a:bodyPr>
-            <a:normAutofit fontScale="92500" lnSpcReduction="20000"/>
+            <a:normAutofit lnSpcReduction="10000"/>
           </a:bodyPr>
           <a:lstStyle/>
           <a:p>
@@ -7179,13 +7335,13 @@
               <a:rPr lang="ru-RU" i="1" dirty="0" err="1">
                 <a:latin typeface="Corbel" panose="020B0503020204020204" pitchFamily="34" charset="0"/>
               </a:rPr>
-              <a:t>cell</a:t>
+              <a:t>get_piece</a:t>
             </a:r>
             <a:r>
               <a:rPr lang="ru-RU" dirty="0">
                 <a:latin typeface="Corbel" panose="020B0503020204020204" pitchFamily="34" charset="0"/>
               </a:rPr>
-              <a:t> возвращает символы цвета и фигуры в клетке, если она не пуста</a:t>
+              <a:t> возвращает фигуру в виде объекта класса</a:t>
             </a:r>
           </a:p>
           <a:p>
@@ -7206,13 +7362,13 @@
               <a:rPr lang="ru-RU" i="1" dirty="0" err="1">
                 <a:latin typeface="Corbel" panose="020B0503020204020204" pitchFamily="34" charset="0"/>
               </a:rPr>
-              <a:t>get_piece</a:t>
+              <a:t>move_piece</a:t>
             </a:r>
             <a:r>
               <a:rPr lang="ru-RU" dirty="0">
                 <a:latin typeface="Corbel" panose="020B0503020204020204" pitchFamily="34" charset="0"/>
               </a:rPr>
-              <a:t> возвращает фигуру в виде объекта класса</a:t>
+              <a:t> перемещает фигуру на другую клетку, если это возможно</a:t>
             </a:r>
           </a:p>
           <a:p>
@@ -7233,33 +7389,6 @@
               <a:rPr lang="ru-RU" i="1" dirty="0" err="1">
                 <a:latin typeface="Corbel" panose="020B0503020204020204" pitchFamily="34" charset="0"/>
               </a:rPr>
-              <a:t>move_piece</a:t>
-            </a:r>
-            <a:r>
-              <a:rPr lang="ru-RU" dirty="0">
-                <a:latin typeface="Corbel" panose="020B0503020204020204" pitchFamily="34" charset="0"/>
-              </a:rPr>
-              <a:t> перемещает фигуру на другую клетку, если это возможно</a:t>
-            </a:r>
-          </a:p>
-          <a:p>
-            <a:pPr marL="285750" indent="-285750">
-              <a:buClr>
-                <a:schemeClr val="bg2"/>
-              </a:buClr>
-              <a:buFont typeface="Arial" panose="020B0604020202020204" pitchFamily="34" charset="0"/>
-              <a:buChar char="•"/>
-            </a:pPr>
-            <a:r>
-              <a:rPr lang="ru-RU" dirty="0" smtClean="0">
-                <a:latin typeface="Corbel" panose="020B0503020204020204" pitchFamily="34" charset="0"/>
-              </a:rPr>
-              <a:t>функция </a:t>
-            </a:r>
-            <a:r>
-              <a:rPr lang="ru-RU" i="1" dirty="0" err="1">
-                <a:latin typeface="Corbel" panose="020B0503020204020204" pitchFamily="34" charset="0"/>
-              </a:rPr>
               <a:t>surrender</a:t>
             </a:r>
             <a:r>
@@ -7271,6 +7400,32 @@
           </a:p>
         </p:txBody>
       </p:sp>
+      <p:pic>
+        <p:nvPicPr>
+          <p:cNvPr id="9" name="Объект 8"/>
+          <p:cNvPicPr>
+            <a:picLocks noGrp="1" noChangeAspect="1"/>
+          </p:cNvPicPr>
+          <p:nvPr>
+            <p:ph idx="1"/>
+          </p:nvPr>
+        </p:nvPicPr>
+        <p:blipFill>
+          <a:blip r:embed="rId2"/>
+          <a:stretch>
+            <a:fillRect/>
+          </a:stretch>
+        </p:blipFill>
+        <p:spPr>
+          <a:xfrm>
+            <a:off x="765175" y="984598"/>
+            <a:ext cx="6157913" cy="4857053"/>
+          </a:xfrm>
+          <a:prstGeom prst="rect">
+            <a:avLst/>
+          </a:prstGeom>
+        </p:spPr>
+      </p:pic>
     </p:spTree>
     <p:extLst>
       <p:ext uri="{BB962C8B-B14F-4D97-AF65-F5344CB8AC3E}">
@@ -7281,6 +7436,25 @@
   <p:clrMapOvr>
     <a:masterClrMapping/>
   </p:clrMapOvr>
+  <mc:AlternateContent xmlns:mc="http://schemas.openxmlformats.org/markup-compatibility/2006">
+    <mc:Choice xmlns:p14="http://schemas.microsoft.com/office/powerpoint/2010/main" Requires="p14">
+      <p:transition spd="slow" p14:dur="1300">
+        <p14:pan dir="u"/>
+      </p:transition>
+    </mc:Choice>
+    <mc:Fallback>
+      <p:transition spd="slow">
+        <p:fade/>
+      </p:transition>
+    </mc:Fallback>
+  </mc:AlternateContent>
+  <p:timing>
+    <p:tnLst>
+      <p:par>
+        <p:cTn id="1" dur="indefinite" restart="never" nodeType="tmRoot"/>
+      </p:par>
+    </p:tnLst>
+  </p:timing>
 </p:sld>
 </file>
 
@@ -7329,11 +7503,327 @@
           </a:p>
         </p:txBody>
       </p:sp>
+      <p:sp>
+        <p:nvSpPr>
+          <p:cNvPr id="4" name="Текст 3"/>
+          <p:cNvSpPr>
+            <a:spLocks noGrp="1"/>
+          </p:cNvSpPr>
+          <p:nvPr>
+            <p:ph type="body" sz="half" idx="2"/>
+          </p:nvPr>
+        </p:nvSpPr>
+        <p:spPr>
+          <a:xfrm>
+            <a:off x="8337885" y="1573556"/>
+            <a:ext cx="3289256" cy="4827244"/>
+          </a:xfrm>
+        </p:spPr>
+        <p:txBody>
+          <a:bodyPr>
+            <a:noAutofit/>
+          </a:bodyPr>
+          <a:lstStyle/>
+          <a:p>
+            <a:r>
+              <a:rPr lang="ru-RU" sz="1300" dirty="0">
+                <a:latin typeface="Corbel" panose="020B0503020204020204" pitchFamily="34" charset="0"/>
+              </a:rPr>
+              <a:t>Классы фигур: </a:t>
+            </a:r>
+            <a:r>
+              <a:rPr lang="en-US" sz="1300" i="1" dirty="0">
+                <a:latin typeface="Corbel" panose="020B0503020204020204" pitchFamily="34" charset="0"/>
+              </a:rPr>
+              <a:t>Rook</a:t>
+            </a:r>
+            <a:r>
+              <a:rPr lang="ru-RU" sz="1300" dirty="0">
+                <a:latin typeface="Corbel" panose="020B0503020204020204" pitchFamily="34" charset="0"/>
+              </a:rPr>
+              <a:t> (ладья), </a:t>
+            </a:r>
+            <a:r>
+              <a:rPr lang="en-US" sz="1300" i="1" dirty="0">
+                <a:latin typeface="Corbel" panose="020B0503020204020204" pitchFamily="34" charset="0"/>
+              </a:rPr>
+              <a:t>Pawn</a:t>
+            </a:r>
+            <a:r>
+              <a:rPr lang="ru-RU" sz="1300" dirty="0">
+                <a:latin typeface="Corbel" panose="020B0503020204020204" pitchFamily="34" charset="0"/>
+              </a:rPr>
+              <a:t> (пешка), </a:t>
+            </a:r>
+            <a:r>
+              <a:rPr lang="en-US" sz="1300" i="1" dirty="0">
+                <a:latin typeface="Corbel" panose="020B0503020204020204" pitchFamily="34" charset="0"/>
+              </a:rPr>
+              <a:t>Knight</a:t>
+            </a:r>
+            <a:r>
+              <a:rPr lang="ru-RU" sz="1300" dirty="0">
+                <a:latin typeface="Corbel" panose="020B0503020204020204" pitchFamily="34" charset="0"/>
+              </a:rPr>
+              <a:t> (конь), </a:t>
+            </a:r>
+            <a:r>
+              <a:rPr lang="en-US" sz="1300" i="1" dirty="0">
+                <a:latin typeface="Corbel" panose="020B0503020204020204" pitchFamily="34" charset="0"/>
+              </a:rPr>
+              <a:t>King</a:t>
+            </a:r>
+            <a:r>
+              <a:rPr lang="ru-RU" sz="1300" dirty="0">
+                <a:latin typeface="Corbel" panose="020B0503020204020204" pitchFamily="34" charset="0"/>
+              </a:rPr>
+              <a:t> (король), </a:t>
+            </a:r>
+            <a:r>
+              <a:rPr lang="en-US" sz="1300" i="1" dirty="0">
+                <a:latin typeface="Corbel" panose="020B0503020204020204" pitchFamily="34" charset="0"/>
+              </a:rPr>
+              <a:t>Queen</a:t>
+            </a:r>
+            <a:r>
+              <a:rPr lang="ru-RU" sz="1300" dirty="0">
+                <a:latin typeface="Corbel" panose="020B0503020204020204" pitchFamily="34" charset="0"/>
+              </a:rPr>
+              <a:t> (ферзь), </a:t>
+            </a:r>
+            <a:r>
+              <a:rPr lang="en-US" sz="1300" i="1" dirty="0">
+                <a:latin typeface="Corbel" panose="020B0503020204020204" pitchFamily="34" charset="0"/>
+              </a:rPr>
+              <a:t>Bishop</a:t>
+            </a:r>
+            <a:r>
+              <a:rPr lang="en-US" sz="1300" dirty="0">
+                <a:latin typeface="Corbel" panose="020B0503020204020204" pitchFamily="34" charset="0"/>
+              </a:rPr>
+              <a:t> </a:t>
+            </a:r>
+            <a:r>
+              <a:rPr lang="ru-RU" sz="1300" dirty="0">
+                <a:latin typeface="Corbel" panose="020B0503020204020204" pitchFamily="34" charset="0"/>
+              </a:rPr>
+              <a:t>(слон).</a:t>
+            </a:r>
+          </a:p>
+          <a:p>
+            <a:pPr marL="285750" lvl="0" indent="-285750">
+              <a:buClr>
+                <a:schemeClr val="bg2"/>
+              </a:buClr>
+              <a:buFont typeface="Arial" panose="020B0604020202020204" pitchFamily="34" charset="0"/>
+              <a:buChar char="•"/>
+            </a:pPr>
+            <a:r>
+              <a:rPr lang="ru-RU" sz="1300" dirty="0">
+                <a:latin typeface="Corbel" panose="020B0503020204020204" pitchFamily="34" charset="0"/>
+              </a:rPr>
+              <a:t>функция </a:t>
+            </a:r>
+            <a:r>
+              <a:rPr lang="en-US" sz="1300" i="1" dirty="0">
+                <a:latin typeface="Corbel" panose="020B0503020204020204" pitchFamily="34" charset="0"/>
+              </a:rPr>
+              <a:t>get</a:t>
+            </a:r>
+            <a:r>
+              <a:rPr lang="ru-RU" sz="1300" i="1" dirty="0">
+                <a:latin typeface="Corbel" panose="020B0503020204020204" pitchFamily="34" charset="0"/>
+              </a:rPr>
+              <a:t>_</a:t>
+            </a:r>
+            <a:r>
+              <a:rPr lang="en-US" sz="1300" i="1" dirty="0">
+                <a:latin typeface="Corbel" panose="020B0503020204020204" pitchFamily="34" charset="0"/>
+              </a:rPr>
+              <a:t>color</a:t>
+            </a:r>
+            <a:r>
+              <a:rPr lang="ru-RU" sz="1300" dirty="0">
+                <a:latin typeface="Corbel" panose="020B0503020204020204" pitchFamily="34" charset="0"/>
+              </a:rPr>
+              <a:t> возвращает символ цвета фигуры</a:t>
+            </a:r>
+          </a:p>
+          <a:p>
+            <a:pPr marL="285750" lvl="0" indent="-285750">
+              <a:buClr>
+                <a:schemeClr val="bg2"/>
+              </a:buClr>
+              <a:buFont typeface="Arial" panose="020B0604020202020204" pitchFamily="34" charset="0"/>
+              <a:buChar char="•"/>
+            </a:pPr>
+            <a:r>
+              <a:rPr lang="ru-RU" sz="1300" dirty="0">
+                <a:latin typeface="Corbel" panose="020B0503020204020204" pitchFamily="34" charset="0"/>
+              </a:rPr>
+              <a:t>функция </a:t>
+            </a:r>
+            <a:r>
+              <a:rPr lang="en-US" sz="1300" i="1" dirty="0">
+                <a:latin typeface="Corbel" panose="020B0503020204020204" pitchFamily="34" charset="0"/>
+              </a:rPr>
+              <a:t>char</a:t>
+            </a:r>
+            <a:r>
+              <a:rPr lang="ru-RU" sz="1300" dirty="0">
+                <a:latin typeface="Corbel" panose="020B0503020204020204" pitchFamily="34" charset="0"/>
+              </a:rPr>
+              <a:t> возвращает символ фигуры</a:t>
+            </a:r>
+          </a:p>
+          <a:p>
+            <a:pPr marL="285750" lvl="0" indent="-285750">
+              <a:buClr>
+                <a:schemeClr val="bg2"/>
+              </a:buClr>
+              <a:buFont typeface="Arial" panose="020B0604020202020204" pitchFamily="34" charset="0"/>
+              <a:buChar char="•"/>
+            </a:pPr>
+            <a:r>
+              <a:rPr lang="ru-RU" sz="1300" dirty="0">
+                <a:latin typeface="Corbel" panose="020B0503020204020204" pitchFamily="34" charset="0"/>
+              </a:rPr>
+              <a:t>функция </a:t>
+            </a:r>
+            <a:r>
+              <a:rPr lang="ru-RU" sz="1300" i="1" dirty="0" err="1">
+                <a:latin typeface="Corbel" panose="020B0503020204020204" pitchFamily="34" charset="0"/>
+              </a:rPr>
+              <a:t>can_attack</a:t>
+            </a:r>
+            <a:r>
+              <a:rPr lang="ru-RU" sz="1300" dirty="0">
+                <a:latin typeface="Corbel" panose="020B0503020204020204" pitchFamily="34" charset="0"/>
+              </a:rPr>
+              <a:t> – проверка возможности атаковать фигуру противника</a:t>
+            </a:r>
+          </a:p>
+          <a:p>
+            <a:pPr marL="285750" lvl="0" indent="-285750">
+              <a:buClr>
+                <a:schemeClr val="bg2"/>
+              </a:buClr>
+              <a:buFont typeface="Arial" panose="020B0604020202020204" pitchFamily="34" charset="0"/>
+              <a:buChar char="•"/>
+            </a:pPr>
+            <a:r>
+              <a:rPr lang="ru-RU" sz="1300" dirty="0">
+                <a:latin typeface="Corbel" panose="020B0503020204020204" pitchFamily="34" charset="0"/>
+              </a:rPr>
+              <a:t>функция </a:t>
+            </a:r>
+            <a:r>
+              <a:rPr lang="ru-RU" sz="1300" i="1" dirty="0" err="1">
+                <a:latin typeface="Corbel" panose="020B0503020204020204" pitchFamily="34" charset="0"/>
+              </a:rPr>
+              <a:t>can_move</a:t>
+            </a:r>
+            <a:r>
+              <a:rPr lang="ru-RU" sz="1300" dirty="0">
+                <a:latin typeface="Corbel" panose="020B0503020204020204" pitchFamily="34" charset="0"/>
+              </a:rPr>
+              <a:t> – проверка возможности хода в свободную клетку</a:t>
+            </a:r>
+          </a:p>
+          <a:p>
+            <a:r>
+              <a:rPr lang="ru-RU" sz="1300" dirty="0">
+                <a:latin typeface="Corbel" panose="020B0503020204020204" pitchFamily="34" charset="0"/>
+              </a:rPr>
+              <a:t>Функция </a:t>
+            </a:r>
+            <a:r>
+              <a:rPr lang="en-US" sz="1300" i="1" dirty="0">
+                <a:latin typeface="Corbel" panose="020B0503020204020204" pitchFamily="34" charset="0"/>
+              </a:rPr>
+              <a:t>game</a:t>
+            </a:r>
+            <a:r>
+              <a:rPr lang="en-US" sz="1300" dirty="0">
+                <a:latin typeface="Corbel" panose="020B0503020204020204" pitchFamily="34" charset="0"/>
+              </a:rPr>
+              <a:t> </a:t>
+            </a:r>
+            <a:r>
+              <a:rPr lang="ru-RU" sz="1300" dirty="0">
+                <a:latin typeface="Corbel" panose="020B0503020204020204" pitchFamily="34" charset="0"/>
+              </a:rPr>
+              <a:t>– режим игры.</a:t>
+            </a:r>
+          </a:p>
+          <a:p>
+            <a:r>
+              <a:rPr lang="ru-RU" sz="1300" dirty="0">
+                <a:latin typeface="Corbel" panose="020B0503020204020204" pitchFamily="34" charset="0"/>
+              </a:rPr>
+              <a:t>Функция </a:t>
+            </a:r>
+            <a:r>
+              <a:rPr lang="en-US" sz="1300" i="1" dirty="0">
+                <a:latin typeface="Corbel" panose="020B0503020204020204" pitchFamily="34" charset="0"/>
+              </a:rPr>
+              <a:t>analysis</a:t>
+            </a:r>
+            <a:r>
+              <a:rPr lang="en-US" sz="1300" dirty="0">
+                <a:latin typeface="Corbel" panose="020B0503020204020204" pitchFamily="34" charset="0"/>
+              </a:rPr>
+              <a:t> </a:t>
+            </a:r>
+            <a:r>
+              <a:rPr lang="ru-RU" sz="1300" dirty="0">
+                <a:latin typeface="Corbel" panose="020B0503020204020204" pitchFamily="34" charset="0"/>
+              </a:rPr>
+              <a:t>– режим анализа партии</a:t>
+            </a:r>
+            <a:r>
+              <a:rPr lang="ru-RU" sz="1300" dirty="0" smtClean="0">
+                <a:latin typeface="Corbel" panose="020B0503020204020204" pitchFamily="34" charset="0"/>
+              </a:rPr>
+              <a:t>.</a:t>
+            </a:r>
+          </a:p>
+          <a:p>
+            <a:r>
+              <a:rPr lang="ru-RU" sz="1300" dirty="0">
+                <a:latin typeface="Corbel" panose="020B0503020204020204" pitchFamily="34" charset="0"/>
+              </a:rPr>
+              <a:t>Функция </a:t>
+            </a:r>
+            <a:r>
+              <a:rPr lang="fr-FR" sz="1300" i="1" dirty="0">
+                <a:latin typeface="Corbel" panose="020B0503020204020204" pitchFamily="34" charset="0"/>
+              </a:rPr>
+              <a:t>challenges</a:t>
+            </a:r>
+            <a:r>
+              <a:rPr lang="fr-FR" sz="1300" dirty="0">
+                <a:latin typeface="Corbel" panose="020B0503020204020204" pitchFamily="34" charset="0"/>
+              </a:rPr>
+              <a:t> – </a:t>
+            </a:r>
+            <a:r>
+              <a:rPr lang="ru-RU" sz="1300" dirty="0">
+                <a:latin typeface="Corbel" panose="020B0503020204020204" pitchFamily="34" charset="0"/>
+              </a:rPr>
+              <a:t>режим испытаний.</a:t>
+            </a:r>
+            <a:endParaRPr lang="ru-RU" sz="1300" dirty="0">
+              <a:latin typeface="Corbel" panose="020B0503020204020204" pitchFamily="34" charset="0"/>
+            </a:endParaRPr>
+          </a:p>
+        </p:txBody>
+      </p:sp>
       <p:pic>
         <p:nvPicPr>
-          <p:cNvPr id="6" name="Объект 4"/>
+          <p:cNvPr id="8" name="Объект 7"/>
           <p:cNvPicPr>
-            <a:picLocks noGrp="1"/>
+            <a:picLocks noGrp="1" noChangeAspect="1"/>
           </p:cNvPicPr>
           <p:nvPr>
             <p:ph idx="1"/>
@@ -7347,295 +7837,14 @@
         </p:blipFill>
         <p:spPr>
           <a:xfrm>
-            <a:off x="765175" y="1729576"/>
-            <a:ext cx="6157913" cy="3367098"/>
+            <a:off x="471561" y="1765933"/>
+            <a:ext cx="6830879" cy="3728856"/>
           </a:xfrm>
           <a:prstGeom prst="rect">
             <a:avLst/>
           </a:prstGeom>
         </p:spPr>
       </p:pic>
-      <p:sp>
-        <p:nvSpPr>
-          <p:cNvPr id="4" name="Текст 3"/>
-          <p:cNvSpPr>
-            <a:spLocks noGrp="1"/>
-          </p:cNvSpPr>
-          <p:nvPr>
-            <p:ph type="body" sz="half" idx="2"/>
-          </p:nvPr>
-        </p:nvSpPr>
-        <p:spPr>
-          <a:xfrm>
-            <a:off x="8337885" y="1573556"/>
-            <a:ext cx="3289256" cy="4458128"/>
-          </a:xfrm>
-        </p:spPr>
-        <p:txBody>
-          <a:bodyPr>
-            <a:noAutofit/>
-          </a:bodyPr>
-          <a:lstStyle/>
-          <a:p>
-            <a:r>
-              <a:rPr lang="ru-RU" sz="1300" dirty="0">
-                <a:latin typeface="Corbel" panose="020B0503020204020204" pitchFamily="34" charset="0"/>
-              </a:rPr>
-              <a:t>Классы фигур: </a:t>
-            </a:r>
-            <a:r>
-              <a:rPr lang="en-US" sz="1300" i="1" dirty="0">
-                <a:latin typeface="Corbel" panose="020B0503020204020204" pitchFamily="34" charset="0"/>
-              </a:rPr>
-              <a:t>Rook</a:t>
-            </a:r>
-            <a:r>
-              <a:rPr lang="ru-RU" sz="1300" dirty="0">
-                <a:latin typeface="Corbel" panose="020B0503020204020204" pitchFamily="34" charset="0"/>
-              </a:rPr>
-              <a:t> (ладья), </a:t>
-            </a:r>
-            <a:r>
-              <a:rPr lang="en-US" sz="1300" i="1" dirty="0">
-                <a:latin typeface="Corbel" panose="020B0503020204020204" pitchFamily="34" charset="0"/>
-              </a:rPr>
-              <a:t>Pawn</a:t>
-            </a:r>
-            <a:r>
-              <a:rPr lang="ru-RU" sz="1300" dirty="0">
-                <a:latin typeface="Corbel" panose="020B0503020204020204" pitchFamily="34" charset="0"/>
-              </a:rPr>
-              <a:t> (пешка), </a:t>
-            </a:r>
-            <a:r>
-              <a:rPr lang="en-US" sz="1300" i="1" dirty="0">
-                <a:latin typeface="Corbel" panose="020B0503020204020204" pitchFamily="34" charset="0"/>
-              </a:rPr>
-              <a:t>Knight</a:t>
-            </a:r>
-            <a:r>
-              <a:rPr lang="ru-RU" sz="1300" dirty="0">
-                <a:latin typeface="Corbel" panose="020B0503020204020204" pitchFamily="34" charset="0"/>
-              </a:rPr>
-              <a:t> (конь), </a:t>
-            </a:r>
-            <a:r>
-              <a:rPr lang="en-US" sz="1300" i="1" dirty="0">
-                <a:latin typeface="Corbel" panose="020B0503020204020204" pitchFamily="34" charset="0"/>
-              </a:rPr>
-              <a:t>King</a:t>
-            </a:r>
-            <a:r>
-              <a:rPr lang="ru-RU" sz="1300" dirty="0">
-                <a:latin typeface="Corbel" panose="020B0503020204020204" pitchFamily="34" charset="0"/>
-              </a:rPr>
-              <a:t> (король), </a:t>
-            </a:r>
-            <a:r>
-              <a:rPr lang="en-US" sz="1300" i="1" dirty="0">
-                <a:latin typeface="Corbel" panose="020B0503020204020204" pitchFamily="34" charset="0"/>
-              </a:rPr>
-              <a:t>Queen</a:t>
-            </a:r>
-            <a:r>
-              <a:rPr lang="ru-RU" sz="1300" dirty="0">
-                <a:latin typeface="Corbel" panose="020B0503020204020204" pitchFamily="34" charset="0"/>
-              </a:rPr>
-              <a:t> (ферзь), </a:t>
-            </a:r>
-            <a:r>
-              <a:rPr lang="en-US" sz="1300" i="1" dirty="0">
-                <a:latin typeface="Corbel" panose="020B0503020204020204" pitchFamily="34" charset="0"/>
-              </a:rPr>
-              <a:t>Bishop</a:t>
-            </a:r>
-            <a:r>
-              <a:rPr lang="en-US" sz="1300" dirty="0">
-                <a:latin typeface="Corbel" panose="020B0503020204020204" pitchFamily="34" charset="0"/>
-              </a:rPr>
-              <a:t> </a:t>
-            </a:r>
-            <a:r>
-              <a:rPr lang="ru-RU" sz="1300" dirty="0">
-                <a:latin typeface="Corbel" panose="020B0503020204020204" pitchFamily="34" charset="0"/>
-              </a:rPr>
-              <a:t>(слон).</a:t>
-            </a:r>
-          </a:p>
-          <a:p>
-            <a:pPr marL="285750" lvl="0" indent="-285750">
-              <a:buClr>
-                <a:schemeClr val="bg2"/>
-              </a:buClr>
-              <a:buFont typeface="Arial" panose="020B0604020202020204" pitchFamily="34" charset="0"/>
-              <a:buChar char="•"/>
-            </a:pPr>
-            <a:r>
-              <a:rPr lang="ru-RU" sz="1300" dirty="0">
-                <a:latin typeface="Corbel" panose="020B0503020204020204" pitchFamily="34" charset="0"/>
-              </a:rPr>
-              <a:t>функция </a:t>
-            </a:r>
-            <a:r>
-              <a:rPr lang="en-US" sz="1300" i="1" dirty="0">
-                <a:latin typeface="Corbel" panose="020B0503020204020204" pitchFamily="34" charset="0"/>
-              </a:rPr>
-              <a:t>get</a:t>
-            </a:r>
-            <a:r>
-              <a:rPr lang="ru-RU" sz="1300" i="1" dirty="0">
-                <a:latin typeface="Corbel" panose="020B0503020204020204" pitchFamily="34" charset="0"/>
-              </a:rPr>
-              <a:t>_</a:t>
-            </a:r>
-            <a:r>
-              <a:rPr lang="en-US" sz="1300" i="1" dirty="0">
-                <a:latin typeface="Corbel" panose="020B0503020204020204" pitchFamily="34" charset="0"/>
-              </a:rPr>
-              <a:t>color</a:t>
-            </a:r>
-            <a:r>
-              <a:rPr lang="ru-RU" sz="1300" dirty="0">
-                <a:latin typeface="Corbel" panose="020B0503020204020204" pitchFamily="34" charset="0"/>
-              </a:rPr>
-              <a:t> возвращает символ цвета фигуры</a:t>
-            </a:r>
-          </a:p>
-          <a:p>
-            <a:pPr marL="285750" lvl="0" indent="-285750">
-              <a:buClr>
-                <a:schemeClr val="bg2"/>
-              </a:buClr>
-              <a:buFont typeface="Arial" panose="020B0604020202020204" pitchFamily="34" charset="0"/>
-              <a:buChar char="•"/>
-            </a:pPr>
-            <a:r>
-              <a:rPr lang="ru-RU" sz="1300" dirty="0">
-                <a:latin typeface="Corbel" panose="020B0503020204020204" pitchFamily="34" charset="0"/>
-              </a:rPr>
-              <a:t>функция </a:t>
-            </a:r>
-            <a:r>
-              <a:rPr lang="en-US" sz="1300" i="1" dirty="0">
-                <a:latin typeface="Corbel" panose="020B0503020204020204" pitchFamily="34" charset="0"/>
-              </a:rPr>
-              <a:t>char</a:t>
-            </a:r>
-            <a:r>
-              <a:rPr lang="ru-RU" sz="1300" dirty="0">
-                <a:latin typeface="Corbel" panose="020B0503020204020204" pitchFamily="34" charset="0"/>
-              </a:rPr>
-              <a:t> возвращает символ фигуры</a:t>
-            </a:r>
-          </a:p>
-          <a:p>
-            <a:pPr marL="285750" lvl="0" indent="-285750">
-              <a:buClr>
-                <a:schemeClr val="bg2"/>
-              </a:buClr>
-              <a:buFont typeface="Arial" panose="020B0604020202020204" pitchFamily="34" charset="0"/>
-              <a:buChar char="•"/>
-            </a:pPr>
-            <a:r>
-              <a:rPr lang="ru-RU" sz="1300" dirty="0">
-                <a:latin typeface="Corbel" panose="020B0503020204020204" pitchFamily="34" charset="0"/>
-              </a:rPr>
-              <a:t>функция </a:t>
-            </a:r>
-            <a:r>
-              <a:rPr lang="ru-RU" sz="1300" i="1" dirty="0" err="1">
-                <a:latin typeface="Corbel" panose="020B0503020204020204" pitchFamily="34" charset="0"/>
-              </a:rPr>
-              <a:t>can_attack</a:t>
-            </a:r>
-            <a:r>
-              <a:rPr lang="ru-RU" sz="1300" dirty="0">
-                <a:latin typeface="Corbel" panose="020B0503020204020204" pitchFamily="34" charset="0"/>
-              </a:rPr>
-              <a:t> – проверка возможности атаковать фигуру противника</a:t>
-            </a:r>
-          </a:p>
-          <a:p>
-            <a:pPr marL="285750" lvl="0" indent="-285750">
-              <a:buClr>
-                <a:schemeClr val="bg2"/>
-              </a:buClr>
-              <a:buFont typeface="Arial" panose="020B0604020202020204" pitchFamily="34" charset="0"/>
-              <a:buChar char="•"/>
-            </a:pPr>
-            <a:r>
-              <a:rPr lang="ru-RU" sz="1300" dirty="0">
-                <a:latin typeface="Corbel" panose="020B0503020204020204" pitchFamily="34" charset="0"/>
-              </a:rPr>
-              <a:t>функция </a:t>
-            </a:r>
-            <a:r>
-              <a:rPr lang="ru-RU" sz="1300" i="1" dirty="0" err="1">
-                <a:latin typeface="Corbel" panose="020B0503020204020204" pitchFamily="34" charset="0"/>
-              </a:rPr>
-              <a:t>can_move</a:t>
-            </a:r>
-            <a:r>
-              <a:rPr lang="ru-RU" sz="1300" dirty="0">
-                <a:latin typeface="Corbel" panose="020B0503020204020204" pitchFamily="34" charset="0"/>
-              </a:rPr>
-              <a:t> – проверка возможности хода в свободную клетку</a:t>
-            </a:r>
-          </a:p>
-          <a:p>
-            <a:r>
-              <a:rPr lang="ru-RU" sz="1300" dirty="0">
-                <a:latin typeface="Corbel" panose="020B0503020204020204" pitchFamily="34" charset="0"/>
-              </a:rPr>
-              <a:t>Функция </a:t>
-            </a:r>
-            <a:r>
-              <a:rPr lang="en-US" sz="1300" i="1" dirty="0">
-                <a:latin typeface="Corbel" panose="020B0503020204020204" pitchFamily="34" charset="0"/>
-              </a:rPr>
-              <a:t>game</a:t>
-            </a:r>
-            <a:r>
-              <a:rPr lang="en-US" sz="1300" dirty="0">
-                <a:latin typeface="Corbel" panose="020B0503020204020204" pitchFamily="34" charset="0"/>
-              </a:rPr>
-              <a:t> </a:t>
-            </a:r>
-            <a:r>
-              <a:rPr lang="ru-RU" sz="1300" dirty="0">
-                <a:latin typeface="Corbel" panose="020B0503020204020204" pitchFamily="34" charset="0"/>
-              </a:rPr>
-              <a:t>– режим игры.</a:t>
-            </a:r>
-          </a:p>
-          <a:p>
-            <a:r>
-              <a:rPr lang="ru-RU" sz="1300" dirty="0">
-                <a:latin typeface="Corbel" panose="020B0503020204020204" pitchFamily="34" charset="0"/>
-              </a:rPr>
-              <a:t>Функция </a:t>
-            </a:r>
-            <a:r>
-              <a:rPr lang="en-US" sz="1300" i="1" dirty="0">
-                <a:latin typeface="Corbel" panose="020B0503020204020204" pitchFamily="34" charset="0"/>
-              </a:rPr>
-              <a:t>analysis</a:t>
-            </a:r>
-            <a:r>
-              <a:rPr lang="en-US" sz="1300" dirty="0">
-                <a:latin typeface="Corbel" panose="020B0503020204020204" pitchFamily="34" charset="0"/>
-              </a:rPr>
-              <a:t> </a:t>
-            </a:r>
-            <a:r>
-              <a:rPr lang="ru-RU" sz="1300" dirty="0">
-                <a:latin typeface="Corbel" panose="020B0503020204020204" pitchFamily="34" charset="0"/>
-              </a:rPr>
-              <a:t>– режим анализа партии.</a:t>
-            </a:r>
-          </a:p>
-        </p:txBody>
-      </p:sp>
     </p:spTree>
     <p:extLst>
       <p:ext uri="{BB962C8B-B14F-4D97-AF65-F5344CB8AC3E}">
@@ -7646,6 +7855,25 @@
   <p:clrMapOvr>
     <a:masterClrMapping/>
   </p:clrMapOvr>
+  <mc:AlternateContent xmlns:mc="http://schemas.openxmlformats.org/markup-compatibility/2006">
+    <mc:Choice xmlns:p14="http://schemas.microsoft.com/office/powerpoint/2010/main" Requires="p14">
+      <p:transition spd="slow" p14:dur="1300">
+        <p14:pan dir="u"/>
+      </p:transition>
+    </mc:Choice>
+    <mc:Fallback>
+      <p:transition spd="slow">
+        <p:fade/>
+      </p:transition>
+    </mc:Fallback>
+  </mc:AlternateContent>
+  <p:timing>
+    <p:tnLst>
+      <p:par>
+        <p:cTn id="1" dur="indefinite" restart="never" nodeType="tmRoot"/>
+      </p:par>
+    </p:tnLst>
+  </p:timing>
 </p:sld>
 </file>
 
@@ -7694,25 +7922,32 @@
           </a:p>
         </p:txBody>
       </p:sp>
-      <p:sp>
-        <p:nvSpPr>
-          <p:cNvPr id="3" name="Объект 2"/>
-          <p:cNvSpPr>
-            <a:spLocks noGrp="1"/>
-          </p:cNvSpPr>
+      <p:pic>
+        <p:nvPicPr>
+          <p:cNvPr id="5" name="Объект 4"/>
+          <p:cNvPicPr>
+            <a:picLocks noGrp="1" noChangeAspect="1"/>
+          </p:cNvPicPr>
           <p:nvPr>
             <p:ph idx="1"/>
           </p:nvPr>
-        </p:nvSpPr>
-        <p:spPr/>
-        <p:txBody>
-          <a:bodyPr/>
-          <a:lstStyle/>
-          <a:p>
-            <a:endParaRPr lang="ru-RU"/>
-          </a:p>
-        </p:txBody>
-      </p:sp>
+        </p:nvPicPr>
+        <p:blipFill>
+          <a:blip r:embed="rId2"/>
+          <a:stretch>
+            <a:fillRect/>
+          </a:stretch>
+        </p:blipFill>
+        <p:spPr>
+          <a:xfrm>
+            <a:off x="446393" y="1766503"/>
+            <a:ext cx="6843639" cy="3746459"/>
+          </a:xfrm>
+          <a:prstGeom prst="rect">
+            <a:avLst/>
+          </a:prstGeom>
+        </p:spPr>
+      </p:pic>
       <p:sp>
         <p:nvSpPr>
           <p:cNvPr id="4" name="Текст 3"/>
@@ -7726,7 +7961,7 @@
         <p:spPr>
           <a:xfrm>
             <a:off x="8337885" y="1573556"/>
-            <a:ext cx="3289256" cy="4458128"/>
+            <a:ext cx="3289256" cy="4860800"/>
           </a:xfrm>
         </p:spPr>
         <p:txBody>
@@ -7833,12 +8068,47 @@
               <a:rPr lang="ru-RU" sz="1400" dirty="0">
                 <a:latin typeface="Corbel" panose="020B0503020204020204" pitchFamily="34" charset="0"/>
               </a:rPr>
-              <a:t> – проверка шаха.</a:t>
+              <a:t> – проверка шаха</a:t>
+            </a:r>
+            <a:r>
+              <a:rPr lang="ru-RU" sz="1400" dirty="0" smtClean="0">
+                <a:latin typeface="Corbel" panose="020B0503020204020204" pitchFamily="34" charset="0"/>
+              </a:rPr>
+              <a:t>.</a:t>
             </a:r>
           </a:p>
           <a:p>
             <a:r>
               <a:rPr lang="ru-RU" sz="1400" dirty="0">
+                <a:latin typeface="Corbel" panose="020B0503020204020204" pitchFamily="34" charset="0"/>
+              </a:rPr>
+              <a:t>Функция </a:t>
+            </a:r>
+            <a:r>
+              <a:rPr lang="fr-FR" sz="1400" i="1" dirty="0">
+                <a:latin typeface="Corbel" panose="020B0503020204020204" pitchFamily="34" charset="0"/>
+              </a:rPr>
+              <a:t>checkmate</a:t>
+            </a:r>
+            <a:r>
+              <a:rPr lang="fr-FR" sz="1400" dirty="0">
+                <a:latin typeface="Corbel" panose="020B0503020204020204" pitchFamily="34" charset="0"/>
+              </a:rPr>
+              <a:t> – </a:t>
+            </a:r>
+            <a:r>
+              <a:rPr lang="ru-RU" sz="1400" dirty="0">
+                <a:latin typeface="Corbel" panose="020B0503020204020204" pitchFamily="34" charset="0"/>
+              </a:rPr>
+              <a:t>проверка мата.</a:t>
+            </a:r>
+            <a:endParaRPr lang="ru-RU" sz="1400" dirty="0" smtClean="0">
+              <a:latin typeface="Corbel" panose="020B0503020204020204" pitchFamily="34" charset="0"/>
+            </a:endParaRPr>
+          </a:p>
+          <a:p>
+            <a:r>
+              <a:rPr lang="ru-RU" sz="1400" dirty="0" smtClean="0">
                 <a:latin typeface="Corbel" panose="020B0503020204020204" pitchFamily="34" charset="0"/>
               </a:rPr>
               <a:t>Функция </a:t>
@@ -7953,6 +8223,25 @@
   <p:clrMapOvr>
     <a:masterClrMapping/>
   </p:clrMapOvr>
+  <mc:AlternateContent xmlns:mc="http://schemas.openxmlformats.org/markup-compatibility/2006">
+    <mc:Choice xmlns:p14="http://schemas.microsoft.com/office/powerpoint/2010/main" Requires="p14">
+      <p:transition spd="slow" p14:dur="1300">
+        <p14:pan dir="u"/>
+      </p:transition>
+    </mc:Choice>
+    <mc:Fallback>
+      <p:transition spd="slow">
+        <p:fade/>
+      </p:transition>
+    </mc:Fallback>
+  </mc:AlternateContent>
+  <p:timing>
+    <p:tnLst>
+      <p:par>
+        <p:cTn id="1" dur="indefinite" restart="never" nodeType="tmRoot"/>
+      </p:par>
+    </p:tnLst>
+  </p:timing>
 </p:sld>
 </file>
 
@@ -8306,9 +8595,6 @@
               </a:rPr>
               <a:t>– загрузка изображений.</a:t>
             </a:r>
-            <a:endParaRPr lang="ru-RU" sz="1350" dirty="0">
-              <a:latin typeface="Corbel" panose="020B0503020204020204" pitchFamily="34" charset="0"/>
-            </a:endParaRPr>
           </a:p>
         </p:txBody>
       </p:sp>
@@ -8322,6 +8608,25 @@
   <p:clrMapOvr>
     <a:masterClrMapping/>
   </p:clrMapOvr>
+  <mc:AlternateContent xmlns:mc="http://schemas.openxmlformats.org/markup-compatibility/2006">
+    <mc:Choice xmlns:p14="http://schemas.microsoft.com/office/powerpoint/2010/main" Requires="p14">
+      <p:transition spd="slow" p14:dur="1300">
+        <p14:pan dir="u"/>
+      </p:transition>
+    </mc:Choice>
+    <mc:Fallback>
+      <p:transition spd="slow">
+        <p:fade/>
+      </p:transition>
+    </mc:Fallback>
+  </mc:AlternateContent>
+  <p:timing>
+    <p:tnLst>
+      <p:par>
+        <p:cTn id="1" dur="indefinite" restart="never" nodeType="tmRoot"/>
+      </p:par>
+    </p:tnLst>
+  </p:timing>
 </p:sld>
 </file>
 
@@ -8494,6 +8799,25 @@
   <p:clrMapOvr>
     <a:masterClrMapping/>
   </p:clrMapOvr>
+  <mc:AlternateContent xmlns:mc="http://schemas.openxmlformats.org/markup-compatibility/2006">
+    <mc:Choice xmlns:p14="http://schemas.microsoft.com/office/powerpoint/2010/main" Requires="p14">
+      <p:transition spd="slow" p14:dur="1300">
+        <p14:pan dir="u"/>
+      </p:transition>
+    </mc:Choice>
+    <mc:Fallback>
+      <p:transition spd="slow">
+        <p:fade/>
+      </p:transition>
+    </mc:Fallback>
+  </mc:AlternateContent>
+  <p:timing>
+    <p:tnLst>
+      <p:par>
+        <p:cTn id="1" dur="indefinite" restart="never" nodeType="tmRoot"/>
+      </p:par>
+    </p:tnLst>
+  </p:timing>
 </p:sld>
 </file>
 

--- a/Шах и мат.pptx
+++ b/Шах и мат.pptx
@@ -1455,13 +1455,13 @@
   <p:clrMapOvr>
     <a:masterClrMapping/>
   </p:clrMapOvr>
-  <mc:AlternateContent xmlns:mc="http://schemas.openxmlformats.org/markup-compatibility/2006">
-    <mc:Choice xmlns:p14="http://schemas.microsoft.com/office/powerpoint/2010/main" Requires="p14">
+  <mc:AlternateContent xmlns:mc="http://schemas.openxmlformats.org/markup-compatibility/2006" xmlns:p14="http://schemas.microsoft.com/office/powerpoint/2010/main">
+    <mc:Choice Requires="p14">
       <p:transition spd="slow" p14:dur="1300">
         <p14:pan dir="u"/>
       </p:transition>
     </mc:Choice>
-    <mc:Fallback>
+    <mc:Fallback xmlns="">
       <p:transition spd="slow">
         <p:fade/>
       </p:transition>
@@ -1637,13 +1637,13 @@
   <p:clrMapOvr>
     <a:masterClrMapping/>
   </p:clrMapOvr>
-  <mc:AlternateContent xmlns:mc="http://schemas.openxmlformats.org/markup-compatibility/2006">
-    <mc:Choice xmlns:p14="http://schemas.microsoft.com/office/powerpoint/2010/main" Requires="p14">
+  <mc:AlternateContent xmlns:mc="http://schemas.openxmlformats.org/markup-compatibility/2006" xmlns:p14="http://schemas.microsoft.com/office/powerpoint/2010/main">
+    <mc:Choice Requires="p14">
       <p:transition spd="slow" p14:dur="1300">
         <p14:pan dir="u"/>
       </p:transition>
     </mc:Choice>
-    <mc:Fallback>
+    <mc:Fallback xmlns="">
       <p:transition spd="slow">
         <p:fade/>
       </p:transition>
@@ -1829,13 +1829,13 @@
   <p:clrMapOvr>
     <a:masterClrMapping/>
   </p:clrMapOvr>
-  <mc:AlternateContent xmlns:mc="http://schemas.openxmlformats.org/markup-compatibility/2006">
-    <mc:Choice xmlns:p14="http://schemas.microsoft.com/office/powerpoint/2010/main" Requires="p14">
+  <mc:AlternateContent xmlns:mc="http://schemas.openxmlformats.org/markup-compatibility/2006" xmlns:p14="http://schemas.microsoft.com/office/powerpoint/2010/main">
+    <mc:Choice Requires="p14">
       <p:transition spd="slow" p14:dur="1300">
         <p14:pan dir="u"/>
       </p:transition>
     </mc:Choice>
-    <mc:Fallback>
+    <mc:Fallback xmlns="">
       <p:transition spd="slow">
         <p:fade/>
       </p:transition>
@@ -2011,13 +2011,13 @@
   <p:clrMapOvr>
     <a:masterClrMapping/>
   </p:clrMapOvr>
-  <mc:AlternateContent xmlns:mc="http://schemas.openxmlformats.org/markup-compatibility/2006">
-    <mc:Choice xmlns:p14="http://schemas.microsoft.com/office/powerpoint/2010/main" Requires="p14">
+  <mc:AlternateContent xmlns:mc="http://schemas.openxmlformats.org/markup-compatibility/2006" xmlns:p14="http://schemas.microsoft.com/office/powerpoint/2010/main">
+    <mc:Choice Requires="p14">
       <p:transition spd="slow" p14:dur="1300">
         <p14:pan dir="u"/>
       </p:transition>
     </mc:Choice>
-    <mc:Fallback>
+    <mc:Fallback xmlns="">
       <p:transition spd="slow">
         <p:fade/>
       </p:transition>
@@ -3265,13 +3265,13 @@
   <p:clrMapOvr>
     <a:overrideClrMapping bg1="dk1" tx1="lt1" bg2="dk2" tx2="lt2" accent1="accent1" accent2="accent2" accent3="accent3" accent4="accent4" accent5="accent5" accent6="accent6" hlink="hlink" folHlink="folHlink"/>
   </p:clrMapOvr>
-  <mc:AlternateContent xmlns:mc="http://schemas.openxmlformats.org/markup-compatibility/2006">
-    <mc:Choice xmlns:p14="http://schemas.microsoft.com/office/powerpoint/2010/main" Requires="p14">
+  <mc:AlternateContent xmlns:mc="http://schemas.openxmlformats.org/markup-compatibility/2006" xmlns:p14="http://schemas.microsoft.com/office/powerpoint/2010/main">
+    <mc:Choice Requires="p14">
       <p:transition spd="slow" p14:dur="1300">
         <p14:pan dir="u"/>
       </p:transition>
     </mc:Choice>
-    <mc:Fallback>
+    <mc:Fallback xmlns="">
       <p:transition spd="slow">
         <p:fade/>
       </p:transition>
@@ -3509,13 +3509,13 @@
   <p:clrMapOvr>
     <a:masterClrMapping/>
   </p:clrMapOvr>
-  <mc:AlternateContent xmlns:mc="http://schemas.openxmlformats.org/markup-compatibility/2006">
-    <mc:Choice xmlns:p14="http://schemas.microsoft.com/office/powerpoint/2010/main" Requires="p14">
+  <mc:AlternateContent xmlns:mc="http://schemas.openxmlformats.org/markup-compatibility/2006" xmlns:p14="http://schemas.microsoft.com/office/powerpoint/2010/main">
+    <mc:Choice Requires="p14">
       <p:transition spd="slow" p14:dur="1300">
         <p14:pan dir="u"/>
       </p:transition>
     </mc:Choice>
-    <mc:Fallback>
+    <mc:Fallback xmlns="">
       <p:transition spd="slow">
         <p:fade/>
       </p:transition>
@@ -3911,13 +3911,13 @@
   <p:clrMapOvr>
     <a:masterClrMapping/>
   </p:clrMapOvr>
-  <mc:AlternateContent xmlns:mc="http://schemas.openxmlformats.org/markup-compatibility/2006">
-    <mc:Choice xmlns:p14="http://schemas.microsoft.com/office/powerpoint/2010/main" Requires="p14">
+  <mc:AlternateContent xmlns:mc="http://schemas.openxmlformats.org/markup-compatibility/2006" xmlns:p14="http://schemas.microsoft.com/office/powerpoint/2010/main">
+    <mc:Choice Requires="p14">
       <p:transition spd="slow" p14:dur="1300">
         <p14:pan dir="u"/>
       </p:transition>
     </mc:Choice>
-    <mc:Fallback>
+    <mc:Fallback xmlns="">
       <p:transition spd="slow">
         <p:fade/>
       </p:transition>
@@ -4046,13 +4046,13 @@
   <p:clrMapOvr>
     <a:masterClrMapping/>
   </p:clrMapOvr>
-  <mc:AlternateContent xmlns:mc="http://schemas.openxmlformats.org/markup-compatibility/2006">
-    <mc:Choice xmlns:p14="http://schemas.microsoft.com/office/powerpoint/2010/main" Requires="p14">
+  <mc:AlternateContent xmlns:mc="http://schemas.openxmlformats.org/markup-compatibility/2006" xmlns:p14="http://schemas.microsoft.com/office/powerpoint/2010/main">
+    <mc:Choice Requires="p14">
       <p:transition spd="slow" p14:dur="1300">
         <p14:pan dir="u"/>
       </p:transition>
     </mc:Choice>
-    <mc:Fallback>
+    <mc:Fallback xmlns="">
       <p:transition spd="slow">
         <p:fade/>
       </p:transition>
@@ -4153,13 +4153,13 @@
   <p:clrMapOvr>
     <a:masterClrMapping/>
   </p:clrMapOvr>
-  <mc:AlternateContent xmlns:mc="http://schemas.openxmlformats.org/markup-compatibility/2006">
-    <mc:Choice xmlns:p14="http://schemas.microsoft.com/office/powerpoint/2010/main" Requires="p14">
+  <mc:AlternateContent xmlns:mc="http://schemas.openxmlformats.org/markup-compatibility/2006" xmlns:p14="http://schemas.microsoft.com/office/powerpoint/2010/main">
+    <mc:Choice Requires="p14">
       <p:transition spd="slow" p14:dur="1300">
         <p14:pan dir="u"/>
       </p:transition>
     </mc:Choice>
-    <mc:Fallback>
+    <mc:Fallback xmlns="">
       <p:transition spd="slow">
         <p:fade/>
       </p:transition>
@@ -4976,13 +4976,13 @@
   <p:clrMapOvr>
     <a:masterClrMapping/>
   </p:clrMapOvr>
-  <mc:AlternateContent xmlns:mc="http://schemas.openxmlformats.org/markup-compatibility/2006">
-    <mc:Choice xmlns:p14="http://schemas.microsoft.com/office/powerpoint/2010/main" Requires="p14">
+  <mc:AlternateContent xmlns:mc="http://schemas.openxmlformats.org/markup-compatibility/2006" xmlns:p14="http://schemas.microsoft.com/office/powerpoint/2010/main">
+    <mc:Choice Requires="p14">
       <p:transition spd="slow" p14:dur="1300">
         <p14:pan dir="u"/>
       </p:transition>
     </mc:Choice>
-    <mc:Fallback>
+    <mc:Fallback xmlns="">
       <p:transition spd="slow">
         <p:fade/>
       </p:transition>
@@ -5790,13 +5790,13 @@
   <p:clrMapOvr>
     <a:masterClrMapping/>
   </p:clrMapOvr>
-  <mc:AlternateContent xmlns:mc="http://schemas.openxmlformats.org/markup-compatibility/2006">
-    <mc:Choice xmlns:p14="http://schemas.microsoft.com/office/powerpoint/2010/main" Requires="p14">
+  <mc:AlternateContent xmlns:mc="http://schemas.openxmlformats.org/markup-compatibility/2006" xmlns:p14="http://schemas.microsoft.com/office/powerpoint/2010/main">
+    <mc:Choice Requires="p14">
       <p:transition spd="slow" p14:dur="1300">
         <p14:pan dir="u"/>
       </p:transition>
     </mc:Choice>
-    <mc:Fallback>
+    <mc:Fallback xmlns="">
       <p:transition spd="slow">
         <p:fade/>
       </p:transition>
@@ -6570,13 +6570,13 @@
     <p:sldLayoutId id="2147483742" r:id="rId10"/>
     <p:sldLayoutId id="2147483743" r:id="rId11"/>
   </p:sldLayoutIdLst>
-  <mc:AlternateContent xmlns:mc="http://schemas.openxmlformats.org/markup-compatibility/2006">
-    <mc:Choice xmlns:p14="http://schemas.microsoft.com/office/powerpoint/2010/main" Requires="p14">
+  <mc:AlternateContent xmlns:mc="http://schemas.openxmlformats.org/markup-compatibility/2006" xmlns:p14="http://schemas.microsoft.com/office/powerpoint/2010/main">
+    <mc:Choice Requires="p14">
       <p:transition spd="slow" p14:dur="1300">
         <p14:pan dir="u"/>
       </p:transition>
     </mc:Choice>
-    <mc:Fallback>
+    <mc:Fallback xmlns="">
       <p:transition spd="slow">
         <p:fade/>
       </p:transition>
@@ -7055,13 +7055,13 @@
   <p:clrMapOvr>
     <a:masterClrMapping/>
   </p:clrMapOvr>
-  <mc:AlternateContent xmlns:mc="http://schemas.openxmlformats.org/markup-compatibility/2006">
-    <mc:Choice xmlns:p14="http://schemas.microsoft.com/office/powerpoint/2010/main" Requires="p14">
+  <mc:AlternateContent xmlns:mc="http://schemas.openxmlformats.org/markup-compatibility/2006" xmlns:p14="http://schemas.microsoft.com/office/powerpoint/2010/main">
+    <mc:Choice Requires="p14">
       <p:transition spd="slow" p14:dur="1300">
         <p14:pan dir="u"/>
       </p:transition>
     </mc:Choice>
-    <mc:Fallback>
+    <mc:Fallback xmlns="">
       <p:transition spd="slow">
         <p:fade/>
       </p:transition>
@@ -7182,13 +7182,13 @@
   <p:clrMapOvr>
     <a:masterClrMapping/>
   </p:clrMapOvr>
-  <mc:AlternateContent xmlns:mc="http://schemas.openxmlformats.org/markup-compatibility/2006">
-    <mc:Choice xmlns:p14="http://schemas.microsoft.com/office/powerpoint/2010/main" Requires="p14">
+  <mc:AlternateContent xmlns:mc="http://schemas.openxmlformats.org/markup-compatibility/2006" xmlns:p14="http://schemas.microsoft.com/office/powerpoint/2010/main">
+    <mc:Choice Requires="p14">
       <p:transition spd="slow" p14:dur="1300">
         <p14:pan dir="u"/>
       </p:transition>
     </mc:Choice>
-    <mc:Fallback>
+    <mc:Fallback xmlns="">
       <p:transition spd="slow">
         <p:fade/>
       </p:transition>
@@ -7436,13 +7436,13 @@
   <p:clrMapOvr>
     <a:masterClrMapping/>
   </p:clrMapOvr>
-  <mc:AlternateContent xmlns:mc="http://schemas.openxmlformats.org/markup-compatibility/2006">
-    <mc:Choice xmlns:p14="http://schemas.microsoft.com/office/powerpoint/2010/main" Requires="p14">
+  <mc:AlternateContent xmlns:mc="http://schemas.openxmlformats.org/markup-compatibility/2006" xmlns:p14="http://schemas.microsoft.com/office/powerpoint/2010/main">
+    <mc:Choice Requires="p14">
       <p:transition spd="slow" p14:dur="1300">
         <p14:pan dir="u"/>
       </p:transition>
     </mc:Choice>
-    <mc:Fallback>
+    <mc:Fallback xmlns="">
       <p:transition spd="slow">
         <p:fade/>
       </p:transition>
@@ -7526,85 +7526,85 @@
           <a:lstStyle/>
           <a:p>
             <a:r>
-              <a:rPr lang="ru-RU" sz="1300" dirty="0">
+              <a:rPr lang="ru-RU" sz="1200" dirty="0">
                 <a:latin typeface="Corbel" panose="020B0503020204020204" pitchFamily="34" charset="0"/>
               </a:rPr>
               <a:t>Классы фигур: </a:t>
             </a:r>
             <a:r>
-              <a:rPr lang="en-US" sz="1300" i="1" dirty="0">
+              <a:rPr lang="en-US" sz="1200" i="1" dirty="0">
                 <a:latin typeface="Corbel" panose="020B0503020204020204" pitchFamily="34" charset="0"/>
               </a:rPr>
               <a:t>Rook</a:t>
             </a:r>
             <a:r>
-              <a:rPr lang="ru-RU" sz="1300" dirty="0">
+              <a:rPr lang="ru-RU" sz="1200" dirty="0">
                 <a:latin typeface="Corbel" panose="020B0503020204020204" pitchFamily="34" charset="0"/>
               </a:rPr>
               <a:t> (ладья), </a:t>
             </a:r>
             <a:r>
-              <a:rPr lang="en-US" sz="1300" i="1" dirty="0">
+              <a:rPr lang="en-US" sz="1200" i="1" dirty="0">
                 <a:latin typeface="Corbel" panose="020B0503020204020204" pitchFamily="34" charset="0"/>
               </a:rPr>
               <a:t>Pawn</a:t>
             </a:r>
             <a:r>
-              <a:rPr lang="ru-RU" sz="1300" dirty="0">
+              <a:rPr lang="ru-RU" sz="1200" dirty="0">
                 <a:latin typeface="Corbel" panose="020B0503020204020204" pitchFamily="34" charset="0"/>
               </a:rPr>
               <a:t> (пешка), </a:t>
             </a:r>
             <a:r>
-              <a:rPr lang="en-US" sz="1300" i="1" dirty="0">
+              <a:rPr lang="en-US" sz="1200" i="1" dirty="0">
                 <a:latin typeface="Corbel" panose="020B0503020204020204" pitchFamily="34" charset="0"/>
               </a:rPr>
               <a:t>Knight</a:t>
             </a:r>
             <a:r>
-              <a:rPr lang="ru-RU" sz="1300" dirty="0">
+              <a:rPr lang="ru-RU" sz="1200" dirty="0">
                 <a:latin typeface="Corbel" panose="020B0503020204020204" pitchFamily="34" charset="0"/>
               </a:rPr>
               <a:t> (конь), </a:t>
             </a:r>
             <a:r>
-              <a:rPr lang="en-US" sz="1300" i="1" dirty="0">
+              <a:rPr lang="en-US" sz="1200" i="1" dirty="0">
                 <a:latin typeface="Corbel" panose="020B0503020204020204" pitchFamily="34" charset="0"/>
               </a:rPr>
               <a:t>King</a:t>
             </a:r>
             <a:r>
-              <a:rPr lang="ru-RU" sz="1300" dirty="0">
+              <a:rPr lang="ru-RU" sz="1200" dirty="0">
                 <a:latin typeface="Corbel" panose="020B0503020204020204" pitchFamily="34" charset="0"/>
               </a:rPr>
               <a:t> (король), </a:t>
             </a:r>
             <a:r>
-              <a:rPr lang="en-US" sz="1300" i="1" dirty="0">
+              <a:rPr lang="en-US" sz="1200" i="1" dirty="0">
                 <a:latin typeface="Corbel" panose="020B0503020204020204" pitchFamily="34" charset="0"/>
               </a:rPr>
               <a:t>Queen</a:t>
             </a:r>
             <a:r>
-              <a:rPr lang="ru-RU" sz="1300" dirty="0">
+              <a:rPr lang="ru-RU" sz="1200" dirty="0">
                 <a:latin typeface="Corbel" panose="020B0503020204020204" pitchFamily="34" charset="0"/>
               </a:rPr>
               <a:t> (ферзь), </a:t>
             </a:r>
             <a:r>
-              <a:rPr lang="en-US" sz="1300" i="1" dirty="0">
+              <a:rPr lang="en-US" sz="1200" i="1" dirty="0">
                 <a:latin typeface="Corbel" panose="020B0503020204020204" pitchFamily="34" charset="0"/>
               </a:rPr>
               <a:t>Bishop</a:t>
             </a:r>
             <a:r>
-              <a:rPr lang="en-US" sz="1300" dirty="0">
+              <a:rPr lang="en-US" sz="1200" dirty="0">
                 <a:latin typeface="Corbel" panose="020B0503020204020204" pitchFamily="34" charset="0"/>
               </a:rPr>
               <a:t> </a:t>
             </a:r>
             <a:r>
-              <a:rPr lang="ru-RU" sz="1300" dirty="0">
+              <a:rPr lang="ru-RU" sz="1200" dirty="0">
                 <a:latin typeface="Corbel" panose="020B0503020204020204" pitchFamily="34" charset="0"/>
               </a:rPr>
               <a:t>(слон).</a:t>
@@ -7619,31 +7619,31 @@
               <a:buChar char="•"/>
             </a:pPr>
             <a:r>
-              <a:rPr lang="ru-RU" sz="1300" dirty="0">
+              <a:rPr lang="ru-RU" sz="1200" dirty="0">
                 <a:latin typeface="Corbel" panose="020B0503020204020204" pitchFamily="34" charset="0"/>
               </a:rPr>
               <a:t>функция </a:t>
             </a:r>
             <a:r>
-              <a:rPr lang="en-US" sz="1300" i="1" dirty="0">
+              <a:rPr lang="en-US" sz="1200" i="1" dirty="0">
                 <a:latin typeface="Corbel" panose="020B0503020204020204" pitchFamily="34" charset="0"/>
               </a:rPr>
               <a:t>get</a:t>
             </a:r>
             <a:r>
-              <a:rPr lang="ru-RU" sz="1300" i="1" dirty="0">
+              <a:rPr lang="ru-RU" sz="1200" i="1" dirty="0">
                 <a:latin typeface="Corbel" panose="020B0503020204020204" pitchFamily="34" charset="0"/>
               </a:rPr>
               <a:t>_</a:t>
             </a:r>
             <a:r>
-              <a:rPr lang="en-US" sz="1300" i="1" dirty="0">
+              <a:rPr lang="en-US" sz="1200" i="1" dirty="0">
                 <a:latin typeface="Corbel" panose="020B0503020204020204" pitchFamily="34" charset="0"/>
               </a:rPr>
               <a:t>color</a:t>
             </a:r>
             <a:r>
-              <a:rPr lang="ru-RU" sz="1300" dirty="0">
+              <a:rPr lang="ru-RU" sz="1200" dirty="0">
                 <a:latin typeface="Corbel" panose="020B0503020204020204" pitchFamily="34" charset="0"/>
               </a:rPr>
               <a:t> возвращает символ цвета фигуры</a:t>
@@ -7658,19 +7658,19 @@
               <a:buChar char="•"/>
             </a:pPr>
             <a:r>
-              <a:rPr lang="ru-RU" sz="1300" dirty="0">
+              <a:rPr lang="ru-RU" sz="1200" dirty="0">
                 <a:latin typeface="Corbel" panose="020B0503020204020204" pitchFamily="34" charset="0"/>
               </a:rPr>
               <a:t>функция </a:t>
             </a:r>
             <a:r>
-              <a:rPr lang="en-US" sz="1300" i="1" dirty="0">
+              <a:rPr lang="en-US" sz="1200" i="1" dirty="0">
                 <a:latin typeface="Corbel" panose="020B0503020204020204" pitchFamily="34" charset="0"/>
               </a:rPr>
               <a:t>char</a:t>
             </a:r>
             <a:r>
-              <a:rPr lang="ru-RU" sz="1300" dirty="0">
+              <a:rPr lang="ru-RU" sz="1200" dirty="0">
                 <a:latin typeface="Corbel" panose="020B0503020204020204" pitchFamily="34" charset="0"/>
               </a:rPr>
               <a:t> возвращает символ фигуры</a:t>
@@ -7685,19 +7685,19 @@
               <a:buChar char="•"/>
             </a:pPr>
             <a:r>
-              <a:rPr lang="ru-RU" sz="1300" dirty="0">
+              <a:rPr lang="ru-RU" sz="1200" dirty="0">
                 <a:latin typeface="Corbel" panose="020B0503020204020204" pitchFamily="34" charset="0"/>
               </a:rPr>
               <a:t>функция </a:t>
             </a:r>
             <a:r>
-              <a:rPr lang="ru-RU" sz="1300" i="1" dirty="0" err="1">
+              <a:rPr lang="ru-RU" sz="1200" i="1" dirty="0" err="1">
                 <a:latin typeface="Corbel" panose="020B0503020204020204" pitchFamily="34" charset="0"/>
               </a:rPr>
               <a:t>can_attack</a:t>
             </a:r>
             <a:r>
-              <a:rPr lang="ru-RU" sz="1300" dirty="0">
+              <a:rPr lang="ru-RU" sz="1200" dirty="0">
                 <a:latin typeface="Corbel" panose="020B0503020204020204" pitchFamily="34" charset="0"/>
               </a:rPr>
               <a:t> – проверка возможности атаковать фигуру противника</a:t>
@@ -7712,110 +7712,149 @@
               <a:buChar char="•"/>
             </a:pPr>
             <a:r>
-              <a:rPr lang="ru-RU" sz="1300" dirty="0">
+              <a:rPr lang="ru-RU" sz="1200" dirty="0">
                 <a:latin typeface="Corbel" panose="020B0503020204020204" pitchFamily="34" charset="0"/>
               </a:rPr>
               <a:t>функция </a:t>
             </a:r>
             <a:r>
-              <a:rPr lang="ru-RU" sz="1300" i="1" dirty="0" err="1">
+              <a:rPr lang="ru-RU" sz="1200" i="1" dirty="0" err="1">
                 <a:latin typeface="Corbel" panose="020B0503020204020204" pitchFamily="34" charset="0"/>
               </a:rPr>
               <a:t>can_move</a:t>
             </a:r>
             <a:r>
-              <a:rPr lang="ru-RU" sz="1300" dirty="0">
-                <a:latin typeface="Corbel" panose="020B0503020204020204" pitchFamily="34" charset="0"/>
-              </a:rPr>
-              <a:t> – проверка возможности хода в свободную клетку</a:t>
-            </a:r>
-          </a:p>
-          <a:p>
-            <a:r>
-              <a:rPr lang="ru-RU" sz="1300" dirty="0">
-                <a:latin typeface="Corbel" panose="020B0503020204020204" pitchFamily="34" charset="0"/>
-              </a:rPr>
-              <a:t>Функция </a:t>
-            </a:r>
-            <a:r>
-              <a:rPr lang="en-US" sz="1300" i="1" dirty="0">
-                <a:latin typeface="Corbel" panose="020B0503020204020204" pitchFamily="34" charset="0"/>
-              </a:rPr>
-              <a:t>game</a:t>
-            </a:r>
-            <a:r>
-              <a:rPr lang="en-US" sz="1300" dirty="0">
-                <a:latin typeface="Corbel" panose="020B0503020204020204" pitchFamily="34" charset="0"/>
-              </a:rPr>
-              <a:t> </a:t>
-            </a:r>
-            <a:r>
-              <a:rPr lang="ru-RU" sz="1300" dirty="0">
-                <a:latin typeface="Corbel" panose="020B0503020204020204" pitchFamily="34" charset="0"/>
-              </a:rPr>
-              <a:t>– режим игры.</a:t>
-            </a:r>
-          </a:p>
-          <a:p>
-            <a:r>
-              <a:rPr lang="ru-RU" sz="1300" dirty="0">
-                <a:latin typeface="Corbel" panose="020B0503020204020204" pitchFamily="34" charset="0"/>
-              </a:rPr>
-              <a:t>Функция </a:t>
-            </a:r>
-            <a:r>
-              <a:rPr lang="en-US" sz="1300" i="1" dirty="0">
-                <a:latin typeface="Corbel" panose="020B0503020204020204" pitchFamily="34" charset="0"/>
-              </a:rPr>
-              <a:t>analysis</a:t>
-            </a:r>
-            <a:r>
-              <a:rPr lang="en-US" sz="1300" dirty="0">
-                <a:latin typeface="Corbel" panose="020B0503020204020204" pitchFamily="34" charset="0"/>
-              </a:rPr>
-              <a:t> </a:t>
-            </a:r>
-            <a:r>
-              <a:rPr lang="ru-RU" sz="1300" dirty="0">
-                <a:latin typeface="Corbel" panose="020B0503020204020204" pitchFamily="34" charset="0"/>
-              </a:rPr>
-              <a:t>– режим анализа партии</a:t>
-            </a:r>
-            <a:r>
-              <a:rPr lang="ru-RU" sz="1300" dirty="0" smtClean="0">
-                <a:latin typeface="Corbel" panose="020B0503020204020204" pitchFamily="34" charset="0"/>
-              </a:rPr>
-              <a:t>.</a:t>
-            </a:r>
-          </a:p>
-          <a:p>
-            <a:r>
-              <a:rPr lang="ru-RU" sz="1300" dirty="0">
-                <a:latin typeface="Corbel" panose="020B0503020204020204" pitchFamily="34" charset="0"/>
-              </a:rPr>
-              <a:t>Функция </a:t>
-            </a:r>
-            <a:r>
-              <a:rPr lang="fr-FR" sz="1300" i="1" dirty="0">
-                <a:latin typeface="Corbel" panose="020B0503020204020204" pitchFamily="34" charset="0"/>
-              </a:rPr>
-              <a:t>challenges</a:t>
-            </a:r>
-            <a:r>
-              <a:rPr lang="fr-FR" sz="1300" dirty="0">
-                <a:latin typeface="Corbel" panose="020B0503020204020204" pitchFamily="34" charset="0"/>
-              </a:rPr>
-              <a:t> – </a:t>
-            </a:r>
-            <a:r>
-              <a:rPr lang="ru-RU" sz="1300" dirty="0">
-                <a:latin typeface="Corbel" panose="020B0503020204020204" pitchFamily="34" charset="0"/>
-              </a:rPr>
-              <a:t>режим испытаний.</a:t>
-            </a:r>
-            <a:endParaRPr lang="ru-RU" sz="1300" dirty="0">
+              <a:rPr lang="ru-RU" sz="1200" dirty="0">
+                <a:latin typeface="Corbel" panose="020B0503020204020204" pitchFamily="34" charset="0"/>
+              </a:rPr>
+              <a:t> – проверка возможности хода в свободную </a:t>
+            </a:r>
+            <a:r>
+              <a:rPr lang="ru-RU" sz="1200" dirty="0" smtClean="0">
+                <a:latin typeface="Corbel" panose="020B0503020204020204" pitchFamily="34" charset="0"/>
+              </a:rPr>
+              <a:t>клетку</a:t>
+            </a:r>
+          </a:p>
+          <a:p>
+            <a:pPr marL="285750" lvl="0" indent="-285750">
+              <a:buClr>
+                <a:schemeClr val="bg2"/>
+              </a:buClr>
+              <a:buFont typeface="Arial" panose="020B0604020202020204" pitchFamily="34" charset="0"/>
+              <a:buChar char="•"/>
+            </a:pPr>
+            <a:r>
+              <a:rPr lang="ru-RU" sz="1200" dirty="0" smtClean="0">
+                <a:latin typeface="Corbel" panose="020B0503020204020204" pitchFamily="34" charset="0"/>
+              </a:rPr>
+              <a:t>(</a:t>
+            </a:r>
+            <a:r>
+              <a:rPr lang="ru-RU" sz="1200" dirty="0">
+                <a:latin typeface="Corbel" panose="020B0503020204020204" pitchFamily="34" charset="0"/>
+              </a:rPr>
+              <a:t>у пешки) функция </a:t>
+            </a:r>
+            <a:r>
+              <a:rPr lang="ru-RU" sz="1200" i="1" dirty="0" err="1">
+                <a:latin typeface="Corbel" panose="020B0503020204020204" pitchFamily="34" charset="0"/>
+              </a:rPr>
+              <a:t>taking_on_the_pass</a:t>
+            </a:r>
+            <a:r>
+              <a:rPr lang="ru-RU" sz="1200" dirty="0">
+                <a:latin typeface="Corbel" panose="020B0503020204020204" pitchFamily="34" charset="0"/>
+              </a:rPr>
+              <a:t> – взятие на проходе.</a:t>
+            </a:r>
+            <a:endParaRPr lang="ru-RU" sz="1200" dirty="0">
               <a:latin typeface="Corbel" panose="020B0503020204020204" pitchFamily="34" charset="0"/>
             </a:endParaRPr>
+          </a:p>
+          <a:p>
+            <a:r>
+              <a:rPr lang="ru-RU" sz="1200" dirty="0">
+                <a:latin typeface="Corbel" panose="020B0503020204020204" pitchFamily="34" charset="0"/>
+              </a:rPr>
+              <a:t>Функция </a:t>
+            </a:r>
+            <a:r>
+              <a:rPr lang="en-US" sz="1200" i="1" dirty="0">
+                <a:latin typeface="Corbel" panose="020B0503020204020204" pitchFamily="34" charset="0"/>
+              </a:rPr>
+              <a:t>game</a:t>
+            </a:r>
+            <a:r>
+              <a:rPr lang="en-US" sz="1200" dirty="0">
+                <a:latin typeface="Corbel" panose="020B0503020204020204" pitchFamily="34" charset="0"/>
+              </a:rPr>
+              <a:t> </a:t>
+            </a:r>
+            <a:r>
+              <a:rPr lang="ru-RU" sz="1200" dirty="0">
+                <a:latin typeface="Corbel" panose="020B0503020204020204" pitchFamily="34" charset="0"/>
+              </a:rPr>
+              <a:t>– режим игры.</a:t>
+            </a:r>
+          </a:p>
+          <a:p>
+            <a:r>
+              <a:rPr lang="ru-RU" sz="1200" dirty="0">
+                <a:latin typeface="Corbel" panose="020B0503020204020204" pitchFamily="34" charset="0"/>
+              </a:rPr>
+              <a:t>Функция </a:t>
+            </a:r>
+            <a:r>
+              <a:rPr lang="en-US" sz="1200" i="1" dirty="0">
+                <a:latin typeface="Corbel" panose="020B0503020204020204" pitchFamily="34" charset="0"/>
+              </a:rPr>
+              <a:t>analysis</a:t>
+            </a:r>
+            <a:r>
+              <a:rPr lang="en-US" sz="1200" dirty="0">
+                <a:latin typeface="Corbel" panose="020B0503020204020204" pitchFamily="34" charset="0"/>
+              </a:rPr>
+              <a:t> </a:t>
+            </a:r>
+            <a:r>
+              <a:rPr lang="ru-RU" sz="1200" dirty="0">
+                <a:latin typeface="Corbel" panose="020B0503020204020204" pitchFamily="34" charset="0"/>
+              </a:rPr>
+              <a:t>– режим анализа партии</a:t>
+            </a:r>
+            <a:r>
+              <a:rPr lang="ru-RU" sz="1200" dirty="0" smtClean="0">
+                <a:latin typeface="Corbel" panose="020B0503020204020204" pitchFamily="34" charset="0"/>
+              </a:rPr>
+              <a:t>.</a:t>
+            </a:r>
+          </a:p>
+          <a:p>
+            <a:r>
+              <a:rPr lang="ru-RU" sz="1200" dirty="0">
+                <a:latin typeface="Corbel" panose="020B0503020204020204" pitchFamily="34" charset="0"/>
+              </a:rPr>
+              <a:t>Функция </a:t>
+            </a:r>
+            <a:r>
+              <a:rPr lang="fr-FR" sz="1200" i="1" dirty="0">
+                <a:latin typeface="Corbel" panose="020B0503020204020204" pitchFamily="34" charset="0"/>
+              </a:rPr>
+              <a:t>challenges</a:t>
+            </a:r>
+            <a:r>
+              <a:rPr lang="fr-FR" sz="1200" dirty="0">
+                <a:latin typeface="Corbel" panose="020B0503020204020204" pitchFamily="34" charset="0"/>
+              </a:rPr>
+              <a:t> – </a:t>
+            </a:r>
+            <a:r>
+              <a:rPr lang="ru-RU" sz="1200" dirty="0">
+                <a:latin typeface="Corbel" panose="020B0503020204020204" pitchFamily="34" charset="0"/>
+              </a:rPr>
+              <a:t>режим испытаний.</a:t>
+            </a:r>
           </a:p>
         </p:txBody>
       </p:sp>
@@ -7855,13 +7894,13 @@
   <p:clrMapOvr>
     <a:masterClrMapping/>
   </p:clrMapOvr>
-  <mc:AlternateContent xmlns:mc="http://schemas.openxmlformats.org/markup-compatibility/2006">
-    <mc:Choice xmlns:p14="http://schemas.microsoft.com/office/powerpoint/2010/main" Requires="p14">
+  <mc:AlternateContent xmlns:mc="http://schemas.openxmlformats.org/markup-compatibility/2006" xmlns:p14="http://schemas.microsoft.com/office/powerpoint/2010/main">
+    <mc:Choice Requires="p14">
       <p:transition spd="slow" p14:dur="1300">
         <p14:pan dir="u"/>
       </p:transition>
     </mc:Choice>
-    <mc:Fallback>
+    <mc:Fallback xmlns="">
       <p:transition spd="slow">
         <p:fade/>
       </p:transition>
@@ -8223,13 +8262,13 @@
   <p:clrMapOvr>
     <a:masterClrMapping/>
   </p:clrMapOvr>
-  <mc:AlternateContent xmlns:mc="http://schemas.openxmlformats.org/markup-compatibility/2006">
-    <mc:Choice xmlns:p14="http://schemas.microsoft.com/office/powerpoint/2010/main" Requires="p14">
+  <mc:AlternateContent xmlns:mc="http://schemas.openxmlformats.org/markup-compatibility/2006" xmlns:p14="http://schemas.microsoft.com/office/powerpoint/2010/main">
+    <mc:Choice Requires="p14">
       <p:transition spd="slow" p14:dur="1300">
         <p14:pan dir="u"/>
       </p:transition>
     </mc:Choice>
-    <mc:Fallback>
+    <mc:Fallback xmlns="">
       <p:transition spd="slow">
         <p:fade/>
       </p:transition>
@@ -8608,13 +8647,13 @@
   <p:clrMapOvr>
     <a:masterClrMapping/>
   </p:clrMapOvr>
-  <mc:AlternateContent xmlns:mc="http://schemas.openxmlformats.org/markup-compatibility/2006">
-    <mc:Choice xmlns:p14="http://schemas.microsoft.com/office/powerpoint/2010/main" Requires="p14">
+  <mc:AlternateContent xmlns:mc="http://schemas.openxmlformats.org/markup-compatibility/2006" xmlns:p14="http://schemas.microsoft.com/office/powerpoint/2010/main">
+    <mc:Choice Requires="p14">
       <p:transition spd="slow" p14:dur="1300">
         <p14:pan dir="u"/>
       </p:transition>
     </mc:Choice>
-    <mc:Fallback>
+    <mc:Fallback xmlns="">
       <p:transition spd="slow">
         <p:fade/>
       </p:transition>
@@ -8799,13 +8838,13 @@
   <p:clrMapOvr>
     <a:masterClrMapping/>
   </p:clrMapOvr>
-  <mc:AlternateContent xmlns:mc="http://schemas.openxmlformats.org/markup-compatibility/2006">
-    <mc:Choice xmlns:p14="http://schemas.microsoft.com/office/powerpoint/2010/main" Requires="p14">
+  <mc:AlternateContent xmlns:mc="http://schemas.openxmlformats.org/markup-compatibility/2006" xmlns:p14="http://schemas.microsoft.com/office/powerpoint/2010/main">
+    <mc:Choice Requires="p14">
       <p:transition spd="slow" p14:dur="1300">
         <p14:pan dir="u"/>
       </p:transition>
     </mc:Choice>
-    <mc:Fallback>
+    <mc:Fallback xmlns="">
       <p:transition spd="slow">
         <p:fade/>
       </p:transition>

--- a/Шах и мат.pptx
+++ b/Шах и мат.pptx
@@ -7267,7 +7267,7 @@
         </p:spPr>
         <p:txBody>
           <a:bodyPr>
-            <a:normAutofit lnSpcReduction="10000"/>
+            <a:normAutofit fontScale="92500" lnSpcReduction="10000"/>
           </a:bodyPr>
           <a:lstStyle/>
           <a:p>
@@ -7395,8 +7395,54 @@
               <a:rPr lang="ru-RU" dirty="0">
                 <a:latin typeface="Corbel" panose="020B0503020204020204" pitchFamily="34" charset="0"/>
               </a:rPr>
-              <a:t> --------------</a:t>
-            </a:r>
+              <a:t> </a:t>
+            </a:r>
+            <a:r>
+              <a:rPr lang="ru-RU" dirty="0" smtClean="0">
+                <a:latin typeface="Corbel" panose="020B0503020204020204" pitchFamily="34" charset="0"/>
+              </a:rPr>
+              <a:t>--------------</a:t>
+            </a:r>
+          </a:p>
+          <a:p>
+            <a:pPr>
+              <a:buClr>
+                <a:schemeClr val="bg2"/>
+              </a:buClr>
+            </a:pPr>
+            <a:r>
+              <a:rPr lang="ru-RU" dirty="0">
+                <a:latin typeface="Corbel" panose="020B0503020204020204" pitchFamily="34" charset="0"/>
+              </a:rPr>
+              <a:t>Класс </a:t>
+            </a:r>
+            <a:r>
+              <a:rPr lang="en-US" i="1" dirty="0" err="1">
+                <a:latin typeface="Corbel" panose="020B0503020204020204" pitchFamily="34" charset="0"/>
+              </a:rPr>
+              <a:t>AnimatedSprite</a:t>
+            </a:r>
+            <a:r>
+              <a:rPr lang="en-US" dirty="0">
+                <a:latin typeface="Corbel" panose="020B0503020204020204" pitchFamily="34" charset="0"/>
+              </a:rPr>
+              <a:t> </a:t>
+            </a:r>
+            <a:r>
+              <a:rPr lang="ru-RU" dirty="0">
+                <a:latin typeface="Corbel" panose="020B0503020204020204" pitchFamily="34" charset="0"/>
+              </a:rPr>
+              <a:t>– анимация в главном меню</a:t>
+            </a:r>
+            <a:r>
+              <a:rPr lang="ru-RU" dirty="0" smtClean="0">
+                <a:latin typeface="Corbel" panose="020B0503020204020204" pitchFamily="34" charset="0"/>
+              </a:rPr>
+              <a:t>.</a:t>
+            </a:r>
+            <a:endParaRPr lang="ru-RU" dirty="0">
+              <a:latin typeface="Corbel" panose="020B0503020204020204" pitchFamily="34" charset="0"/>
+            </a:endParaRPr>
           </a:p>
         </p:txBody>
       </p:sp>
@@ -7768,9 +7814,6 @@
               </a:rPr>
               <a:t> – взятие на проходе.</a:t>
             </a:r>
-            <a:endParaRPr lang="ru-RU" sz="1200" dirty="0">
-              <a:latin typeface="Corbel" panose="020B0503020204020204" pitchFamily="34" charset="0"/>
-            </a:endParaRPr>
           </a:p>
           <a:p>
             <a:r>

--- a/Шах и мат.pptx
+++ b/Шах и мат.pptx
@@ -1329,7 +1329,7 @@
           <a:p>
             <a:fld id="{7E7BD34D-EB24-4AD3-B891-620DA40906B5}" type="datetimeFigureOut">
               <a:rPr lang="ru-RU" smtClean="0"/>
-              <a:t>17.01.2023</a:t>
+              <a:t>20.01.2023</a:t>
             </a:fld>
             <a:endParaRPr lang="ru-RU"/>
           </a:p>
@@ -1579,7 +1579,7 @@
           <a:p>
             <a:fld id="{7E7BD34D-EB24-4AD3-B891-620DA40906B5}" type="datetimeFigureOut">
               <a:rPr lang="ru-RU" smtClean="0"/>
-              <a:t>17.01.2023</a:t>
+              <a:t>20.01.2023</a:t>
             </a:fld>
             <a:endParaRPr lang="ru-RU"/>
           </a:p>
@@ -1771,7 +1771,7 @@
           <a:p>
             <a:fld id="{7E7BD34D-EB24-4AD3-B891-620DA40906B5}" type="datetimeFigureOut">
               <a:rPr lang="ru-RU" smtClean="0"/>
-              <a:t>17.01.2023</a:t>
+              <a:t>20.01.2023</a:t>
             </a:fld>
             <a:endParaRPr lang="ru-RU"/>
           </a:p>
@@ -1953,7 +1953,7 @@
           <a:p>
             <a:fld id="{7E7BD34D-EB24-4AD3-B891-620DA40906B5}" type="datetimeFigureOut">
               <a:rPr lang="ru-RU" smtClean="0"/>
-              <a:t>17.01.2023</a:t>
+              <a:t>20.01.2023</a:t>
             </a:fld>
             <a:endParaRPr lang="ru-RU"/>
           </a:p>
@@ -2238,7 +2238,7 @@
           <a:p>
             <a:fld id="{7E7BD34D-EB24-4AD3-B891-620DA40906B5}" type="datetimeFigureOut">
               <a:rPr lang="ru-RU" smtClean="0"/>
-              <a:t>17.01.2023</a:t>
+              <a:t>20.01.2023</a:t>
             </a:fld>
             <a:endParaRPr lang="ru-RU"/>
           </a:p>
@@ -3451,7 +3451,7 @@
           <a:p>
             <a:fld id="{7E7BD34D-EB24-4AD3-B891-620DA40906B5}" type="datetimeFigureOut">
               <a:rPr lang="ru-RU" smtClean="0"/>
-              <a:t>17.01.2023</a:t>
+              <a:t>20.01.2023</a:t>
             </a:fld>
             <a:endParaRPr lang="ru-RU"/>
           </a:p>
@@ -3853,7 +3853,7 @@
           <a:p>
             <a:fld id="{7E7BD34D-EB24-4AD3-B891-620DA40906B5}" type="datetimeFigureOut">
               <a:rPr lang="ru-RU" smtClean="0"/>
-              <a:t>17.01.2023</a:t>
+              <a:t>20.01.2023</a:t>
             </a:fld>
             <a:endParaRPr lang="ru-RU"/>
           </a:p>
@@ -3988,7 +3988,7 @@
           <a:p>
             <a:fld id="{7E7BD34D-EB24-4AD3-B891-620DA40906B5}" type="datetimeFigureOut">
               <a:rPr lang="ru-RU" smtClean="0"/>
-              <a:t>17.01.2023</a:t>
+              <a:t>20.01.2023</a:t>
             </a:fld>
             <a:endParaRPr lang="ru-RU"/>
           </a:p>
@@ -4095,7 +4095,7 @@
           <a:p>
             <a:fld id="{7E7BD34D-EB24-4AD3-B891-620DA40906B5}" type="datetimeFigureOut">
               <a:rPr lang="ru-RU" smtClean="0"/>
-              <a:t>17.01.2023</a:t>
+              <a:t>20.01.2023</a:t>
             </a:fld>
             <a:endParaRPr lang="ru-RU"/>
           </a:p>
@@ -4870,7 +4870,7 @@
           <a:p>
             <a:fld id="{7E7BD34D-EB24-4AD3-B891-620DA40906B5}" type="datetimeFigureOut">
               <a:rPr lang="ru-RU" smtClean="0"/>
-              <a:t>17.01.2023</a:t>
+              <a:t>20.01.2023</a:t>
             </a:fld>
             <a:endParaRPr lang="ru-RU"/>
           </a:p>
@@ -5722,7 +5722,7 @@
           <a:p>
             <a:fld id="{7E7BD34D-EB24-4AD3-B891-620DA40906B5}" type="datetimeFigureOut">
               <a:rPr lang="ru-RU" smtClean="0"/>
-              <a:t>17.01.2023</a:t>
+              <a:t>20.01.2023</a:t>
             </a:fld>
             <a:endParaRPr lang="ru-RU"/>
           </a:p>
@@ -5961,7 +5961,7 @@
           <a:p>
             <a:fld id="{7E7BD34D-EB24-4AD3-B891-620DA40906B5}" type="datetimeFigureOut">
               <a:rPr lang="ru-RU" smtClean="0"/>
-              <a:t>17.01.2023</a:t>
+              <a:t>20.01.2023</a:t>
             </a:fld>
             <a:endParaRPr lang="ru-RU"/>
           </a:p>
@@ -7262,29 +7262,29 @@
         <p:spPr>
           <a:xfrm>
             <a:off x="8337883" y="1556778"/>
-            <a:ext cx="3092115" cy="4592352"/>
+            <a:ext cx="3092115" cy="4743354"/>
           </a:xfrm>
         </p:spPr>
         <p:txBody>
           <a:bodyPr>
-            <a:normAutofit fontScale="92500" lnSpcReduction="10000"/>
+            <a:noAutofit/>
           </a:bodyPr>
           <a:lstStyle/>
           <a:p>
             <a:r>
-              <a:rPr lang="ru-RU" dirty="0">
+              <a:rPr lang="ru-RU" sz="1225" dirty="0">
                 <a:latin typeface="Corbel" panose="020B0503020204020204" pitchFamily="34" charset="0"/>
               </a:rPr>
               <a:t>Класс </a:t>
             </a:r>
             <a:r>
-              <a:rPr lang="ru-RU" i="1" dirty="0" err="1">
+              <a:rPr lang="ru-RU" sz="1225" i="1" dirty="0" err="1">
                 <a:latin typeface="Corbel" panose="020B0503020204020204" pitchFamily="34" charset="0"/>
               </a:rPr>
               <a:t>Board</a:t>
             </a:r>
             <a:r>
-              <a:rPr lang="ru-RU" dirty="0">
+              <a:rPr lang="ru-RU" sz="1225" dirty="0">
                 <a:latin typeface="Corbel" panose="020B0503020204020204" pitchFamily="34" charset="0"/>
               </a:rPr>
               <a:t>, при инициализации которого создается шахматная доска и расставляются фигуры. </a:t>
@@ -7299,19 +7299,19 @@
               <a:buChar char="•"/>
             </a:pPr>
             <a:r>
-              <a:rPr lang="ru-RU" dirty="0" smtClean="0">
+              <a:rPr lang="ru-RU" sz="1225" dirty="0" smtClean="0">
                 <a:latin typeface="Corbel" panose="020B0503020204020204" pitchFamily="34" charset="0"/>
               </a:rPr>
               <a:t>функция </a:t>
             </a:r>
             <a:r>
-              <a:rPr lang="ru-RU" i="1" dirty="0" err="1">
+              <a:rPr lang="ru-RU" sz="1225" i="1" dirty="0" err="1">
                 <a:latin typeface="Corbel" panose="020B0503020204020204" pitchFamily="34" charset="0"/>
               </a:rPr>
               <a:t>current_player_color</a:t>
             </a:r>
             <a:r>
-              <a:rPr lang="ru-RU" dirty="0">
+              <a:rPr lang="ru-RU" sz="1225" dirty="0">
                 <a:latin typeface="Corbel" panose="020B0503020204020204" pitchFamily="34" charset="0"/>
               </a:rPr>
               <a:t> возвращает символ цвета фигур активного игрока</a:t>
@@ -7326,19 +7326,19 @@
               <a:buChar char="•"/>
             </a:pPr>
             <a:r>
-              <a:rPr lang="ru-RU" dirty="0" smtClean="0">
+              <a:rPr lang="ru-RU" sz="1225" dirty="0" smtClean="0">
                 <a:latin typeface="Corbel" panose="020B0503020204020204" pitchFamily="34" charset="0"/>
               </a:rPr>
               <a:t>функция </a:t>
             </a:r>
             <a:r>
-              <a:rPr lang="ru-RU" i="1" dirty="0" err="1">
+              <a:rPr lang="ru-RU" sz="1225" i="1" dirty="0" err="1">
                 <a:latin typeface="Corbel" panose="020B0503020204020204" pitchFamily="34" charset="0"/>
               </a:rPr>
               <a:t>get_piece</a:t>
             </a:r>
             <a:r>
-              <a:rPr lang="ru-RU" dirty="0">
+              <a:rPr lang="ru-RU" sz="1225" dirty="0">
                 <a:latin typeface="Corbel" panose="020B0503020204020204" pitchFamily="34" charset="0"/>
               </a:rPr>
               <a:t> возвращает фигуру в виде объекта класса</a:t>
@@ -7353,55 +7353,22 @@
               <a:buChar char="•"/>
             </a:pPr>
             <a:r>
-              <a:rPr lang="ru-RU" dirty="0" smtClean="0">
+              <a:rPr lang="ru-RU" sz="1225" dirty="0" smtClean="0">
                 <a:latin typeface="Corbel" panose="020B0503020204020204" pitchFamily="34" charset="0"/>
               </a:rPr>
               <a:t>функция </a:t>
             </a:r>
             <a:r>
-              <a:rPr lang="ru-RU" i="1" dirty="0" err="1">
+              <a:rPr lang="ru-RU" sz="1225" i="1" dirty="0" err="1">
                 <a:latin typeface="Corbel" panose="020B0503020204020204" pitchFamily="34" charset="0"/>
               </a:rPr>
               <a:t>move_piece</a:t>
             </a:r>
             <a:r>
-              <a:rPr lang="ru-RU" dirty="0">
+              <a:rPr lang="ru-RU" sz="1225" dirty="0">
                 <a:latin typeface="Corbel" panose="020B0503020204020204" pitchFamily="34" charset="0"/>
               </a:rPr>
               <a:t> перемещает фигуру на другую клетку, если это возможно</a:t>
-            </a:r>
-          </a:p>
-          <a:p>
-            <a:pPr marL="285750" indent="-285750">
-              <a:buClr>
-                <a:schemeClr val="bg2"/>
-              </a:buClr>
-              <a:buFont typeface="Arial" panose="020B0604020202020204" pitchFamily="34" charset="0"/>
-              <a:buChar char="•"/>
-            </a:pPr>
-            <a:r>
-              <a:rPr lang="ru-RU" dirty="0" smtClean="0">
-                <a:latin typeface="Corbel" panose="020B0503020204020204" pitchFamily="34" charset="0"/>
-              </a:rPr>
-              <a:t>функция </a:t>
-            </a:r>
-            <a:r>
-              <a:rPr lang="ru-RU" i="1" dirty="0" err="1">
-                <a:latin typeface="Corbel" panose="020B0503020204020204" pitchFamily="34" charset="0"/>
-              </a:rPr>
-              <a:t>surrender</a:t>
-            </a:r>
-            <a:r>
-              <a:rPr lang="ru-RU" dirty="0">
-                <a:latin typeface="Corbel" panose="020B0503020204020204" pitchFamily="34" charset="0"/>
-              </a:rPr>
-              <a:t> </a:t>
-            </a:r>
-            <a:r>
-              <a:rPr lang="ru-RU" dirty="0" smtClean="0">
-                <a:latin typeface="Corbel" panose="020B0503020204020204" pitchFamily="34" charset="0"/>
-              </a:rPr>
-              <a:t>--------------</a:t>
             </a:r>
           </a:p>
           <a:p>
@@ -7411,36 +7378,128 @@
               </a:buClr>
             </a:pPr>
             <a:r>
-              <a:rPr lang="ru-RU" dirty="0">
+              <a:rPr lang="ru-RU" sz="1225" dirty="0" smtClean="0">
                 <a:latin typeface="Corbel" panose="020B0503020204020204" pitchFamily="34" charset="0"/>
               </a:rPr>
               <a:t>Класс </a:t>
             </a:r>
             <a:r>
-              <a:rPr lang="en-US" i="1" dirty="0" err="1">
+              <a:rPr lang="en-US" sz="1225" i="1" dirty="0" err="1">
                 <a:latin typeface="Corbel" panose="020B0503020204020204" pitchFamily="34" charset="0"/>
               </a:rPr>
               <a:t>AnimatedSprite</a:t>
             </a:r>
             <a:r>
-              <a:rPr lang="en-US" dirty="0">
+              <a:rPr lang="en-US" sz="1225" dirty="0">
                 <a:latin typeface="Corbel" panose="020B0503020204020204" pitchFamily="34" charset="0"/>
               </a:rPr>
               <a:t> </a:t>
             </a:r>
             <a:r>
-              <a:rPr lang="ru-RU" dirty="0">
+              <a:rPr lang="ru-RU" sz="1225" dirty="0">
                 <a:latin typeface="Corbel" panose="020B0503020204020204" pitchFamily="34" charset="0"/>
               </a:rPr>
               <a:t>– анимация в главном меню</a:t>
             </a:r>
             <a:r>
-              <a:rPr lang="ru-RU" dirty="0" smtClean="0">
+              <a:rPr lang="ru-RU" sz="1225" dirty="0" smtClean="0">
                 <a:latin typeface="Corbel" panose="020B0503020204020204" pitchFamily="34" charset="0"/>
               </a:rPr>
               <a:t>.</a:t>
             </a:r>
-            <a:endParaRPr lang="ru-RU" dirty="0">
+            <a:endParaRPr lang="en-US" sz="1225" dirty="0" smtClean="0">
+              <a:latin typeface="Corbel" panose="020B0503020204020204" pitchFamily="34" charset="0"/>
+            </a:endParaRPr>
+          </a:p>
+          <a:p>
+            <a:pPr lvl="0">
+              <a:buClr>
+                <a:schemeClr val="bg2"/>
+              </a:buClr>
+            </a:pPr>
+            <a:r>
+              <a:rPr lang="ru-RU" sz="1225" dirty="0">
+                <a:latin typeface="Corbel" panose="020B0503020204020204" pitchFamily="34" charset="0"/>
+              </a:rPr>
+              <a:t>Функция </a:t>
+            </a:r>
+            <a:r>
+              <a:rPr lang="en-US" sz="1225" i="1" dirty="0">
+                <a:latin typeface="Corbel" panose="020B0503020204020204" pitchFamily="34" charset="0"/>
+              </a:rPr>
+              <a:t>game</a:t>
+            </a:r>
+            <a:r>
+              <a:rPr lang="en-US" sz="1225" dirty="0">
+                <a:latin typeface="Corbel" panose="020B0503020204020204" pitchFamily="34" charset="0"/>
+              </a:rPr>
+              <a:t> </a:t>
+            </a:r>
+            <a:r>
+              <a:rPr lang="ru-RU" sz="1225" dirty="0">
+                <a:latin typeface="Corbel" panose="020B0503020204020204" pitchFamily="34" charset="0"/>
+              </a:rPr>
+              <a:t>– режим игры.</a:t>
+            </a:r>
+          </a:p>
+          <a:p>
+            <a:r>
+              <a:rPr lang="ru-RU" sz="1225" dirty="0">
+                <a:latin typeface="Corbel" panose="020B0503020204020204" pitchFamily="34" charset="0"/>
+              </a:rPr>
+              <a:t>Функция </a:t>
+            </a:r>
+            <a:r>
+              <a:rPr lang="en-US" sz="1225" i="1" dirty="0">
+                <a:latin typeface="Corbel" panose="020B0503020204020204" pitchFamily="34" charset="0"/>
+              </a:rPr>
+              <a:t>analysis</a:t>
+            </a:r>
+            <a:r>
+              <a:rPr lang="en-US" sz="1225" dirty="0">
+                <a:latin typeface="Corbel" panose="020B0503020204020204" pitchFamily="34" charset="0"/>
+              </a:rPr>
+              <a:t> </a:t>
+            </a:r>
+            <a:r>
+              <a:rPr lang="ru-RU" sz="1225" dirty="0">
+                <a:latin typeface="Corbel" panose="020B0503020204020204" pitchFamily="34" charset="0"/>
+              </a:rPr>
+              <a:t>– режим анализа партии.</a:t>
+            </a:r>
+          </a:p>
+          <a:p>
+            <a:r>
+              <a:rPr lang="ru-RU" sz="1225" dirty="0">
+                <a:latin typeface="Corbel" panose="020B0503020204020204" pitchFamily="34" charset="0"/>
+              </a:rPr>
+              <a:t>Функция </a:t>
+            </a:r>
+            <a:r>
+              <a:rPr lang="fr-FR" sz="1225" i="1" dirty="0">
+                <a:latin typeface="Corbel" panose="020B0503020204020204" pitchFamily="34" charset="0"/>
+              </a:rPr>
+              <a:t>challenges</a:t>
+            </a:r>
+            <a:r>
+              <a:rPr lang="fr-FR" sz="1225" dirty="0">
+                <a:latin typeface="Corbel" panose="020B0503020204020204" pitchFamily="34" charset="0"/>
+              </a:rPr>
+              <a:t> – </a:t>
+            </a:r>
+            <a:r>
+              <a:rPr lang="ru-RU" sz="1225" dirty="0">
+                <a:latin typeface="Corbel" panose="020B0503020204020204" pitchFamily="34" charset="0"/>
+              </a:rPr>
+              <a:t>режим испытаний</a:t>
+            </a:r>
+            <a:r>
+              <a:rPr lang="ru-RU" sz="1225" dirty="0" smtClean="0">
+                <a:latin typeface="Corbel" panose="020B0503020204020204" pitchFamily="34" charset="0"/>
+              </a:rPr>
+              <a:t>.</a:t>
+            </a:r>
+            <a:endParaRPr lang="ru-RU" sz="1225" dirty="0">
               <a:latin typeface="Corbel" panose="020B0503020204020204" pitchFamily="34" charset="0"/>
             </a:endParaRPr>
           </a:p>
@@ -7472,6 +7531,46 @@
           </a:prstGeom>
         </p:spPr>
       </p:pic>
+      <p:sp>
+        <p:nvSpPr>
+          <p:cNvPr id="3" name="TextBox 2"/>
+          <p:cNvSpPr txBox="1"/>
+          <p:nvPr/>
+        </p:nvSpPr>
+        <p:spPr>
+          <a:xfrm>
+            <a:off x="765175" y="692210"/>
+            <a:ext cx="1190198" cy="292388"/>
+          </a:xfrm>
+          <a:prstGeom prst="rect">
+            <a:avLst/>
+          </a:prstGeom>
+          <a:noFill/>
+        </p:spPr>
+        <p:txBody>
+          <a:bodyPr wrap="none" rtlCol="0">
+            <a:spAutoFit/>
+          </a:bodyPr>
+          <a:lstStyle/>
+          <a:p>
+            <a:r>
+              <a:rPr lang="ru-RU" sz="1300" dirty="0" smtClean="0">
+                <a:solidFill>
+                  <a:srgbClr val="171312"/>
+                </a:solidFill>
+                <a:latin typeface="Corbel" panose="020B0503020204020204" pitchFamily="34" charset="0"/>
+              </a:rPr>
+              <a:t>Главное меню</a:t>
+            </a:r>
+            <a:endParaRPr lang="ru-RU" sz="1300" dirty="0">
+              <a:solidFill>
+                <a:srgbClr val="171312"/>
+              </a:solidFill>
+              <a:latin typeface="Corbel" panose="020B0503020204020204" pitchFamily="34" charset="0"/>
+            </a:endParaRPr>
+          </a:p>
+        </p:txBody>
+      </p:sp>
     </p:spTree>
     <p:extLst>
       <p:ext uri="{BB962C8B-B14F-4D97-AF65-F5344CB8AC3E}">
@@ -7572,85 +7671,85 @@
           <a:lstStyle/>
           <a:p>
             <a:r>
-              <a:rPr lang="ru-RU" sz="1200" dirty="0">
+              <a:rPr lang="ru-RU" sz="1225" dirty="0">
                 <a:latin typeface="Corbel" panose="020B0503020204020204" pitchFamily="34" charset="0"/>
               </a:rPr>
               <a:t>Классы фигур: </a:t>
             </a:r>
             <a:r>
-              <a:rPr lang="en-US" sz="1200" i="1" dirty="0">
+              <a:rPr lang="en-US" sz="1225" i="1" dirty="0">
                 <a:latin typeface="Corbel" panose="020B0503020204020204" pitchFamily="34" charset="0"/>
               </a:rPr>
               <a:t>Rook</a:t>
             </a:r>
             <a:r>
-              <a:rPr lang="ru-RU" sz="1200" dirty="0">
+              <a:rPr lang="ru-RU" sz="1225" dirty="0">
                 <a:latin typeface="Corbel" panose="020B0503020204020204" pitchFamily="34" charset="0"/>
               </a:rPr>
               <a:t> (ладья), </a:t>
             </a:r>
             <a:r>
-              <a:rPr lang="en-US" sz="1200" i="1" dirty="0">
+              <a:rPr lang="en-US" sz="1225" i="1" dirty="0">
                 <a:latin typeface="Corbel" panose="020B0503020204020204" pitchFamily="34" charset="0"/>
               </a:rPr>
               <a:t>Pawn</a:t>
             </a:r>
             <a:r>
-              <a:rPr lang="ru-RU" sz="1200" dirty="0">
+              <a:rPr lang="ru-RU" sz="1225" dirty="0">
                 <a:latin typeface="Corbel" panose="020B0503020204020204" pitchFamily="34" charset="0"/>
               </a:rPr>
               <a:t> (пешка), </a:t>
             </a:r>
             <a:r>
-              <a:rPr lang="en-US" sz="1200" i="1" dirty="0">
+              <a:rPr lang="en-US" sz="1225" i="1" dirty="0">
                 <a:latin typeface="Corbel" panose="020B0503020204020204" pitchFamily="34" charset="0"/>
               </a:rPr>
               <a:t>Knight</a:t>
             </a:r>
             <a:r>
-              <a:rPr lang="ru-RU" sz="1200" dirty="0">
+              <a:rPr lang="ru-RU" sz="1225" dirty="0">
                 <a:latin typeface="Corbel" panose="020B0503020204020204" pitchFamily="34" charset="0"/>
               </a:rPr>
               <a:t> (конь), </a:t>
             </a:r>
             <a:r>
-              <a:rPr lang="en-US" sz="1200" i="1" dirty="0">
+              <a:rPr lang="en-US" sz="1225" i="1" dirty="0">
                 <a:latin typeface="Corbel" panose="020B0503020204020204" pitchFamily="34" charset="0"/>
               </a:rPr>
               <a:t>King</a:t>
             </a:r>
             <a:r>
-              <a:rPr lang="ru-RU" sz="1200" dirty="0">
+              <a:rPr lang="ru-RU" sz="1225" dirty="0">
                 <a:latin typeface="Corbel" panose="020B0503020204020204" pitchFamily="34" charset="0"/>
               </a:rPr>
               <a:t> (король), </a:t>
             </a:r>
             <a:r>
-              <a:rPr lang="en-US" sz="1200" i="1" dirty="0">
+              <a:rPr lang="en-US" sz="1225" i="1" dirty="0">
                 <a:latin typeface="Corbel" panose="020B0503020204020204" pitchFamily="34" charset="0"/>
               </a:rPr>
               <a:t>Queen</a:t>
             </a:r>
             <a:r>
-              <a:rPr lang="ru-RU" sz="1200" dirty="0">
+              <a:rPr lang="ru-RU" sz="1225" dirty="0">
                 <a:latin typeface="Corbel" panose="020B0503020204020204" pitchFamily="34" charset="0"/>
               </a:rPr>
               <a:t> (ферзь), </a:t>
             </a:r>
             <a:r>
-              <a:rPr lang="en-US" sz="1200" i="1" dirty="0">
+              <a:rPr lang="en-US" sz="1225" i="1" dirty="0">
                 <a:latin typeface="Corbel" panose="020B0503020204020204" pitchFamily="34" charset="0"/>
               </a:rPr>
               <a:t>Bishop</a:t>
             </a:r>
             <a:r>
-              <a:rPr lang="en-US" sz="1200" dirty="0">
+              <a:rPr lang="en-US" sz="1225" dirty="0">
                 <a:latin typeface="Corbel" panose="020B0503020204020204" pitchFamily="34" charset="0"/>
               </a:rPr>
               <a:t> </a:t>
             </a:r>
             <a:r>
-              <a:rPr lang="ru-RU" sz="1200" dirty="0">
+              <a:rPr lang="ru-RU" sz="1225" dirty="0">
                 <a:latin typeface="Corbel" panose="020B0503020204020204" pitchFamily="34" charset="0"/>
               </a:rPr>
               <a:t>(слон).</a:t>
@@ -7665,31 +7764,31 @@
               <a:buChar char="•"/>
             </a:pPr>
             <a:r>
-              <a:rPr lang="ru-RU" sz="1200" dirty="0">
+              <a:rPr lang="ru-RU" sz="1225" dirty="0">
                 <a:latin typeface="Corbel" panose="020B0503020204020204" pitchFamily="34" charset="0"/>
               </a:rPr>
               <a:t>функция </a:t>
             </a:r>
             <a:r>
-              <a:rPr lang="en-US" sz="1200" i="1" dirty="0">
+              <a:rPr lang="en-US" sz="1225" i="1" dirty="0">
                 <a:latin typeface="Corbel" panose="020B0503020204020204" pitchFamily="34" charset="0"/>
               </a:rPr>
               <a:t>get</a:t>
             </a:r>
             <a:r>
-              <a:rPr lang="ru-RU" sz="1200" i="1" dirty="0">
+              <a:rPr lang="ru-RU" sz="1225" i="1" dirty="0">
                 <a:latin typeface="Corbel" panose="020B0503020204020204" pitchFamily="34" charset="0"/>
               </a:rPr>
               <a:t>_</a:t>
             </a:r>
             <a:r>
-              <a:rPr lang="en-US" sz="1200" i="1" dirty="0">
+              <a:rPr lang="en-US" sz="1225" i="1" dirty="0">
                 <a:latin typeface="Corbel" panose="020B0503020204020204" pitchFamily="34" charset="0"/>
               </a:rPr>
               <a:t>color</a:t>
             </a:r>
             <a:r>
-              <a:rPr lang="ru-RU" sz="1200" dirty="0">
+              <a:rPr lang="ru-RU" sz="1225" dirty="0">
                 <a:latin typeface="Corbel" panose="020B0503020204020204" pitchFamily="34" charset="0"/>
               </a:rPr>
               <a:t> возвращает символ цвета фигуры</a:t>
@@ -7704,19 +7803,19 @@
               <a:buChar char="•"/>
             </a:pPr>
             <a:r>
-              <a:rPr lang="ru-RU" sz="1200" dirty="0">
+              <a:rPr lang="ru-RU" sz="1225" dirty="0">
                 <a:latin typeface="Corbel" panose="020B0503020204020204" pitchFamily="34" charset="0"/>
               </a:rPr>
               <a:t>функция </a:t>
             </a:r>
             <a:r>
-              <a:rPr lang="en-US" sz="1200" i="1" dirty="0">
+              <a:rPr lang="en-US" sz="1225" i="1" dirty="0">
                 <a:latin typeface="Corbel" panose="020B0503020204020204" pitchFamily="34" charset="0"/>
               </a:rPr>
               <a:t>char</a:t>
             </a:r>
             <a:r>
-              <a:rPr lang="ru-RU" sz="1200" dirty="0">
+              <a:rPr lang="ru-RU" sz="1225" dirty="0">
                 <a:latin typeface="Corbel" panose="020B0503020204020204" pitchFamily="34" charset="0"/>
               </a:rPr>
               <a:t> возвращает символ фигуры</a:t>
@@ -7731,19 +7830,19 @@
               <a:buChar char="•"/>
             </a:pPr>
             <a:r>
-              <a:rPr lang="ru-RU" sz="1200" dirty="0">
+              <a:rPr lang="ru-RU" sz="1225" dirty="0">
                 <a:latin typeface="Corbel" panose="020B0503020204020204" pitchFamily="34" charset="0"/>
               </a:rPr>
               <a:t>функция </a:t>
             </a:r>
             <a:r>
-              <a:rPr lang="ru-RU" sz="1200" i="1" dirty="0" err="1">
+              <a:rPr lang="ru-RU" sz="1225" i="1" dirty="0" err="1">
                 <a:latin typeface="Corbel" panose="020B0503020204020204" pitchFamily="34" charset="0"/>
               </a:rPr>
               <a:t>can_attack</a:t>
             </a:r>
             <a:r>
-              <a:rPr lang="ru-RU" sz="1200" dirty="0">
+              <a:rPr lang="ru-RU" sz="1225" dirty="0">
                 <a:latin typeface="Corbel" panose="020B0503020204020204" pitchFamily="34" charset="0"/>
               </a:rPr>
               <a:t> – проверка возможности атаковать фигуру противника</a:t>
@@ -7758,146 +7857,113 @@
               <a:buChar char="•"/>
             </a:pPr>
             <a:r>
-              <a:rPr lang="ru-RU" sz="1200" dirty="0">
+              <a:rPr lang="ru-RU" sz="1225" dirty="0">
                 <a:latin typeface="Corbel" panose="020B0503020204020204" pitchFamily="34" charset="0"/>
               </a:rPr>
               <a:t>функция </a:t>
             </a:r>
             <a:r>
-              <a:rPr lang="ru-RU" sz="1200" i="1" dirty="0" err="1">
+              <a:rPr lang="ru-RU" sz="1225" i="1" dirty="0" err="1">
                 <a:latin typeface="Corbel" panose="020B0503020204020204" pitchFamily="34" charset="0"/>
               </a:rPr>
               <a:t>can_move</a:t>
             </a:r>
             <a:r>
-              <a:rPr lang="ru-RU" sz="1200" dirty="0">
+              <a:rPr lang="ru-RU" sz="1225" dirty="0">
                 <a:latin typeface="Corbel" panose="020B0503020204020204" pitchFamily="34" charset="0"/>
               </a:rPr>
               <a:t> – проверка возможности хода в свободную </a:t>
             </a:r>
             <a:r>
-              <a:rPr lang="ru-RU" sz="1200" dirty="0" smtClean="0">
+              <a:rPr lang="ru-RU" sz="1225" dirty="0" smtClean="0">
                 <a:latin typeface="Corbel" panose="020B0503020204020204" pitchFamily="34" charset="0"/>
               </a:rPr>
               <a:t>клетку</a:t>
             </a:r>
           </a:p>
           <a:p>
-            <a:pPr marL="285750" lvl="0" indent="-285750">
+            <a:pPr lvl="0">
               <a:buClr>
                 <a:schemeClr val="bg2"/>
               </a:buClr>
-              <a:buFont typeface="Arial" panose="020B0604020202020204" pitchFamily="34" charset="0"/>
-              <a:buChar char="•"/>
             </a:pPr>
             <a:r>
-              <a:rPr lang="ru-RU" sz="1200" dirty="0" smtClean="0">
-                <a:latin typeface="Corbel" panose="020B0503020204020204" pitchFamily="34" charset="0"/>
-              </a:rPr>
-              <a:t>(</a:t>
-            </a:r>
-            <a:r>
-              <a:rPr lang="ru-RU" sz="1200" dirty="0">
-                <a:latin typeface="Corbel" panose="020B0503020204020204" pitchFamily="34" charset="0"/>
-              </a:rPr>
-              <a:t>у пешки) функция </a:t>
-            </a:r>
-            <a:r>
-              <a:rPr lang="ru-RU" sz="1200" i="1" dirty="0" err="1">
+              <a:rPr lang="ru-RU" sz="1225" dirty="0">
+                <a:latin typeface="Corbel" panose="020B0503020204020204" pitchFamily="34" charset="0"/>
+              </a:rPr>
+              <a:t>Функция </a:t>
+            </a:r>
+            <a:r>
+              <a:rPr lang="ru-RU" sz="1225" i="1" dirty="0" err="1">
+                <a:latin typeface="Corbel" panose="020B0503020204020204" pitchFamily="34" charset="0"/>
+              </a:rPr>
+              <a:t>get_filename</a:t>
+            </a:r>
+            <a:r>
+              <a:rPr lang="ru-RU" sz="1225" dirty="0">
+                <a:latin typeface="Corbel" panose="020B0503020204020204" pitchFamily="34" charset="0"/>
+              </a:rPr>
+              <a:t> – диалоговое окно открытия протокола для анализа.</a:t>
+            </a:r>
+          </a:p>
+          <a:p>
+            <a:pPr lvl="0">
+              <a:buClr>
+                <a:schemeClr val="bg2"/>
+              </a:buClr>
+            </a:pPr>
+            <a:r>
+              <a:rPr lang="ru-RU" sz="1225" dirty="0">
+                <a:latin typeface="Corbel" panose="020B0503020204020204" pitchFamily="34" charset="0"/>
+              </a:rPr>
+              <a:t>Функция </a:t>
+            </a:r>
+            <a:r>
+              <a:rPr lang="ru-RU" sz="1225" i="1" dirty="0" err="1">
                 <a:latin typeface="Corbel" panose="020B0503020204020204" pitchFamily="34" charset="0"/>
               </a:rPr>
               <a:t>taking_on_the_pass</a:t>
             </a:r>
             <a:r>
-              <a:rPr lang="ru-RU" sz="1200" dirty="0">
+              <a:rPr lang="ru-RU" sz="1225" dirty="0">
                 <a:latin typeface="Corbel" panose="020B0503020204020204" pitchFamily="34" charset="0"/>
               </a:rPr>
               <a:t> – взятие на проходе.</a:t>
             </a:r>
           </a:p>
           <a:p>
-            <a:r>
-              <a:rPr lang="ru-RU" sz="1200" dirty="0">
+            <a:pPr lvl="0">
+              <a:buClr>
+                <a:schemeClr val="bg2"/>
+              </a:buClr>
+            </a:pPr>
+            <a:r>
+              <a:rPr lang="ru-RU" sz="1225" dirty="0">
                 <a:latin typeface="Corbel" panose="020B0503020204020204" pitchFamily="34" charset="0"/>
               </a:rPr>
               <a:t>Функция </a:t>
             </a:r>
             <a:r>
-              <a:rPr lang="en-US" sz="1200" i="1" dirty="0">
-                <a:latin typeface="Corbel" panose="020B0503020204020204" pitchFamily="34" charset="0"/>
-              </a:rPr>
-              <a:t>game</a:t>
-            </a:r>
-            <a:r>
-              <a:rPr lang="en-US" sz="1200" dirty="0">
-                <a:latin typeface="Corbel" panose="020B0503020204020204" pitchFamily="34" charset="0"/>
-              </a:rPr>
-              <a:t> </a:t>
-            </a:r>
-            <a:r>
-              <a:rPr lang="ru-RU" sz="1200" dirty="0">
-                <a:latin typeface="Corbel" panose="020B0503020204020204" pitchFamily="34" charset="0"/>
-              </a:rPr>
-              <a:t>– режим игры.</a:t>
-            </a:r>
-          </a:p>
-          <a:p>
-            <a:r>
-              <a:rPr lang="ru-RU" sz="1200" dirty="0">
-                <a:latin typeface="Corbel" panose="020B0503020204020204" pitchFamily="34" charset="0"/>
-              </a:rPr>
-              <a:t>Функция </a:t>
-            </a:r>
-            <a:r>
-              <a:rPr lang="en-US" sz="1200" i="1" dirty="0">
-                <a:latin typeface="Corbel" panose="020B0503020204020204" pitchFamily="34" charset="0"/>
-              </a:rPr>
-              <a:t>analysis</a:t>
-            </a:r>
-            <a:r>
-              <a:rPr lang="en-US" sz="1200" dirty="0">
-                <a:latin typeface="Corbel" panose="020B0503020204020204" pitchFamily="34" charset="0"/>
-              </a:rPr>
-              <a:t> </a:t>
-            </a:r>
-            <a:r>
-              <a:rPr lang="ru-RU" sz="1200" dirty="0">
-                <a:latin typeface="Corbel" panose="020B0503020204020204" pitchFamily="34" charset="0"/>
-              </a:rPr>
-              <a:t>– режим анализа партии</a:t>
-            </a:r>
-            <a:r>
-              <a:rPr lang="ru-RU" sz="1200" dirty="0" smtClean="0">
+              <a:rPr lang="ru-RU" sz="1225" i="1" dirty="0" err="1">
+                <a:latin typeface="Corbel" panose="020B0503020204020204" pitchFamily="34" charset="0"/>
+              </a:rPr>
+              <a:t>surrender</a:t>
+            </a:r>
+            <a:r>
+              <a:rPr lang="ru-RU" sz="1225" dirty="0">
+                <a:latin typeface="Corbel" panose="020B0503020204020204" pitchFamily="34" charset="0"/>
+              </a:rPr>
+              <a:t> – сдача игры</a:t>
+            </a:r>
+            <a:r>
+              <a:rPr lang="ru-RU" sz="1225" dirty="0" smtClean="0">
                 <a:latin typeface="Corbel" panose="020B0503020204020204" pitchFamily="34" charset="0"/>
               </a:rPr>
               <a:t>.</a:t>
             </a:r>
-          </a:p>
-          <a:p>
-            <a:r>
-              <a:rPr lang="ru-RU" sz="1200" dirty="0">
-                <a:latin typeface="Corbel" panose="020B0503020204020204" pitchFamily="34" charset="0"/>
-              </a:rPr>
-              <a:t>Функция </a:t>
-            </a:r>
-            <a:r>
-              <a:rPr lang="fr-FR" sz="1200" i="1" dirty="0">
-                <a:latin typeface="Corbel" panose="020B0503020204020204" pitchFamily="34" charset="0"/>
-              </a:rPr>
-              <a:t>challenges</a:t>
-            </a:r>
-            <a:r>
-              <a:rPr lang="fr-FR" sz="1200" dirty="0">
-                <a:latin typeface="Corbel" panose="020B0503020204020204" pitchFamily="34" charset="0"/>
-              </a:rPr>
-              <a:t> – </a:t>
-            </a:r>
-            <a:r>
-              <a:rPr lang="ru-RU" sz="1200" dirty="0">
-                <a:latin typeface="Corbel" panose="020B0503020204020204" pitchFamily="34" charset="0"/>
-              </a:rPr>
-              <a:t>режим испытаний.</a:t>
-            </a:r>
+            <a:endParaRPr lang="ru-RU" sz="1225" dirty="0" smtClean="0">
+              <a:latin typeface="Corbel" panose="020B0503020204020204" pitchFamily="34" charset="0"/>
+            </a:endParaRPr>
           </a:p>
         </p:txBody>
       </p:sp>
@@ -7927,6 +7993,46 @@
           </a:prstGeom>
         </p:spPr>
       </p:pic>
+      <p:sp>
+        <p:nvSpPr>
+          <p:cNvPr id="5" name="TextBox 4"/>
+          <p:cNvSpPr txBox="1"/>
+          <p:nvPr/>
+        </p:nvSpPr>
+        <p:spPr>
+          <a:xfrm>
+            <a:off x="471561" y="1473545"/>
+            <a:ext cx="1055802" cy="292388"/>
+          </a:xfrm>
+          <a:prstGeom prst="rect">
+            <a:avLst/>
+          </a:prstGeom>
+          <a:noFill/>
+        </p:spPr>
+        <p:txBody>
+          <a:bodyPr wrap="none" rtlCol="0">
+            <a:spAutoFit/>
+          </a:bodyPr>
+          <a:lstStyle/>
+          <a:p>
+            <a:r>
+              <a:rPr lang="ru-RU" sz="1300" dirty="0" smtClean="0">
+                <a:solidFill>
+                  <a:srgbClr val="171312"/>
+                </a:solidFill>
+                <a:latin typeface="Corbel" panose="020B0503020204020204" pitchFamily="34" charset="0"/>
+              </a:rPr>
+              <a:t>Режим игры</a:t>
+            </a:r>
+            <a:endParaRPr lang="ru-RU" sz="1300" dirty="0">
+              <a:solidFill>
+                <a:srgbClr val="171312"/>
+              </a:solidFill>
+              <a:latin typeface="Corbel" panose="020B0503020204020204" pitchFamily="34" charset="0"/>
+            </a:endParaRPr>
+          </a:p>
+        </p:txBody>
+      </p:sp>
     </p:spTree>
     <p:extLst>
       <p:ext uri="{BB962C8B-B14F-4D97-AF65-F5344CB8AC3E}">
@@ -8004,32 +8110,6 @@
           </a:p>
         </p:txBody>
       </p:sp>
-      <p:pic>
-        <p:nvPicPr>
-          <p:cNvPr id="5" name="Объект 4"/>
-          <p:cNvPicPr>
-            <a:picLocks noGrp="1" noChangeAspect="1"/>
-          </p:cNvPicPr>
-          <p:nvPr>
-            <p:ph idx="1"/>
-          </p:nvPr>
-        </p:nvPicPr>
-        <p:blipFill>
-          <a:blip r:embed="rId2"/>
-          <a:stretch>
-            <a:fillRect/>
-          </a:stretch>
-        </p:blipFill>
-        <p:spPr>
-          <a:xfrm>
-            <a:off x="446393" y="1766503"/>
-            <a:ext cx="6843639" cy="3746459"/>
-          </a:xfrm>
-          <a:prstGeom prst="rect">
-            <a:avLst/>
-          </a:prstGeom>
-        </p:spPr>
-      </p:pic>
       <p:sp>
         <p:nvSpPr>
           <p:cNvPr id="4" name="Текст 3"/>
@@ -8290,6 +8370,72 @@
               <a:t>.</a:t>
             </a:r>
             <a:endParaRPr lang="ru-RU" sz="1400" dirty="0">
+              <a:latin typeface="Corbel" panose="020B0503020204020204" pitchFamily="34" charset="0"/>
+            </a:endParaRPr>
+          </a:p>
+        </p:txBody>
+      </p:sp>
+      <p:pic>
+        <p:nvPicPr>
+          <p:cNvPr id="6" name="Объект 5"/>
+          <p:cNvPicPr>
+            <a:picLocks noGrp="1"/>
+          </p:cNvPicPr>
+          <p:nvPr>
+            <p:ph idx="1"/>
+          </p:nvPr>
+        </p:nvPicPr>
+        <p:blipFill>
+          <a:blip r:embed="rId2"/>
+          <a:stretch>
+            <a:fillRect/>
+          </a:stretch>
+        </p:blipFill>
+        <p:spPr>
+          <a:xfrm>
+            <a:off x="454782" y="1691001"/>
+            <a:ext cx="6787787" cy="3711508"/>
+          </a:xfrm>
+          <a:prstGeom prst="rect">
+            <a:avLst/>
+          </a:prstGeom>
+        </p:spPr>
+      </p:pic>
+      <p:sp>
+        <p:nvSpPr>
+          <p:cNvPr id="7" name="TextBox 6"/>
+          <p:cNvSpPr txBox="1"/>
+          <p:nvPr/>
+        </p:nvSpPr>
+        <p:spPr>
+          <a:xfrm>
+            <a:off x="454782" y="1398613"/>
+            <a:ext cx="1258678" cy="292388"/>
+          </a:xfrm>
+          <a:prstGeom prst="rect">
+            <a:avLst/>
+          </a:prstGeom>
+          <a:noFill/>
+        </p:spPr>
+        <p:txBody>
+          <a:bodyPr wrap="none" rtlCol="0">
+            <a:spAutoFit/>
+          </a:bodyPr>
+          <a:lstStyle/>
+          <a:p>
+            <a:r>
+              <a:rPr lang="ru-RU" sz="1300" dirty="0" smtClean="0">
+                <a:solidFill>
+                  <a:srgbClr val="171312"/>
+                </a:solidFill>
+                <a:latin typeface="Corbel" panose="020B0503020204020204" pitchFamily="34" charset="0"/>
+              </a:rPr>
+              <a:t>Анализ партии</a:t>
+            </a:r>
+            <a:endParaRPr lang="ru-RU" sz="1300" dirty="0">
+              <a:solidFill>
+                <a:srgbClr val="171312"/>
+              </a:solidFill>
               <a:latin typeface="Corbel" panose="020B0503020204020204" pitchFamily="34" charset="0"/>
             </a:endParaRPr>
           </a:p>
@@ -8372,25 +8518,32 @@
           </a:p>
         </p:txBody>
       </p:sp>
-      <p:sp>
-        <p:nvSpPr>
-          <p:cNvPr id="3" name="Объект 2"/>
-          <p:cNvSpPr>
-            <a:spLocks noGrp="1"/>
-          </p:cNvSpPr>
+      <p:pic>
+        <p:nvPicPr>
+          <p:cNvPr id="5" name="Объект 4"/>
+          <p:cNvPicPr>
+            <a:picLocks noGrp="1" noChangeAspect="1"/>
+          </p:cNvPicPr>
           <p:nvPr>
             <p:ph idx="1"/>
           </p:nvPr>
-        </p:nvSpPr>
-        <p:spPr/>
-        <p:txBody>
-          <a:bodyPr/>
-          <a:lstStyle/>
-          <a:p>
-            <a:endParaRPr lang="ru-RU" dirty="0"/>
-          </a:p>
-        </p:txBody>
-      </p:sp>
+        </p:nvPicPr>
+        <p:blipFill>
+          <a:blip r:embed="rId2"/>
+          <a:stretch>
+            <a:fillRect/>
+          </a:stretch>
+        </p:blipFill>
+        <p:spPr>
+          <a:xfrm>
+            <a:off x="421227" y="1781722"/>
+            <a:ext cx="6844031" cy="3738234"/>
+          </a:xfrm>
+          <a:prstGeom prst="rect">
+            <a:avLst/>
+          </a:prstGeom>
+        </p:spPr>
+      </p:pic>
       <p:sp>
         <p:nvSpPr>
           <p:cNvPr id="4" name="Текст 3"/>
@@ -8677,6 +8830,46 @@
               </a:rPr>
               <a:t>– загрузка изображений.</a:t>
             </a:r>
+          </a:p>
+        </p:txBody>
+      </p:sp>
+      <p:sp>
+        <p:nvSpPr>
+          <p:cNvPr id="7" name="TextBox 6"/>
+          <p:cNvSpPr txBox="1"/>
+          <p:nvPr/>
+        </p:nvSpPr>
+        <p:spPr>
+          <a:xfrm>
+            <a:off x="421227" y="1489334"/>
+            <a:ext cx="987771" cy="292388"/>
+          </a:xfrm>
+          <a:prstGeom prst="rect">
+            <a:avLst/>
+          </a:prstGeom>
+          <a:noFill/>
+        </p:spPr>
+        <p:txBody>
+          <a:bodyPr wrap="none" rtlCol="0">
+            <a:spAutoFit/>
+          </a:bodyPr>
+          <a:lstStyle/>
+          <a:p>
+            <a:r>
+              <a:rPr lang="ru-RU" sz="1300" dirty="0" smtClean="0">
+                <a:solidFill>
+                  <a:srgbClr val="171312"/>
+                </a:solidFill>
+                <a:latin typeface="Corbel" panose="020B0503020204020204" pitchFamily="34" charset="0"/>
+              </a:rPr>
+              <a:t>Испытания</a:t>
+            </a:r>
+            <a:endParaRPr lang="ru-RU" sz="1300" dirty="0">
+              <a:solidFill>
+                <a:srgbClr val="171312"/>
+              </a:solidFill>
+              <a:latin typeface="Corbel" panose="020B0503020204020204" pitchFamily="34" charset="0"/>
+            </a:endParaRPr>
           </a:p>
         </p:txBody>
       </p:sp>
@@ -8781,6 +8974,15 @@
             </a:r>
           </a:p>
           <a:p>
+            <a:r>
+              <a:rPr lang="en-US" dirty="0" err="1" smtClean="0">
+                <a:solidFill>
+                  <a:schemeClr val="tx1"/>
+                </a:solidFill>
+                <a:latin typeface="Corbel" panose="020B0503020204020204" pitchFamily="34" charset="0"/>
+              </a:rPr>
+              <a:t>pygame</a:t>
+            </a:r>
             <a:endParaRPr lang="ru-RU" dirty="0">
               <a:solidFill>
                 <a:schemeClr val="tx1"/>
@@ -8820,13 +9022,56 @@
           </a:p>
           <a:p>
             <a:r>
+              <a:rPr lang="en-US" dirty="0" err="1">
+                <a:solidFill>
+                  <a:schemeClr val="tx1"/>
+                </a:solidFill>
+                <a:latin typeface="Corbel" panose="020B0503020204020204" pitchFamily="34" charset="0"/>
+              </a:rPr>
+              <a:t>p</a:t>
+            </a:r>
+            <a:r>
               <a:rPr lang="en-US" dirty="0" err="1" smtClean="0">
                 <a:solidFill>
                   <a:schemeClr val="tx1"/>
                 </a:solidFill>
                 <a:latin typeface="Corbel" panose="020B0503020204020204" pitchFamily="34" charset="0"/>
               </a:rPr>
-              <a:t>pygame</a:t>
+              <a:t>ygame</a:t>
+            </a:r>
+            <a:endParaRPr lang="ru-RU" dirty="0">
+              <a:solidFill>
+                <a:schemeClr val="tx1"/>
+              </a:solidFill>
+              <a:latin typeface="Corbel" panose="020B0503020204020204" pitchFamily="34" charset="0"/>
+            </a:endParaRPr>
+          </a:p>
+          <a:p>
+            <a:r>
+              <a:rPr lang="en-US" dirty="0" err="1" smtClean="0">
+                <a:solidFill>
+                  <a:schemeClr val="tx1"/>
+                </a:solidFill>
+                <a:latin typeface="Corbel" panose="020B0503020204020204" pitchFamily="34" charset="0"/>
+              </a:rPr>
+              <a:t>tkinter</a:t>
+            </a:r>
+            <a:endParaRPr lang="en-US" dirty="0" smtClean="0">
+              <a:solidFill>
+                <a:schemeClr val="tx1"/>
+              </a:solidFill>
+              <a:latin typeface="Corbel" panose="020B0503020204020204" pitchFamily="34" charset="0"/>
+            </a:endParaRPr>
+          </a:p>
+          <a:p>
+            <a:r>
+              <a:rPr lang="en-US" dirty="0" err="1" smtClean="0">
+                <a:solidFill>
+                  <a:schemeClr val="tx1"/>
+                </a:solidFill>
+                <a:latin typeface="Corbel" panose="020B0503020204020204" pitchFamily="34" charset="0"/>
+              </a:rPr>
+              <a:t>datetime</a:t>
             </a:r>
             <a:endParaRPr lang="en-US" dirty="0" smtClean="0">
               <a:solidFill>
